--- a/mhw2.pptx
+++ b/mhw2.pptx
@@ -6,7 +6,7 @@
     <p:sldMasterId id="2147483752" r:id="rId2"/>
   </p:sldMasterIdLst>
   <p:notesMasterIdLst>
-    <p:notesMasterId r:id="rId17"/>
+    <p:notesMasterId r:id="rId18"/>
   </p:notesMasterIdLst>
   <p:sldIdLst>
     <p:sldId id="256" r:id="rId3"/>
@@ -23,6 +23,7 @@
     <p:sldId id="266" r:id="rId14"/>
     <p:sldId id="268" r:id="rId15"/>
     <p:sldId id="269" r:id="rId16"/>
+    <p:sldId id="270" r:id="rId17"/>
   </p:sldIdLst>
   <p:sldSz cx="12192000" cy="6858000"/>
   <p:notesSz cx="6858000" cy="9144000"/>
@@ -211,7 +212,7 @@
           <a:p>
             <a:fld id="{2EEC1238-D108-4679-81F9-043439F13AB5}" type="datetimeFigureOut">
               <a:rPr lang="it-IT" smtClean="0"/>
-              <a:t>07/04/2021</a:t>
+              <a:t>08/04/2021</a:t>
             </a:fld>
             <a:endParaRPr lang="it-IT"/>
           </a:p>
@@ -828,7 +829,7 @@
           <a:p>
             <a:fld id="{403CB87E-4591-47A1-9046-CF63F17215EF}" type="datetime2">
               <a:rPr lang="en-US" smtClean="0"/>
-              <a:t>Wednesday, April 7, 2021</a:t>
+              <a:t>Thursday, April 8, 2021</a:t>
             </a:fld>
             <a:endParaRPr lang="en-US" dirty="0"/>
           </a:p>
@@ -1050,7 +1051,7 @@
           <a:p>
             <a:fld id="{2FA17F0E-8070-4DFE-A821-9A699EDBAD7E}" type="datetime2">
               <a:rPr lang="en-US" smtClean="0"/>
-              <a:t>Wednesday, April 7, 2021</a:t>
+              <a:t>Thursday, April 8, 2021</a:t>
             </a:fld>
             <a:endParaRPr lang="en-US"/>
           </a:p>
@@ -1262,7 +1263,7 @@
           <a:p>
             <a:fld id="{D88D34AE-C7BF-46E5-A968-01C6641F6476}" type="datetime2">
               <a:rPr lang="en-US" smtClean="0"/>
-              <a:t>Wednesday, April 7, 2021</a:t>
+              <a:t>Thursday, April 8, 2021</a:t>
             </a:fld>
             <a:endParaRPr lang="en-US"/>
           </a:p>
@@ -3686,7 +3687,7 @@
           <a:p>
             <a:fld id="{3C04E684-10F4-4CC3-A0B9-F03AA7BE37CF}" type="datetimeFigureOut">
               <a:rPr lang="en-US" smtClean="0"/>
-              <a:t>4/7/2021</a:t>
+              <a:t>4/8/2021</a:t>
             </a:fld>
             <a:endParaRPr lang="en-US"/>
           </a:p>
@@ -4423,7 +4424,7 @@
           <a:p>
             <a:fld id="{3C04E684-10F4-4CC3-A0B9-F03AA7BE37CF}" type="datetimeFigureOut">
               <a:rPr lang="en-US" smtClean="0"/>
-              <a:t>4/7/2021</a:t>
+              <a:t>4/8/2021</a:t>
             </a:fld>
             <a:endParaRPr lang="en-US"/>
           </a:p>
@@ -5065,7 +5066,7 @@
           <a:p>
             <a:fld id="{3C04E684-10F4-4CC3-A0B9-F03AA7BE37CF}" type="datetimeFigureOut">
               <a:rPr lang="en-US" smtClean="0"/>
-              <a:t>4/7/2021</a:t>
+              <a:t>4/8/2021</a:t>
             </a:fld>
             <a:endParaRPr lang="en-US"/>
           </a:p>
@@ -5865,7 +5866,7 @@
           <a:p>
             <a:fld id="{3C04E684-10F4-4CC3-A0B9-F03AA7BE37CF}" type="datetimeFigureOut">
               <a:rPr lang="en-US" smtClean="0"/>
-              <a:t>4/7/2021</a:t>
+              <a:t>4/8/2021</a:t>
             </a:fld>
             <a:endParaRPr lang="en-US"/>
           </a:p>
@@ -6816,7 +6817,7 @@
           <a:p>
             <a:fld id="{3C04E684-10F4-4CC3-A0B9-F03AA7BE37CF}" type="datetimeFigureOut">
               <a:rPr lang="en-US" smtClean="0"/>
-              <a:t>4/7/2021</a:t>
+              <a:t>4/8/2021</a:t>
             </a:fld>
             <a:endParaRPr lang="en-US"/>
           </a:p>
@@ -9165,7 +9166,7 @@
           <a:p>
             <a:fld id="{3C04E684-10F4-4CC3-A0B9-F03AA7BE37CF}" type="datetimeFigureOut">
               <a:rPr lang="en-US" smtClean="0"/>
-              <a:t>4/7/2021</a:t>
+              <a:t>4/8/2021</a:t>
             </a:fld>
             <a:endParaRPr lang="en-US"/>
           </a:p>
@@ -9278,7 +9279,7 @@
           <a:p>
             <a:fld id="{3C04E684-10F4-4CC3-A0B9-F03AA7BE37CF}" type="datetimeFigureOut">
               <a:rPr lang="en-US" smtClean="0"/>
-              <a:t>4/7/2021</a:t>
+              <a:t>4/8/2021</a:t>
             </a:fld>
             <a:endParaRPr lang="en-US"/>
           </a:p>
@@ -9785,7 +9786,7 @@
           <a:p>
             <a:fld id="{3C04E684-10F4-4CC3-A0B9-F03AA7BE37CF}" type="datetimeFigureOut">
               <a:rPr lang="en-US" smtClean="0"/>
-              <a:t>4/7/2021</a:t>
+              <a:t>4/8/2021</a:t>
             </a:fld>
             <a:endParaRPr lang="en-US"/>
           </a:p>
@@ -10022,7 +10023,7 @@
           <a:p>
             <a:fld id="{F33DE70B-B772-416E-A790-995760B1742E}" type="datetime2">
               <a:rPr lang="en-US" smtClean="0"/>
-              <a:t>Wednesday, April 7, 2021</a:t>
+              <a:t>Thursday, April 8, 2021</a:t>
             </a:fld>
             <a:endParaRPr lang="en-US" dirty="0"/>
           </a:p>
@@ -11345,7 +11346,7 @@
           <a:p>
             <a:fld id="{3C04E684-10F4-4CC3-A0B9-F03AA7BE37CF}" type="datetimeFigureOut">
               <a:rPr lang="en-US" smtClean="0"/>
-              <a:t>4/7/2021</a:t>
+              <a:t>4/8/2021</a:t>
             </a:fld>
             <a:endParaRPr lang="en-US"/>
           </a:p>
@@ -13839,7 +13840,7 @@
           <a:p>
             <a:fld id="{3C04E684-10F4-4CC3-A0B9-F03AA7BE37CF}" type="datetimeFigureOut">
               <a:rPr lang="en-US" smtClean="0"/>
-              <a:t>4/7/2021</a:t>
+              <a:t>4/8/2021</a:t>
             </a:fld>
             <a:endParaRPr lang="en-US"/>
           </a:p>
@@ -14037,7 +14038,7 @@
           <a:p>
             <a:fld id="{3C04E684-10F4-4CC3-A0B9-F03AA7BE37CF}" type="datetimeFigureOut">
               <a:rPr lang="en-US" smtClean="0"/>
-              <a:t>4/7/2021</a:t>
+              <a:t>4/8/2021</a:t>
             </a:fld>
             <a:endParaRPr lang="en-US"/>
           </a:p>
@@ -14245,7 +14246,7 @@
           <a:p>
             <a:fld id="{3C04E684-10F4-4CC3-A0B9-F03AA7BE37CF}" type="datetimeFigureOut">
               <a:rPr lang="en-US" smtClean="0"/>
-              <a:t>4/7/2021</a:t>
+              <a:t>4/8/2021</a:t>
             </a:fld>
             <a:endParaRPr lang="en-US"/>
           </a:p>
@@ -14524,7 +14525,7 @@
           <a:p>
             <a:fld id="{76760CDE-A6F1-4138-AF12-ED09E8E5FB6B}" type="datetime2">
               <a:rPr lang="en-US" smtClean="0"/>
-              <a:t>Wednesday, April 7, 2021</a:t>
+              <a:t>Thursday, April 8, 2021</a:t>
             </a:fld>
             <a:endParaRPr lang="en-US"/>
           </a:p>
@@ -14856,7 +14857,7 @@
           <a:p>
             <a:fld id="{DB15F8B1-DB7B-4D28-A97D-40FB2DD1EF78}" type="datetime2">
               <a:rPr lang="en-US" smtClean="0"/>
-              <a:t>Wednesday, April 7, 2021</a:t>
+              <a:t>Thursday, April 8, 2021</a:t>
             </a:fld>
             <a:endParaRPr lang="en-US"/>
           </a:p>
@@ -15302,7 +15303,7 @@
           <a:p>
             <a:fld id="{14039161-23B8-4738-9069-73EBE8884FDD}" type="datetime2">
               <a:rPr lang="en-US" smtClean="0"/>
-              <a:t>Wednesday, April 7, 2021</a:t>
+              <a:t>Thursday, April 8, 2021</a:t>
             </a:fld>
             <a:endParaRPr lang="en-US"/>
           </a:p>
@@ -15458,7 +15459,7 @@
           <a:p>
             <a:fld id="{FA994D44-7693-499F-AC6C-11696134FE3F}" type="datetime2">
               <a:rPr lang="en-US" smtClean="0"/>
-              <a:t>Wednesday, April 7, 2021</a:t>
+              <a:t>Thursday, April 8, 2021</a:t>
             </a:fld>
             <a:endParaRPr lang="en-US"/>
           </a:p>
@@ -15575,7 +15576,7 @@
           <a:p>
             <a:fld id="{363AF2AE-472C-4EF3-ABB2-24BAA9AE3CF7}" type="datetime2">
               <a:rPr lang="en-US" smtClean="0"/>
-              <a:t>Wednesday, April 7, 2021</a:t>
+              <a:t>Thursday, April 8, 2021</a:t>
             </a:fld>
             <a:endParaRPr lang="en-US"/>
           </a:p>
@@ -15902,7 +15903,7 @@
           <a:p>
             <a:fld id="{EAEA162C-A7C1-4263-9453-1BAFF8C39559}" type="datetime2">
               <a:rPr lang="en-US" smtClean="0"/>
-              <a:t>Wednesday, April 7, 2021</a:t>
+              <a:t>Thursday, April 8, 2021</a:t>
             </a:fld>
             <a:endParaRPr lang="en-US"/>
           </a:p>
@@ -16208,7 +16209,7 @@
           <a:p>
             <a:fld id="{64DF6793-3458-4587-8168-65F0C37A92D2}" type="datetime2">
               <a:rPr lang="en-US" smtClean="0"/>
-              <a:t>Wednesday, April 7, 2021</a:t>
+              <a:t>Thursday, April 8, 2021</a:t>
             </a:fld>
             <a:endParaRPr lang="en-US"/>
           </a:p>
@@ -16561,7 +16562,7 @@
             <a:fld id="{E8352ED3-3C46-4C9A-9738-67B2D875E7E2}" type="datetime2">
               <a:rPr lang="en-US" smtClean="0"/>
               <a:pPr/>
-              <a:t>Wednesday, April 7, 2021</a:t>
+              <a:t>Thursday, April 8, 2021</a:t>
             </a:fld>
             <a:endParaRPr lang="en-US" dirty="0"/>
           </a:p>
@@ -17147,7 +17148,7 @@
           <a:p>
             <a:fld id="{3C04E684-10F4-4CC3-A0B9-F03AA7BE37CF}" type="datetimeFigureOut">
               <a:rPr lang="en-US" smtClean="0"/>
-              <a:t>4/7/2021</a:t>
+              <a:t>4/8/2021</a:t>
             </a:fld>
             <a:endParaRPr lang="en-US"/>
           </a:p>
@@ -21628,6 +21629,215 @@
     <p:extLst>
       <p:ext uri="{BB962C8B-B14F-4D97-AF65-F5344CB8AC3E}">
         <p14:creationId xmlns:p14="http://schemas.microsoft.com/office/powerpoint/2010/main" val="2832536295"/>
+      </p:ext>
+    </p:extLst>
+  </p:cSld>
+  <p:clrMapOvr>
+    <a:masterClrMapping/>
+  </p:clrMapOvr>
+</p:sld>
+</file>
+
+<file path=ppt/slides/slide15.xml><?xml version="1.0" encoding="utf-8"?>
+<p:sld xmlns:a="http://schemas.openxmlformats.org/drawingml/2006/main" xmlns:r="http://schemas.openxmlformats.org/officeDocument/2006/relationships" xmlns:p="http://schemas.openxmlformats.org/presentationml/2006/main">
+  <p:cSld>
+    <p:spTree>
+      <p:nvGrpSpPr>
+        <p:cNvPr id="1" name=""/>
+        <p:cNvGrpSpPr/>
+        <p:nvPr/>
+      </p:nvGrpSpPr>
+      <p:grpSpPr>
+        <a:xfrm>
+          <a:off x="0" y="0"/>
+          <a:ext cx="0" cy="0"/>
+          <a:chOff x="0" y="0"/>
+          <a:chExt cx="0" cy="0"/>
+        </a:xfrm>
+      </p:grpSpPr>
+      <p:sp>
+        <p:nvSpPr>
+          <p:cNvPr id="2" name="Titolo 1">
+            <a:extLst>
+              <a:ext uri="{FF2B5EF4-FFF2-40B4-BE49-F238E27FC236}">
+                <a16:creationId xmlns:a16="http://schemas.microsoft.com/office/drawing/2014/main" id="{45073ACE-EA29-46BD-B6CB-88E2EEB3F2A5}"/>
+              </a:ext>
+            </a:extLst>
+          </p:cNvPr>
+          <p:cNvSpPr>
+            <a:spLocks noGrp="1"/>
+          </p:cNvSpPr>
+          <p:nvPr>
+            <p:ph type="title"/>
+          </p:nvPr>
+        </p:nvSpPr>
+        <p:spPr/>
+        <p:txBody>
+          <a:bodyPr/>
+          <a:lstStyle/>
+          <a:p>
+            <a:r>
+              <a:rPr lang="it-IT" dirty="0"/>
+              <a:t>Altre note</a:t>
+            </a:r>
+          </a:p>
+        </p:txBody>
+      </p:sp>
+      <p:sp>
+        <p:nvSpPr>
+          <p:cNvPr id="3" name="Segnaposto contenuto 2">
+            <a:extLst>
+              <a:ext uri="{FF2B5EF4-FFF2-40B4-BE49-F238E27FC236}">
+                <a16:creationId xmlns:a16="http://schemas.microsoft.com/office/drawing/2014/main" id="{8813E1C3-980C-45CF-9BAF-03772A510E2E}"/>
+              </a:ext>
+            </a:extLst>
+          </p:cNvPr>
+          <p:cNvSpPr>
+            <a:spLocks noGrp="1"/>
+          </p:cNvSpPr>
+          <p:nvPr>
+            <p:ph idx="1"/>
+          </p:nvPr>
+        </p:nvSpPr>
+        <p:spPr>
+          <a:xfrm>
+            <a:off x="420624" y="1546492"/>
+            <a:ext cx="11524327" cy="4854308"/>
+          </a:xfrm>
+        </p:spPr>
+        <p:txBody>
+          <a:bodyPr>
+            <a:normAutofit fontScale="92500" lnSpcReduction="20000"/>
+          </a:bodyPr>
+          <a:lstStyle/>
+          <a:p>
+            <a:pPr marL="0" indent="0">
+              <a:buNone/>
+            </a:pPr>
+            <a:r>
+              <a:rPr lang="it-IT" dirty="0"/>
+              <a:t>La </a:t>
+            </a:r>
+            <a:r>
+              <a:rPr lang="it-IT" b="1" dirty="0">
+                <a:solidFill>
+                  <a:srgbClr val="FF0000"/>
+                </a:solidFill>
+              </a:rPr>
+              <a:t>Home-page</a:t>
+            </a:r>
+            <a:r>
+              <a:rPr lang="it-IT" dirty="0"/>
+              <a:t> contiene diversi riferimenti a pagine esterne, nella maggior parte dei casi non ancora implementate. </a:t>
+            </a:r>
+          </a:p>
+          <a:p>
+            <a:pPr marL="0" indent="0">
+              <a:buNone/>
+            </a:pPr>
+            <a:r>
+              <a:rPr lang="it-IT" dirty="0"/>
+              <a:t>In questo </a:t>
+            </a:r>
+            <a:r>
+              <a:rPr lang="it-IT" dirty="0" err="1"/>
+              <a:t>commit</a:t>
+            </a:r>
+            <a:r>
+              <a:rPr lang="it-IT" dirty="0"/>
+              <a:t> mi sono occupato di creare la sezione </a:t>
+            </a:r>
+            <a:r>
+              <a:rPr lang="it-IT" b="1" dirty="0"/>
+              <a:t>Galleria</a:t>
+            </a:r>
+            <a:r>
+              <a:rPr lang="it-IT" dirty="0"/>
+              <a:t> e </a:t>
+            </a:r>
+            <a:r>
+              <a:rPr lang="it-IT" b="1" dirty="0"/>
+              <a:t>Reparti </a:t>
+            </a:r>
+            <a:r>
+              <a:rPr lang="it-IT" dirty="0"/>
+              <a:t>(il link si trovano sopra i divisori della home page), preoccupandomi di gestire l’inserimento dei contenuti in maniera dinamica come per il mhw2 (si potrebbe anzi dire che ho usato le stesse funzioni descritte precedentemente ma modificandone alcuni punti per adattarle ai contenuti specifici delle due nuove pagine).</a:t>
+            </a:r>
+          </a:p>
+          <a:p>
+            <a:pPr marL="0" indent="0">
+              <a:buNone/>
+            </a:pPr>
+            <a:endParaRPr lang="it-IT" dirty="0"/>
+          </a:p>
+          <a:p>
+            <a:pPr marL="0" indent="0">
+              <a:buNone/>
+            </a:pPr>
+            <a:r>
+              <a:rPr lang="it-IT" dirty="0"/>
+              <a:t>I files nuovi sono: </a:t>
+            </a:r>
+          </a:p>
+          <a:p>
+            <a:pPr marL="0" indent="0">
+              <a:buNone/>
+            </a:pPr>
+            <a:r>
+              <a:rPr lang="it-IT" dirty="0"/>
+              <a:t>Per la </a:t>
+            </a:r>
+            <a:r>
+              <a:rPr lang="it-IT" b="1" dirty="0"/>
+              <a:t>Galleria</a:t>
+            </a:r>
+            <a:r>
+              <a:rPr lang="it-IT" dirty="0"/>
+              <a:t>: Galleria.html, contentsGalleria.js, scriptGalleria.js</a:t>
+            </a:r>
+          </a:p>
+          <a:p>
+            <a:pPr marL="0" indent="0">
+              <a:buNone/>
+            </a:pPr>
+            <a:r>
+              <a:rPr lang="it-IT" dirty="0"/>
+              <a:t>Per i </a:t>
+            </a:r>
+            <a:r>
+              <a:rPr lang="it-IT" b="1" dirty="0"/>
+              <a:t>Reparti</a:t>
+            </a:r>
+            <a:r>
+              <a:rPr lang="it-IT" dirty="0"/>
+              <a:t>: Reparti.html, contentsReparti.js, scriptReparti.js</a:t>
+            </a:r>
+          </a:p>
+          <a:p>
+            <a:pPr marL="0" indent="0">
+              <a:buNone/>
+            </a:pPr>
+            <a:endParaRPr lang="it-IT" dirty="0"/>
+          </a:p>
+          <a:p>
+            <a:pPr marL="0" indent="0">
+              <a:buNone/>
+            </a:pPr>
+            <a:r>
+              <a:rPr lang="it-IT" dirty="0"/>
+              <a:t>Il foglio di stile di riferimento per le 2 nuove pagine è </a:t>
+            </a:r>
+            <a:r>
+              <a:rPr lang="it-IT" b="1" dirty="0"/>
+              <a:t>mhw2.css.</a:t>
+            </a:r>
+          </a:p>
+        </p:txBody>
+      </p:sp>
+    </p:spTree>
+    <p:extLst>
+      <p:ext uri="{BB962C8B-B14F-4D97-AF65-F5344CB8AC3E}">
+        <p14:creationId xmlns:p14="http://schemas.microsoft.com/office/powerpoint/2010/main" val="4192468639"/>
       </p:ext>
     </p:extLst>
   </p:cSld>

--- a/mhw2.pptx
+++ b/mhw2.pptx
@@ -6,7 +6,7 @@
     <p:sldMasterId id="2147483752" r:id="rId2"/>
   </p:sldMasterIdLst>
   <p:notesMasterIdLst>
-    <p:notesMasterId r:id="rId18"/>
+    <p:notesMasterId r:id="rId24"/>
   </p:notesMasterIdLst>
   <p:sldIdLst>
     <p:sldId id="256" r:id="rId3"/>
@@ -16,14 +16,20 @@
     <p:sldId id="262" r:id="rId7"/>
     <p:sldId id="263" r:id="rId8"/>
     <p:sldId id="264" r:id="rId9"/>
-    <p:sldId id="260" r:id="rId10"/>
-    <p:sldId id="265" r:id="rId11"/>
-    <p:sldId id="267" r:id="rId12"/>
-    <p:sldId id="259" r:id="rId13"/>
-    <p:sldId id="266" r:id="rId14"/>
-    <p:sldId id="268" r:id="rId15"/>
-    <p:sldId id="269" r:id="rId16"/>
-    <p:sldId id="270" r:id="rId17"/>
+    <p:sldId id="271" r:id="rId10"/>
+    <p:sldId id="260" r:id="rId11"/>
+    <p:sldId id="272" r:id="rId12"/>
+    <p:sldId id="273" r:id="rId13"/>
+    <p:sldId id="274" r:id="rId14"/>
+    <p:sldId id="265" r:id="rId15"/>
+    <p:sldId id="267" r:id="rId16"/>
+    <p:sldId id="259" r:id="rId17"/>
+    <p:sldId id="275" r:id="rId18"/>
+    <p:sldId id="276" r:id="rId19"/>
+    <p:sldId id="266" r:id="rId20"/>
+    <p:sldId id="268" r:id="rId21"/>
+    <p:sldId id="269" r:id="rId22"/>
+    <p:sldId id="270" r:id="rId23"/>
   </p:sldIdLst>
   <p:sldSz cx="12192000" cy="6858000"/>
   <p:notesSz cx="6858000" cy="9144000"/>
@@ -647,7 +653,7 @@
           <a:p>
             <a:fld id="{87E7526D-76C1-4BCD-95CA-38D10AA3FC19}" type="slidenum">
               <a:rPr lang="it-IT" smtClean="0"/>
-              <a:t>9</a:t>
+              <a:t>13</a:t>
             </a:fld>
             <a:endParaRPr lang="it-IT"/>
           </a:p>
@@ -18306,6 +18312,2003 @@
           <p:cNvPr id="2" name="Titolo 1">
             <a:extLst>
               <a:ext uri="{FF2B5EF4-FFF2-40B4-BE49-F238E27FC236}">
+                <a16:creationId xmlns:a16="http://schemas.microsoft.com/office/drawing/2014/main" id="{9C4A64A0-BC37-4A79-85FE-A68DEAB561FE}"/>
+              </a:ext>
+            </a:extLst>
+          </p:cNvPr>
+          <p:cNvSpPr>
+            <a:spLocks noGrp="1"/>
+          </p:cNvSpPr>
+          <p:nvPr>
+            <p:ph type="title"/>
+          </p:nvPr>
+        </p:nvSpPr>
+        <p:spPr/>
+        <p:txBody>
+          <a:bodyPr>
+            <a:normAutofit fontScale="90000"/>
+          </a:bodyPr>
+          <a:lstStyle/>
+          <a:p>
+            <a:r>
+              <a:rPr lang="it-IT" dirty="0"/>
+              <a:t>Funzione dettagli() e </a:t>
+            </a:r>
+            <a:r>
+              <a:rPr lang="it-IT" dirty="0" err="1"/>
+              <a:t>riduciDescrizione</a:t>
+            </a:r>
+            <a:r>
+              <a:rPr lang="it-IT" dirty="0"/>
+              <a:t>() </a:t>
+            </a:r>
+          </a:p>
+        </p:txBody>
+      </p:sp>
+      <p:pic>
+        <p:nvPicPr>
+          <p:cNvPr id="5" name="Segnaposto contenuto 4">
+            <a:extLst>
+              <a:ext uri="{FF2B5EF4-FFF2-40B4-BE49-F238E27FC236}">
+                <a16:creationId xmlns:a16="http://schemas.microsoft.com/office/drawing/2014/main" id="{06FE829E-1BFC-4B1E-A93D-839BD626577D}"/>
+              </a:ext>
+            </a:extLst>
+          </p:cNvPr>
+          <p:cNvPicPr>
+            <a:picLocks noGrp="1" noChangeAspect="1"/>
+          </p:cNvPicPr>
+          <p:nvPr>
+            <p:ph idx="1"/>
+          </p:nvPr>
+        </p:nvPicPr>
+        <p:blipFill>
+          <a:blip r:embed="rId2"/>
+          <a:stretch>
+            <a:fillRect/>
+          </a:stretch>
+        </p:blipFill>
+        <p:spPr>
+          <a:xfrm>
+            <a:off x="420624" y="1787687"/>
+            <a:ext cx="5657508" cy="1807048"/>
+          </a:xfrm>
+        </p:spPr>
+      </p:pic>
+      <p:pic>
+        <p:nvPicPr>
+          <p:cNvPr id="7" name="Immagine 6">
+            <a:extLst>
+              <a:ext uri="{FF2B5EF4-FFF2-40B4-BE49-F238E27FC236}">
+                <a16:creationId xmlns:a16="http://schemas.microsoft.com/office/drawing/2014/main" id="{5727E9C5-6A9F-4CE2-A6FC-3807B371F73E}"/>
+              </a:ext>
+            </a:extLst>
+          </p:cNvPr>
+          <p:cNvPicPr>
+            <a:picLocks noChangeAspect="1"/>
+          </p:cNvPicPr>
+          <p:nvPr/>
+        </p:nvPicPr>
+        <p:blipFill>
+          <a:blip r:embed="rId3"/>
+          <a:stretch>
+            <a:fillRect/>
+          </a:stretch>
+        </p:blipFill>
+        <p:spPr>
+          <a:xfrm>
+            <a:off x="420624" y="4415439"/>
+            <a:ext cx="5067300" cy="1800225"/>
+          </a:xfrm>
+          <a:prstGeom prst="rect">
+            <a:avLst/>
+          </a:prstGeom>
+        </p:spPr>
+      </p:pic>
+      <p:sp>
+        <p:nvSpPr>
+          <p:cNvPr id="10" name="CasellaDiTesto 9">
+            <a:extLst>
+              <a:ext uri="{FF2B5EF4-FFF2-40B4-BE49-F238E27FC236}">
+                <a16:creationId xmlns:a16="http://schemas.microsoft.com/office/drawing/2014/main" id="{465FF5A4-2370-49F6-AB50-31E6F9D99550}"/>
+              </a:ext>
+            </a:extLst>
+          </p:cNvPr>
+          <p:cNvSpPr txBox="1"/>
+          <p:nvPr/>
+        </p:nvSpPr>
+        <p:spPr>
+          <a:xfrm>
+            <a:off x="4408949" y="1506022"/>
+            <a:ext cx="1402948" cy="369332"/>
+          </a:xfrm>
+          <a:prstGeom prst="rect">
+            <a:avLst/>
+          </a:prstGeom>
+          <a:noFill/>
+        </p:spPr>
+        <p:txBody>
+          <a:bodyPr wrap="none" rtlCol="0">
+            <a:spAutoFit/>
+          </a:bodyPr>
+          <a:lstStyle/>
+          <a:p>
+            <a:r>
+              <a:rPr lang="it-IT" dirty="0">
+                <a:highlight>
+                  <a:srgbClr val="FFFF00"/>
+                </a:highlight>
+              </a:rPr>
+              <a:t>Java Script</a:t>
+            </a:r>
+          </a:p>
+        </p:txBody>
+      </p:sp>
+      <p:sp>
+        <p:nvSpPr>
+          <p:cNvPr id="11" name="CasellaDiTesto 10">
+            <a:extLst>
+              <a:ext uri="{FF2B5EF4-FFF2-40B4-BE49-F238E27FC236}">
+                <a16:creationId xmlns:a16="http://schemas.microsoft.com/office/drawing/2014/main" id="{60739E92-911F-401D-8FE1-B29F894AD1FC}"/>
+              </a:ext>
+            </a:extLst>
+          </p:cNvPr>
+          <p:cNvSpPr txBox="1"/>
+          <p:nvPr/>
+        </p:nvSpPr>
+        <p:spPr>
+          <a:xfrm>
+            <a:off x="3638927" y="4046107"/>
+            <a:ext cx="1402948" cy="369332"/>
+          </a:xfrm>
+          <a:prstGeom prst="rect">
+            <a:avLst/>
+          </a:prstGeom>
+          <a:noFill/>
+        </p:spPr>
+        <p:txBody>
+          <a:bodyPr wrap="none" rtlCol="0">
+            <a:spAutoFit/>
+          </a:bodyPr>
+          <a:lstStyle/>
+          <a:p>
+            <a:r>
+              <a:rPr lang="it-IT" dirty="0">
+                <a:highlight>
+                  <a:srgbClr val="FFFF00"/>
+                </a:highlight>
+              </a:rPr>
+              <a:t>Java Script</a:t>
+            </a:r>
+          </a:p>
+        </p:txBody>
+      </p:sp>
+      <p:sp>
+        <p:nvSpPr>
+          <p:cNvPr id="12" name="CasellaDiTesto 11">
+            <a:extLst>
+              <a:ext uri="{FF2B5EF4-FFF2-40B4-BE49-F238E27FC236}">
+                <a16:creationId xmlns:a16="http://schemas.microsoft.com/office/drawing/2014/main" id="{28130D0D-6DD1-4A03-A669-1CC2A691530D}"/>
+              </a:ext>
+            </a:extLst>
+          </p:cNvPr>
+          <p:cNvSpPr txBox="1"/>
+          <p:nvPr/>
+        </p:nvSpPr>
+        <p:spPr>
+          <a:xfrm>
+            <a:off x="6920564" y="1787686"/>
+            <a:ext cx="5168767" cy="2585323"/>
+          </a:xfrm>
+          <a:prstGeom prst="rect">
+            <a:avLst/>
+          </a:prstGeom>
+          <a:noFill/>
+        </p:spPr>
+        <p:txBody>
+          <a:bodyPr wrap="square" rtlCol="0">
+            <a:spAutoFit/>
+          </a:bodyPr>
+          <a:lstStyle/>
+          <a:p>
+            <a:r>
+              <a:rPr lang="it-IT" dirty="0"/>
+              <a:t>Entrambe le funzioni si attivano al click sul rispettivo bottone. Il loro funzionamento si basa sul fatto che le </a:t>
+            </a:r>
+            <a:r>
+              <a:rPr lang="it-IT" dirty="0" err="1"/>
+              <a:t>NodeList</a:t>
+            </a:r>
+            <a:r>
+              <a:rPr lang="it-IT" dirty="0"/>
+              <a:t> </a:t>
+            </a:r>
+            <a:r>
+              <a:rPr lang="it-IT" i="1" dirty="0"/>
+              <a:t>images,</a:t>
+            </a:r>
+            <a:r>
+              <a:rPr lang="it-IT" dirty="0"/>
+              <a:t> </a:t>
+            </a:r>
+            <a:r>
+              <a:rPr lang="it-IT" i="1" dirty="0" err="1"/>
+              <a:t>articles</a:t>
+            </a:r>
+            <a:r>
+              <a:rPr lang="it-IT" dirty="0"/>
+              <a:t> e </a:t>
+            </a:r>
+            <a:r>
+              <a:rPr lang="it-IT" i="1" dirty="0"/>
+              <a:t>riduci</a:t>
+            </a:r>
+            <a:r>
+              <a:rPr lang="it-IT" dirty="0"/>
+              <a:t> (sono tutte dichiarate come variabili globali) hanno un indice. Dal momento che l’indice delle </a:t>
+            </a:r>
+            <a:r>
+              <a:rPr lang="it-IT" i="1" dirty="0"/>
+              <a:t>images</a:t>
+            </a:r>
+            <a:r>
+              <a:rPr lang="it-IT" dirty="0"/>
+              <a:t> è uguale a quello di </a:t>
+            </a:r>
+            <a:r>
+              <a:rPr lang="it-IT" i="1" dirty="0" err="1"/>
+              <a:t>articles</a:t>
+            </a:r>
+            <a:r>
+              <a:rPr lang="it-IT" i="1" dirty="0"/>
+              <a:t> </a:t>
+            </a:r>
+            <a:r>
+              <a:rPr lang="it-IT" dirty="0"/>
+              <a:t>(così come quello di </a:t>
+            </a:r>
+            <a:r>
+              <a:rPr lang="it-IT" i="1" dirty="0"/>
+              <a:t>riduci </a:t>
+            </a:r>
+            <a:r>
+              <a:rPr lang="it-IT" dirty="0"/>
+              <a:t>), non è difficile risalire alla descrizione dell’immagine selezionata</a:t>
+            </a:r>
+          </a:p>
+        </p:txBody>
+      </p:sp>
+    </p:spTree>
+    <p:extLst>
+      <p:ext uri="{BB962C8B-B14F-4D97-AF65-F5344CB8AC3E}">
+        <p14:creationId xmlns:p14="http://schemas.microsoft.com/office/powerpoint/2010/main" val="2466190369"/>
+      </p:ext>
+    </p:extLst>
+  </p:cSld>
+  <p:clrMapOvr>
+    <a:masterClrMapping/>
+  </p:clrMapOvr>
+</p:sld>
+</file>
+
+<file path=ppt/slides/slide11.xml><?xml version="1.0" encoding="utf-8"?>
+<p:sld xmlns:a="http://schemas.openxmlformats.org/drawingml/2006/main" xmlns:r="http://schemas.openxmlformats.org/officeDocument/2006/relationships" xmlns:p="http://schemas.openxmlformats.org/presentationml/2006/main">
+  <p:cSld>
+    <p:spTree>
+      <p:nvGrpSpPr>
+        <p:cNvPr id="1" name=""/>
+        <p:cNvGrpSpPr/>
+        <p:nvPr/>
+      </p:nvGrpSpPr>
+      <p:grpSpPr>
+        <a:xfrm>
+          <a:off x="0" y="0"/>
+          <a:ext cx="0" cy="0"/>
+          <a:chOff x="0" y="0"/>
+          <a:chExt cx="0" cy="0"/>
+        </a:xfrm>
+      </p:grpSpPr>
+      <p:sp>
+        <p:nvSpPr>
+          <p:cNvPr id="2" name="Titolo 1">
+            <a:extLst>
+              <a:ext uri="{FF2B5EF4-FFF2-40B4-BE49-F238E27FC236}">
+                <a16:creationId xmlns:a16="http://schemas.microsoft.com/office/drawing/2014/main" id="{F5E10D22-5380-4CDC-B054-927664F236E3}"/>
+              </a:ext>
+            </a:extLst>
+          </p:cNvPr>
+          <p:cNvSpPr>
+            <a:spLocks noGrp="1"/>
+          </p:cNvSpPr>
+          <p:nvPr>
+            <p:ph type="title"/>
+          </p:nvPr>
+        </p:nvSpPr>
+        <p:spPr/>
+        <p:txBody>
+          <a:bodyPr/>
+          <a:lstStyle/>
+          <a:p>
+            <a:r>
+              <a:rPr lang="it-IT" dirty="0"/>
+              <a:t>Funzione aggiungi()</a:t>
+            </a:r>
+          </a:p>
+        </p:txBody>
+      </p:sp>
+      <p:pic>
+        <p:nvPicPr>
+          <p:cNvPr id="5" name="Immagine 4">
+            <a:extLst>
+              <a:ext uri="{FF2B5EF4-FFF2-40B4-BE49-F238E27FC236}">
+                <a16:creationId xmlns:a16="http://schemas.microsoft.com/office/drawing/2014/main" id="{32A59EAD-C3D1-4431-9177-20F7AE56A260}"/>
+              </a:ext>
+            </a:extLst>
+          </p:cNvPr>
+          <p:cNvPicPr>
+            <a:picLocks noChangeAspect="1"/>
+          </p:cNvPicPr>
+          <p:nvPr/>
+        </p:nvPicPr>
+        <p:blipFill>
+          <a:blip r:embed="rId2"/>
+          <a:stretch>
+            <a:fillRect/>
+          </a:stretch>
+        </p:blipFill>
+        <p:spPr>
+          <a:xfrm>
+            <a:off x="420624" y="1899920"/>
+            <a:ext cx="4010486" cy="4378960"/>
+          </a:xfrm>
+          <a:prstGeom prst="rect">
+            <a:avLst/>
+          </a:prstGeom>
+        </p:spPr>
+      </p:pic>
+      <p:sp>
+        <p:nvSpPr>
+          <p:cNvPr id="6" name="CasellaDiTesto 5">
+            <a:extLst>
+              <a:ext uri="{FF2B5EF4-FFF2-40B4-BE49-F238E27FC236}">
+                <a16:creationId xmlns:a16="http://schemas.microsoft.com/office/drawing/2014/main" id="{E7A8769B-EC41-4D56-8FE0-9D59EF77C65E}"/>
+              </a:ext>
+            </a:extLst>
+          </p:cNvPr>
+          <p:cNvSpPr txBox="1"/>
+          <p:nvPr/>
+        </p:nvSpPr>
+        <p:spPr>
+          <a:xfrm>
+            <a:off x="9560708" y="571302"/>
+            <a:ext cx="1402948" cy="369332"/>
+          </a:xfrm>
+          <a:prstGeom prst="rect">
+            <a:avLst/>
+          </a:prstGeom>
+          <a:noFill/>
+        </p:spPr>
+        <p:txBody>
+          <a:bodyPr wrap="none" rtlCol="0">
+            <a:spAutoFit/>
+          </a:bodyPr>
+          <a:lstStyle/>
+          <a:p>
+            <a:r>
+              <a:rPr lang="it-IT" dirty="0">
+                <a:highlight>
+                  <a:srgbClr val="FFFF00"/>
+                </a:highlight>
+              </a:rPr>
+              <a:t>Java Script</a:t>
+            </a:r>
+          </a:p>
+        </p:txBody>
+      </p:sp>
+      <p:sp>
+        <p:nvSpPr>
+          <p:cNvPr id="7" name="CasellaDiTesto 6">
+            <a:extLst>
+              <a:ext uri="{FF2B5EF4-FFF2-40B4-BE49-F238E27FC236}">
+                <a16:creationId xmlns:a16="http://schemas.microsoft.com/office/drawing/2014/main" id="{90F8F97F-37A8-4232-BEAF-AC910EF17A92}"/>
+              </a:ext>
+            </a:extLst>
+          </p:cNvPr>
+          <p:cNvSpPr txBox="1"/>
+          <p:nvPr/>
+        </p:nvSpPr>
+        <p:spPr>
+          <a:xfrm>
+            <a:off x="5842535" y="1899920"/>
+            <a:ext cx="6105626" cy="3416320"/>
+          </a:xfrm>
+          <a:prstGeom prst="rect">
+            <a:avLst/>
+          </a:prstGeom>
+          <a:noFill/>
+        </p:spPr>
+        <p:txBody>
+          <a:bodyPr wrap="square" rtlCol="0">
+            <a:spAutoFit/>
+          </a:bodyPr>
+          <a:lstStyle/>
+          <a:p>
+            <a:r>
+              <a:rPr lang="it-IT" dirty="0"/>
+              <a:t>La funzione si attiva al click. </a:t>
+            </a:r>
+          </a:p>
+          <a:p>
+            <a:r>
+              <a:rPr lang="it-IT" dirty="0"/>
+              <a:t>Quando attivata, rimuove l’event </a:t>
+            </a:r>
+            <a:r>
+              <a:rPr lang="it-IT" dirty="0" err="1"/>
+              <a:t>listener</a:t>
+            </a:r>
+            <a:r>
+              <a:rPr lang="it-IT" dirty="0"/>
+              <a:t> del bottone selezionato che l’ha attivata e rimuove la classe </a:t>
+            </a:r>
+            <a:r>
+              <a:rPr lang="it-IT" dirty="0" err="1"/>
+              <a:t>hidden</a:t>
+            </a:r>
+            <a:r>
+              <a:rPr lang="it-IT" dirty="0"/>
+              <a:t> al titolo preferiti per renderlo visibile. Attraverso il </a:t>
+            </a:r>
+            <a:r>
+              <a:rPr lang="it-IT" b="1" dirty="0"/>
+              <a:t>ciclo for </a:t>
+            </a:r>
+            <a:r>
+              <a:rPr lang="it-IT" dirty="0"/>
+              <a:t>opero una ricerca dell’indice del tasto che ha attivato la funzione. Il </a:t>
+            </a:r>
+            <a:r>
+              <a:rPr lang="it-IT" i="1" dirty="0"/>
+              <a:t>tasto</a:t>
+            </a:r>
+            <a:r>
+              <a:rPr lang="it-IT" dirty="0"/>
+              <a:t> e l’</a:t>
+            </a:r>
+            <a:r>
+              <a:rPr lang="it-IT" b="1" i="1" dirty="0">
+                <a:solidFill>
+                  <a:srgbClr val="FF0000"/>
+                </a:solidFill>
+              </a:rPr>
+              <a:t>oggetto</a:t>
+            </a:r>
+            <a:r>
+              <a:rPr lang="it-IT" b="1" dirty="0">
+                <a:solidFill>
+                  <a:srgbClr val="FF0000"/>
+                </a:solidFill>
+              </a:rPr>
+              <a:t> </a:t>
+            </a:r>
+            <a:r>
+              <a:rPr lang="it-IT" dirty="0"/>
+              <a:t>hanno lo stesso indice, in base a questo decido se posizionare la copia dell’oggetto (il nuovo blocco di contenuto diventa quindi di classe </a:t>
+            </a:r>
+            <a:r>
+              <a:rPr lang="it-IT" b="1" dirty="0">
+                <a:solidFill>
+                  <a:srgbClr val="FFC000"/>
+                </a:solidFill>
+              </a:rPr>
+              <a:t>elemento</a:t>
+            </a:r>
+            <a:r>
+              <a:rPr lang="it-IT" dirty="0"/>
+              <a:t> )che vado a creare nel primo o nel secondo </a:t>
+            </a:r>
+            <a:r>
+              <a:rPr lang="it-IT" i="1" dirty="0" err="1"/>
+              <a:t>wrapper</a:t>
+            </a:r>
+            <a:r>
+              <a:rPr lang="it-IT" dirty="0"/>
+              <a:t> tramite </a:t>
+            </a:r>
+            <a:r>
+              <a:rPr lang="it-IT" b="1" dirty="0" err="1"/>
+              <a:t>if</a:t>
+            </a:r>
+            <a:r>
+              <a:rPr lang="it-IT" dirty="0"/>
+              <a:t>.</a:t>
+            </a:r>
+          </a:p>
+          <a:p>
+            <a:r>
+              <a:rPr lang="it-IT" dirty="0"/>
+              <a:t>Il resto è creazione di elementi nel </a:t>
+            </a:r>
+            <a:r>
+              <a:rPr lang="it-IT" i="1" dirty="0" err="1"/>
+              <a:t>wrapper</a:t>
+            </a:r>
+            <a:r>
+              <a:rPr lang="it-IT" dirty="0"/>
+              <a:t> situato all’interno della sezione preferiti.</a:t>
+            </a:r>
+          </a:p>
+        </p:txBody>
+      </p:sp>
+      <p:pic>
+        <p:nvPicPr>
+          <p:cNvPr id="9" name="Immagine 8">
+            <a:extLst>
+              <a:ext uri="{FF2B5EF4-FFF2-40B4-BE49-F238E27FC236}">
+                <a16:creationId xmlns:a16="http://schemas.microsoft.com/office/drawing/2014/main" id="{67ECC92B-822E-4B30-8E38-C846AD74A39F}"/>
+              </a:ext>
+            </a:extLst>
+          </p:cNvPr>
+          <p:cNvPicPr>
+            <a:picLocks noChangeAspect="1"/>
+          </p:cNvPicPr>
+          <p:nvPr/>
+        </p:nvPicPr>
+        <p:blipFill>
+          <a:blip r:embed="rId3"/>
+          <a:stretch>
+            <a:fillRect/>
+          </a:stretch>
+        </p:blipFill>
+        <p:spPr>
+          <a:xfrm>
+            <a:off x="420624" y="6278880"/>
+            <a:ext cx="3426947" cy="543176"/>
+          </a:xfrm>
+          <a:prstGeom prst="rect">
+            <a:avLst/>
+          </a:prstGeom>
+        </p:spPr>
+      </p:pic>
+    </p:spTree>
+    <p:extLst>
+      <p:ext uri="{BB962C8B-B14F-4D97-AF65-F5344CB8AC3E}">
+        <p14:creationId xmlns:p14="http://schemas.microsoft.com/office/powerpoint/2010/main" val="744212828"/>
+      </p:ext>
+    </p:extLst>
+  </p:cSld>
+  <p:clrMapOvr>
+    <a:masterClrMapping/>
+  </p:clrMapOvr>
+</p:sld>
+</file>
+
+<file path=ppt/slides/slide12.xml><?xml version="1.0" encoding="utf-8"?>
+<p:sld xmlns:a="http://schemas.openxmlformats.org/drawingml/2006/main" xmlns:r="http://schemas.openxmlformats.org/officeDocument/2006/relationships" xmlns:p="http://schemas.openxmlformats.org/presentationml/2006/main">
+  <p:cSld>
+    <p:spTree>
+      <p:nvGrpSpPr>
+        <p:cNvPr id="1" name=""/>
+        <p:cNvGrpSpPr/>
+        <p:nvPr/>
+      </p:nvGrpSpPr>
+      <p:grpSpPr>
+        <a:xfrm>
+          <a:off x="0" y="0"/>
+          <a:ext cx="0" cy="0"/>
+          <a:chOff x="0" y="0"/>
+          <a:chExt cx="0" cy="0"/>
+        </a:xfrm>
+      </p:grpSpPr>
+      <p:sp>
+        <p:nvSpPr>
+          <p:cNvPr id="2" name="Titolo 1">
+            <a:extLst>
+              <a:ext uri="{FF2B5EF4-FFF2-40B4-BE49-F238E27FC236}">
+                <a16:creationId xmlns:a16="http://schemas.microsoft.com/office/drawing/2014/main" id="{23DC58B7-4189-4258-B963-9AEBBCF729CF}"/>
+              </a:ext>
+            </a:extLst>
+          </p:cNvPr>
+          <p:cNvSpPr>
+            <a:spLocks noGrp="1"/>
+          </p:cNvSpPr>
+          <p:nvPr>
+            <p:ph type="title"/>
+          </p:nvPr>
+        </p:nvSpPr>
+        <p:spPr/>
+        <p:txBody>
+          <a:bodyPr/>
+          <a:lstStyle/>
+          <a:p>
+            <a:r>
+              <a:rPr lang="it-IT" dirty="0"/>
+              <a:t>Funzione rimozione()</a:t>
+            </a:r>
+          </a:p>
+        </p:txBody>
+      </p:sp>
+      <p:pic>
+        <p:nvPicPr>
+          <p:cNvPr id="5" name="Segnaposto contenuto 4">
+            <a:extLst>
+              <a:ext uri="{FF2B5EF4-FFF2-40B4-BE49-F238E27FC236}">
+                <a16:creationId xmlns:a16="http://schemas.microsoft.com/office/drawing/2014/main" id="{147BC741-DF62-4488-8B30-F8D7DD87C52A}"/>
+              </a:ext>
+            </a:extLst>
+          </p:cNvPr>
+          <p:cNvPicPr>
+            <a:picLocks noGrp="1" noChangeAspect="1"/>
+          </p:cNvPicPr>
+          <p:nvPr>
+            <p:ph idx="1"/>
+          </p:nvPr>
+        </p:nvPicPr>
+        <p:blipFill>
+          <a:blip r:embed="rId2"/>
+          <a:stretch>
+            <a:fillRect/>
+          </a:stretch>
+        </p:blipFill>
+        <p:spPr>
+          <a:xfrm>
+            <a:off x="420624" y="1690688"/>
+            <a:ext cx="10186416" cy="5000844"/>
+          </a:xfrm>
+        </p:spPr>
+      </p:pic>
+      <p:sp>
+        <p:nvSpPr>
+          <p:cNvPr id="6" name="CasellaDiTesto 5">
+            <a:extLst>
+              <a:ext uri="{FF2B5EF4-FFF2-40B4-BE49-F238E27FC236}">
+                <a16:creationId xmlns:a16="http://schemas.microsoft.com/office/drawing/2014/main" id="{4A2CF3D5-605C-4FF2-B1EF-EB1E6D8C6C10}"/>
+              </a:ext>
+            </a:extLst>
+          </p:cNvPr>
+          <p:cNvSpPr txBox="1"/>
+          <p:nvPr/>
+        </p:nvSpPr>
+        <p:spPr>
+          <a:xfrm>
+            <a:off x="9647335" y="843240"/>
+            <a:ext cx="1402948" cy="369332"/>
+          </a:xfrm>
+          <a:prstGeom prst="rect">
+            <a:avLst/>
+          </a:prstGeom>
+          <a:noFill/>
+        </p:spPr>
+        <p:txBody>
+          <a:bodyPr wrap="none" rtlCol="0">
+            <a:spAutoFit/>
+          </a:bodyPr>
+          <a:lstStyle/>
+          <a:p>
+            <a:r>
+              <a:rPr lang="it-IT" dirty="0">
+                <a:highlight>
+                  <a:srgbClr val="FFFF00"/>
+                </a:highlight>
+              </a:rPr>
+              <a:t>Java Script</a:t>
+            </a:r>
+          </a:p>
+        </p:txBody>
+      </p:sp>
+    </p:spTree>
+    <p:extLst>
+      <p:ext uri="{BB962C8B-B14F-4D97-AF65-F5344CB8AC3E}">
+        <p14:creationId xmlns:p14="http://schemas.microsoft.com/office/powerpoint/2010/main" val="3727828709"/>
+      </p:ext>
+    </p:extLst>
+  </p:cSld>
+  <p:clrMapOvr>
+    <a:masterClrMapping/>
+  </p:clrMapOvr>
+</p:sld>
+</file>
+
+<file path=ppt/slides/slide13.xml><?xml version="1.0" encoding="utf-8"?>
+<p:sld xmlns:a="http://schemas.openxmlformats.org/drawingml/2006/main" xmlns:r="http://schemas.openxmlformats.org/officeDocument/2006/relationships" xmlns:p="http://schemas.openxmlformats.org/presentationml/2006/main">
+  <p:cSld>
+    <p:spTree>
+      <p:nvGrpSpPr>
+        <p:cNvPr id="1" name=""/>
+        <p:cNvGrpSpPr/>
+        <p:nvPr/>
+      </p:nvGrpSpPr>
+      <p:grpSpPr>
+        <a:xfrm>
+          <a:off x="0" y="0"/>
+          <a:ext cx="0" cy="0"/>
+          <a:chOff x="0" y="0"/>
+          <a:chExt cx="0" cy="0"/>
+        </a:xfrm>
+      </p:grpSpPr>
+      <p:pic>
+        <p:nvPicPr>
+          <p:cNvPr id="5" name="Segnaposto contenuto 4">
+            <a:extLst>
+              <a:ext uri="{FF2B5EF4-FFF2-40B4-BE49-F238E27FC236}">
+                <a16:creationId xmlns:a16="http://schemas.microsoft.com/office/drawing/2014/main" id="{6358A76D-F0BC-43AA-9D0F-9A48EB20BE92}"/>
+              </a:ext>
+            </a:extLst>
+          </p:cNvPr>
+          <p:cNvPicPr>
+            <a:picLocks noGrp="1" noChangeAspect="1"/>
+          </p:cNvPicPr>
+          <p:nvPr>
+            <p:ph idx="1"/>
+          </p:nvPr>
+        </p:nvPicPr>
+        <p:blipFill>
+          <a:blip r:embed="rId3">
+            <a:extLst>
+              <a:ext uri="{28A0092B-C50C-407E-A947-70E740481C1C}">
+                <a14:useLocalDpi xmlns:a14="http://schemas.microsoft.com/office/drawing/2010/main" val="0"/>
+              </a:ext>
+            </a:extLst>
+          </a:blip>
+          <a:stretch>
+            <a:fillRect/>
+          </a:stretch>
+        </p:blipFill>
+        <p:spPr>
+          <a:xfrm>
+            <a:off x="2011347" y="0"/>
+            <a:ext cx="8700934" cy="4826118"/>
+          </a:xfrm>
+        </p:spPr>
+      </p:pic>
+      <p:sp>
+        <p:nvSpPr>
+          <p:cNvPr id="6" name="CasellaDiTesto 5">
+            <a:extLst>
+              <a:ext uri="{FF2B5EF4-FFF2-40B4-BE49-F238E27FC236}">
+                <a16:creationId xmlns:a16="http://schemas.microsoft.com/office/drawing/2014/main" id="{861B9045-7096-486F-9F53-4B7B4EFB2CEA}"/>
+              </a:ext>
+            </a:extLst>
+          </p:cNvPr>
+          <p:cNvSpPr txBox="1"/>
+          <p:nvPr/>
+        </p:nvSpPr>
+        <p:spPr>
+          <a:xfrm>
+            <a:off x="0" y="595423"/>
+            <a:ext cx="2557110" cy="369332"/>
+          </a:xfrm>
+          <a:prstGeom prst="rect">
+            <a:avLst/>
+          </a:prstGeom>
+          <a:noFill/>
+        </p:spPr>
+        <p:txBody>
+          <a:bodyPr wrap="none" rtlCol="0">
+            <a:spAutoFit/>
+          </a:bodyPr>
+          <a:lstStyle/>
+          <a:p>
+            <a:r>
+              <a:rPr lang="it-IT" b="1" dirty="0">
+                <a:highlight>
+                  <a:srgbClr val="FFFF00"/>
+                </a:highlight>
+              </a:rPr>
+              <a:t>Titolo sezione (&lt;h1&gt;)</a:t>
+            </a:r>
+          </a:p>
+        </p:txBody>
+      </p:sp>
+      <p:pic>
+        <p:nvPicPr>
+          <p:cNvPr id="8" name="Immagine 7">
+            <a:extLst>
+              <a:ext uri="{FF2B5EF4-FFF2-40B4-BE49-F238E27FC236}">
+                <a16:creationId xmlns:a16="http://schemas.microsoft.com/office/drawing/2014/main" id="{BA473E90-3D63-48D0-87DB-281EFCBA0024}"/>
+              </a:ext>
+            </a:extLst>
+          </p:cNvPr>
+          <p:cNvPicPr>
+            <a:picLocks noChangeAspect="1"/>
+          </p:cNvPicPr>
+          <p:nvPr/>
+        </p:nvPicPr>
+        <p:blipFill>
+          <a:blip r:embed="rId4"/>
+          <a:stretch>
+            <a:fillRect/>
+          </a:stretch>
+        </p:blipFill>
+        <p:spPr>
+          <a:xfrm>
+            <a:off x="2523458" y="3930430"/>
+            <a:ext cx="7410895" cy="1663786"/>
+          </a:xfrm>
+          <a:prstGeom prst="rect">
+            <a:avLst/>
+          </a:prstGeom>
+        </p:spPr>
+      </p:pic>
+      <p:cxnSp>
+        <p:nvCxnSpPr>
+          <p:cNvPr id="10" name="Connettore 2 9">
+            <a:extLst>
+              <a:ext uri="{FF2B5EF4-FFF2-40B4-BE49-F238E27FC236}">
+                <a16:creationId xmlns:a16="http://schemas.microsoft.com/office/drawing/2014/main" id="{89E310C6-361A-427D-9DEC-DA47DF350121}"/>
+              </a:ext>
+            </a:extLst>
+          </p:cNvPr>
+          <p:cNvCxnSpPr>
+            <a:cxnSpLocks/>
+            <a:stCxn id="6" idx="3"/>
+          </p:cNvCxnSpPr>
+          <p:nvPr/>
+        </p:nvCxnSpPr>
+        <p:spPr>
+          <a:xfrm>
+            <a:off x="2557110" y="780089"/>
+            <a:ext cx="2674109" cy="0"/>
+          </a:xfrm>
+          <a:prstGeom prst="straightConnector1">
+            <a:avLst/>
+          </a:prstGeom>
+          <a:ln>
+            <a:tailEnd type="triangle"/>
+          </a:ln>
+        </p:spPr>
+        <p:style>
+          <a:lnRef idx="1">
+            <a:schemeClr val="dk1"/>
+          </a:lnRef>
+          <a:fillRef idx="0">
+            <a:schemeClr val="dk1"/>
+          </a:fillRef>
+          <a:effectRef idx="0">
+            <a:schemeClr val="dk1"/>
+          </a:effectRef>
+          <a:fontRef idx="minor">
+            <a:schemeClr val="tx1"/>
+          </a:fontRef>
+        </p:style>
+      </p:cxnSp>
+      <p:sp>
+        <p:nvSpPr>
+          <p:cNvPr id="14" name="Parentesi graffa chiusa 13">
+            <a:extLst>
+              <a:ext uri="{FF2B5EF4-FFF2-40B4-BE49-F238E27FC236}">
+                <a16:creationId xmlns:a16="http://schemas.microsoft.com/office/drawing/2014/main" id="{A92A8516-2BED-4F28-805F-073F0B00AD98}"/>
+              </a:ext>
+            </a:extLst>
+          </p:cNvPr>
+          <p:cNvSpPr/>
+          <p:nvPr/>
+        </p:nvSpPr>
+        <p:spPr>
+          <a:xfrm rot="16200000">
+            <a:off x="4509186" y="-205309"/>
+            <a:ext cx="235443" cy="2938185"/>
+          </a:xfrm>
+          <a:prstGeom prst="rightBrace">
+            <a:avLst/>
+          </a:prstGeom>
+        </p:spPr>
+        <p:style>
+          <a:lnRef idx="1">
+            <a:schemeClr val="dk1"/>
+          </a:lnRef>
+          <a:fillRef idx="0">
+            <a:schemeClr val="dk1"/>
+          </a:fillRef>
+          <a:effectRef idx="0">
+            <a:schemeClr val="dk1"/>
+          </a:effectRef>
+          <a:fontRef idx="minor">
+            <a:schemeClr val="tx1"/>
+          </a:fontRef>
+        </p:style>
+        <p:txBody>
+          <a:bodyPr rtlCol="0" anchor="ctr"/>
+          <a:lstStyle/>
+          <a:p>
+            <a:pPr algn="ctr"/>
+            <a:endParaRPr lang="it-IT"/>
+          </a:p>
+        </p:txBody>
+      </p:sp>
+      <p:sp>
+        <p:nvSpPr>
+          <p:cNvPr id="15" name="Parentesi graffa chiusa 14">
+            <a:extLst>
+              <a:ext uri="{FF2B5EF4-FFF2-40B4-BE49-F238E27FC236}">
+                <a16:creationId xmlns:a16="http://schemas.microsoft.com/office/drawing/2014/main" id="{7C736F45-1740-418F-96A8-7FB454A5A3D7}"/>
+              </a:ext>
+            </a:extLst>
+          </p:cNvPr>
+          <p:cNvSpPr/>
+          <p:nvPr/>
+        </p:nvSpPr>
+        <p:spPr>
+          <a:xfrm rot="16200000">
+            <a:off x="7713185" y="-187232"/>
+            <a:ext cx="235443" cy="2938185"/>
+          </a:xfrm>
+          <a:prstGeom prst="rightBrace">
+            <a:avLst/>
+          </a:prstGeom>
+        </p:spPr>
+        <p:style>
+          <a:lnRef idx="1">
+            <a:schemeClr val="dk1"/>
+          </a:lnRef>
+          <a:fillRef idx="0">
+            <a:schemeClr val="dk1"/>
+          </a:fillRef>
+          <a:effectRef idx="0">
+            <a:schemeClr val="dk1"/>
+          </a:effectRef>
+          <a:fontRef idx="minor">
+            <a:schemeClr val="tx1"/>
+          </a:fontRef>
+        </p:style>
+        <p:txBody>
+          <a:bodyPr rtlCol="0" anchor="ctr"/>
+          <a:lstStyle/>
+          <a:p>
+            <a:pPr algn="ctr"/>
+            <a:endParaRPr lang="it-IT"/>
+          </a:p>
+        </p:txBody>
+      </p:sp>
+      <p:sp>
+        <p:nvSpPr>
+          <p:cNvPr id="17" name="CasellaDiTesto 16">
+            <a:extLst>
+              <a:ext uri="{FF2B5EF4-FFF2-40B4-BE49-F238E27FC236}">
+                <a16:creationId xmlns:a16="http://schemas.microsoft.com/office/drawing/2014/main" id="{D754F687-30F9-45EE-9165-201C352AEDEC}"/>
+              </a:ext>
+            </a:extLst>
+          </p:cNvPr>
+          <p:cNvSpPr txBox="1"/>
+          <p:nvPr/>
+        </p:nvSpPr>
+        <p:spPr>
+          <a:xfrm>
+            <a:off x="474489" y="1801262"/>
+            <a:ext cx="2198038" cy="369332"/>
+          </a:xfrm>
+          <a:prstGeom prst="rect">
+            <a:avLst/>
+          </a:prstGeom>
+          <a:noFill/>
+        </p:spPr>
+        <p:txBody>
+          <a:bodyPr wrap="none" rtlCol="0">
+            <a:spAutoFit/>
+          </a:bodyPr>
+          <a:lstStyle/>
+          <a:p>
+            <a:r>
+              <a:rPr lang="it-IT" b="1" dirty="0">
+                <a:highlight>
+                  <a:srgbClr val="FFFF00"/>
+                </a:highlight>
+              </a:rPr>
+              <a:t>Immagine (&lt;</a:t>
+            </a:r>
+            <a:r>
+              <a:rPr lang="it-IT" b="1" dirty="0" err="1">
+                <a:highlight>
+                  <a:srgbClr val="FFFF00"/>
+                </a:highlight>
+              </a:rPr>
+              <a:t>img</a:t>
+            </a:r>
+            <a:r>
+              <a:rPr lang="it-IT" b="1" dirty="0">
+                <a:highlight>
+                  <a:srgbClr val="FFFF00"/>
+                </a:highlight>
+              </a:rPr>
+              <a:t>&gt;)</a:t>
+            </a:r>
+          </a:p>
+        </p:txBody>
+      </p:sp>
+      <p:sp>
+        <p:nvSpPr>
+          <p:cNvPr id="18" name="CasellaDiTesto 17">
+            <a:extLst>
+              <a:ext uri="{FF2B5EF4-FFF2-40B4-BE49-F238E27FC236}">
+                <a16:creationId xmlns:a16="http://schemas.microsoft.com/office/drawing/2014/main" id="{28B34FFC-C90C-43F3-BCA0-F62329C64B32}"/>
+              </a:ext>
+            </a:extLst>
+          </p:cNvPr>
+          <p:cNvSpPr txBox="1"/>
+          <p:nvPr/>
+        </p:nvSpPr>
+        <p:spPr>
+          <a:xfrm>
+            <a:off x="102592" y="4228710"/>
+            <a:ext cx="2364750" cy="369332"/>
+          </a:xfrm>
+          <a:prstGeom prst="rect">
+            <a:avLst/>
+          </a:prstGeom>
+          <a:noFill/>
+        </p:spPr>
+        <p:txBody>
+          <a:bodyPr wrap="none" rtlCol="0">
+            <a:spAutoFit/>
+          </a:bodyPr>
+          <a:lstStyle/>
+          <a:p>
+            <a:r>
+              <a:rPr lang="it-IT" b="1" dirty="0">
+                <a:highlight>
+                  <a:srgbClr val="FFFF00"/>
+                </a:highlight>
+              </a:rPr>
+              <a:t>Titolo-codice (&lt;h3&gt;)</a:t>
+            </a:r>
+          </a:p>
+        </p:txBody>
+      </p:sp>
+      <p:sp>
+        <p:nvSpPr>
+          <p:cNvPr id="19" name="CasellaDiTesto 18">
+            <a:extLst>
+              <a:ext uri="{FF2B5EF4-FFF2-40B4-BE49-F238E27FC236}">
+                <a16:creationId xmlns:a16="http://schemas.microsoft.com/office/drawing/2014/main" id="{9347ED26-FAA7-4B87-9B62-6E654EEECB9B}"/>
+              </a:ext>
+            </a:extLst>
+          </p:cNvPr>
+          <p:cNvSpPr txBox="1"/>
+          <p:nvPr/>
+        </p:nvSpPr>
+        <p:spPr>
+          <a:xfrm>
+            <a:off x="51297" y="4692686"/>
+            <a:ext cx="2621230" cy="369332"/>
+          </a:xfrm>
+          <a:prstGeom prst="rect">
+            <a:avLst/>
+          </a:prstGeom>
+          <a:noFill/>
+        </p:spPr>
+        <p:txBody>
+          <a:bodyPr wrap="square" rtlCol="0">
+            <a:spAutoFit/>
+          </a:bodyPr>
+          <a:lstStyle/>
+          <a:p>
+            <a:r>
+              <a:rPr lang="it-IT" b="1" dirty="0">
+                <a:highlight>
+                  <a:srgbClr val="FFFF00"/>
+                </a:highlight>
+              </a:rPr>
+              <a:t>Descrizione (&lt;</a:t>
+            </a:r>
+            <a:r>
+              <a:rPr lang="it-IT" b="1" dirty="0" err="1">
+                <a:highlight>
+                  <a:srgbClr val="FFFF00"/>
+                </a:highlight>
+              </a:rPr>
+              <a:t>article</a:t>
+            </a:r>
+            <a:r>
+              <a:rPr lang="it-IT" b="1" dirty="0">
+                <a:highlight>
+                  <a:srgbClr val="FFFF00"/>
+                </a:highlight>
+              </a:rPr>
+              <a:t>&gt;)</a:t>
+            </a:r>
+          </a:p>
+        </p:txBody>
+      </p:sp>
+      <p:sp>
+        <p:nvSpPr>
+          <p:cNvPr id="20" name="CasellaDiTesto 19">
+            <a:extLst>
+              <a:ext uri="{FF2B5EF4-FFF2-40B4-BE49-F238E27FC236}">
+                <a16:creationId xmlns:a16="http://schemas.microsoft.com/office/drawing/2014/main" id="{67585256-F726-4391-AA05-9C559AB5BB95}"/>
+              </a:ext>
+            </a:extLst>
+          </p:cNvPr>
+          <p:cNvSpPr txBox="1"/>
+          <p:nvPr/>
+        </p:nvSpPr>
+        <p:spPr>
+          <a:xfrm>
+            <a:off x="3101386" y="5945472"/>
+            <a:ext cx="3467616" cy="369332"/>
+          </a:xfrm>
+          <a:prstGeom prst="rect">
+            <a:avLst/>
+          </a:prstGeom>
+          <a:noFill/>
+        </p:spPr>
+        <p:txBody>
+          <a:bodyPr wrap="none" rtlCol="0">
+            <a:spAutoFit/>
+          </a:bodyPr>
+          <a:lstStyle/>
+          <a:p>
+            <a:r>
+              <a:rPr lang="it-IT" b="1" dirty="0">
+                <a:highlight>
+                  <a:srgbClr val="FFFF00"/>
+                </a:highlight>
+              </a:rPr>
+              <a:t>Bottone rimozione (&lt;</a:t>
+            </a:r>
+            <a:r>
+              <a:rPr lang="it-IT" b="1" dirty="0" err="1">
+                <a:highlight>
+                  <a:srgbClr val="FFFF00"/>
+                </a:highlight>
+              </a:rPr>
+              <a:t>button</a:t>
+            </a:r>
+            <a:r>
+              <a:rPr lang="it-IT" b="1" dirty="0">
+                <a:highlight>
+                  <a:srgbClr val="FFFF00"/>
+                </a:highlight>
+              </a:rPr>
+              <a:t>&gt;)</a:t>
+            </a:r>
+          </a:p>
+        </p:txBody>
+      </p:sp>
+      <p:cxnSp>
+        <p:nvCxnSpPr>
+          <p:cNvPr id="21" name="Connettore 2 20">
+            <a:extLst>
+              <a:ext uri="{FF2B5EF4-FFF2-40B4-BE49-F238E27FC236}">
+                <a16:creationId xmlns:a16="http://schemas.microsoft.com/office/drawing/2014/main" id="{17B5E25C-F74D-4C4E-A2AF-271235F41F8D}"/>
+              </a:ext>
+            </a:extLst>
+          </p:cNvPr>
+          <p:cNvCxnSpPr>
+            <a:cxnSpLocks/>
+            <a:stCxn id="17" idx="3"/>
+          </p:cNvCxnSpPr>
+          <p:nvPr/>
+        </p:nvCxnSpPr>
+        <p:spPr>
+          <a:xfrm>
+            <a:off x="2672527" y="1985928"/>
+            <a:ext cx="1314682" cy="0"/>
+          </a:xfrm>
+          <a:prstGeom prst="straightConnector1">
+            <a:avLst/>
+          </a:prstGeom>
+          <a:ln>
+            <a:tailEnd type="triangle"/>
+          </a:ln>
+        </p:spPr>
+        <p:style>
+          <a:lnRef idx="1">
+            <a:schemeClr val="dk1"/>
+          </a:lnRef>
+          <a:fillRef idx="0">
+            <a:schemeClr val="dk1"/>
+          </a:fillRef>
+          <a:effectRef idx="0">
+            <a:schemeClr val="dk1"/>
+          </a:effectRef>
+          <a:fontRef idx="minor">
+            <a:schemeClr val="tx1"/>
+          </a:fontRef>
+        </p:style>
+      </p:cxnSp>
+      <p:cxnSp>
+        <p:nvCxnSpPr>
+          <p:cNvPr id="24" name="Connettore 2 23">
+            <a:extLst>
+              <a:ext uri="{FF2B5EF4-FFF2-40B4-BE49-F238E27FC236}">
+                <a16:creationId xmlns:a16="http://schemas.microsoft.com/office/drawing/2014/main" id="{A19A7C5A-B245-4192-AF88-1CBF47D97406}"/>
+              </a:ext>
+            </a:extLst>
+          </p:cNvPr>
+          <p:cNvCxnSpPr>
+            <a:cxnSpLocks/>
+            <a:stCxn id="18" idx="3"/>
+          </p:cNvCxnSpPr>
+          <p:nvPr/>
+        </p:nvCxnSpPr>
+        <p:spPr>
+          <a:xfrm>
+            <a:off x="2467342" y="4413376"/>
+            <a:ext cx="1961336" cy="0"/>
+          </a:xfrm>
+          <a:prstGeom prst="straightConnector1">
+            <a:avLst/>
+          </a:prstGeom>
+          <a:ln>
+            <a:tailEnd type="triangle"/>
+          </a:ln>
+        </p:spPr>
+        <p:style>
+          <a:lnRef idx="1">
+            <a:schemeClr val="dk1"/>
+          </a:lnRef>
+          <a:fillRef idx="0">
+            <a:schemeClr val="dk1"/>
+          </a:fillRef>
+          <a:effectRef idx="0">
+            <a:schemeClr val="dk1"/>
+          </a:effectRef>
+          <a:fontRef idx="minor">
+            <a:schemeClr val="tx1"/>
+          </a:fontRef>
+        </p:style>
+      </p:cxnSp>
+      <p:cxnSp>
+        <p:nvCxnSpPr>
+          <p:cNvPr id="28" name="Connettore 2 27">
+            <a:extLst>
+              <a:ext uri="{FF2B5EF4-FFF2-40B4-BE49-F238E27FC236}">
+                <a16:creationId xmlns:a16="http://schemas.microsoft.com/office/drawing/2014/main" id="{EED13297-1E5F-4435-B4E0-9EB5B3101573}"/>
+              </a:ext>
+            </a:extLst>
+          </p:cNvPr>
+          <p:cNvCxnSpPr>
+            <a:cxnSpLocks/>
+            <a:stCxn id="19" idx="3"/>
+          </p:cNvCxnSpPr>
+          <p:nvPr/>
+        </p:nvCxnSpPr>
+        <p:spPr>
+          <a:xfrm>
+            <a:off x="2672527" y="4877352"/>
+            <a:ext cx="628938" cy="0"/>
+          </a:xfrm>
+          <a:prstGeom prst="straightConnector1">
+            <a:avLst/>
+          </a:prstGeom>
+          <a:ln>
+            <a:tailEnd type="triangle"/>
+          </a:ln>
+        </p:spPr>
+        <p:style>
+          <a:lnRef idx="1">
+            <a:schemeClr val="dk1"/>
+          </a:lnRef>
+          <a:fillRef idx="0">
+            <a:schemeClr val="dk1"/>
+          </a:fillRef>
+          <a:effectRef idx="0">
+            <a:schemeClr val="dk1"/>
+          </a:effectRef>
+          <a:fontRef idx="minor">
+            <a:schemeClr val="tx1"/>
+          </a:fontRef>
+        </p:style>
+      </p:cxnSp>
+      <p:cxnSp>
+        <p:nvCxnSpPr>
+          <p:cNvPr id="31" name="Connettore 2 30">
+            <a:extLst>
+              <a:ext uri="{FF2B5EF4-FFF2-40B4-BE49-F238E27FC236}">
+                <a16:creationId xmlns:a16="http://schemas.microsoft.com/office/drawing/2014/main" id="{DA4F69CD-45D7-4568-BC7E-07C18FC4FD77}"/>
+              </a:ext>
+            </a:extLst>
+          </p:cNvPr>
+          <p:cNvCxnSpPr>
+            <a:cxnSpLocks/>
+            <a:stCxn id="20" idx="0"/>
+          </p:cNvCxnSpPr>
+          <p:nvPr/>
+        </p:nvCxnSpPr>
+        <p:spPr>
+          <a:xfrm flipH="1" flipV="1">
+            <a:off x="4597950" y="5192090"/>
+            <a:ext cx="237244" cy="753382"/>
+          </a:xfrm>
+          <a:prstGeom prst="straightConnector1">
+            <a:avLst/>
+          </a:prstGeom>
+          <a:ln>
+            <a:tailEnd type="triangle"/>
+          </a:ln>
+        </p:spPr>
+        <p:style>
+          <a:lnRef idx="1">
+            <a:schemeClr val="dk1"/>
+          </a:lnRef>
+          <a:fillRef idx="0">
+            <a:schemeClr val="dk1"/>
+          </a:fillRef>
+          <a:effectRef idx="0">
+            <a:schemeClr val="dk1"/>
+          </a:effectRef>
+          <a:fontRef idx="minor">
+            <a:schemeClr val="tx1"/>
+          </a:fontRef>
+        </p:style>
+      </p:cxnSp>
+      <p:sp>
+        <p:nvSpPr>
+          <p:cNvPr id="12" name="CasellaDiTesto 11">
+            <a:extLst>
+              <a:ext uri="{FF2B5EF4-FFF2-40B4-BE49-F238E27FC236}">
+                <a16:creationId xmlns:a16="http://schemas.microsoft.com/office/drawing/2014/main" id="{73B769F9-3C2E-4189-84A1-9AE9630E8929}"/>
+              </a:ext>
+            </a:extLst>
+          </p:cNvPr>
+          <p:cNvSpPr txBox="1"/>
+          <p:nvPr/>
+        </p:nvSpPr>
+        <p:spPr>
+          <a:xfrm>
+            <a:off x="3221881" y="941023"/>
+            <a:ext cx="2840842" cy="338554"/>
+          </a:xfrm>
+          <a:prstGeom prst="rect">
+            <a:avLst/>
+          </a:prstGeom>
+          <a:noFill/>
+        </p:spPr>
+        <p:txBody>
+          <a:bodyPr wrap="none" rtlCol="0">
+            <a:spAutoFit/>
+          </a:bodyPr>
+          <a:lstStyle/>
+          <a:p>
+            <a:r>
+              <a:rPr lang="it-IT" sz="1600" b="1" dirty="0">
+                <a:solidFill>
+                  <a:srgbClr val="2C3948"/>
+                </a:solidFill>
+                <a:highlight>
+                  <a:srgbClr val="FFFF00"/>
+                </a:highlight>
+              </a:rPr>
+              <a:t>&lt;div class=‘cercato’&gt;&lt;/div&gt;</a:t>
+            </a:r>
+            <a:endParaRPr lang="it-IT" sz="1600" dirty="0">
+              <a:highlight>
+                <a:srgbClr val="FFFF00"/>
+              </a:highlight>
+            </a:endParaRPr>
+          </a:p>
+        </p:txBody>
+      </p:sp>
+      <p:sp>
+        <p:nvSpPr>
+          <p:cNvPr id="22" name="Parentesi graffa chiusa 21">
+            <a:extLst>
+              <a:ext uri="{FF2B5EF4-FFF2-40B4-BE49-F238E27FC236}">
+                <a16:creationId xmlns:a16="http://schemas.microsoft.com/office/drawing/2014/main" id="{F4A1DEC7-8AE3-49C2-BAAB-77551B13FC82}"/>
+              </a:ext>
+            </a:extLst>
+          </p:cNvPr>
+          <p:cNvSpPr/>
+          <p:nvPr/>
+        </p:nvSpPr>
+        <p:spPr>
+          <a:xfrm rot="16200000">
+            <a:off x="6206048" y="2407951"/>
+            <a:ext cx="45719" cy="265816"/>
+          </a:xfrm>
+          <a:prstGeom prst="rightBrace">
+            <a:avLst/>
+          </a:prstGeom>
+        </p:spPr>
+        <p:style>
+          <a:lnRef idx="1">
+            <a:schemeClr val="dk1"/>
+          </a:lnRef>
+          <a:fillRef idx="0">
+            <a:schemeClr val="dk1"/>
+          </a:fillRef>
+          <a:effectRef idx="0">
+            <a:schemeClr val="dk1"/>
+          </a:effectRef>
+          <a:fontRef idx="minor">
+            <a:schemeClr val="tx1"/>
+          </a:fontRef>
+        </p:style>
+        <p:txBody>
+          <a:bodyPr rtlCol="0" anchor="ctr"/>
+          <a:lstStyle/>
+          <a:p>
+            <a:pPr algn="ctr"/>
+            <a:endParaRPr lang="it-IT"/>
+          </a:p>
+        </p:txBody>
+      </p:sp>
+      <p:sp>
+        <p:nvSpPr>
+          <p:cNvPr id="25" name="CasellaDiTesto 24">
+            <a:extLst>
+              <a:ext uri="{FF2B5EF4-FFF2-40B4-BE49-F238E27FC236}">
+                <a16:creationId xmlns:a16="http://schemas.microsoft.com/office/drawing/2014/main" id="{F665D6B2-DC94-4FA5-BABE-B1B1153F7A6A}"/>
+              </a:ext>
+            </a:extLst>
+          </p:cNvPr>
+          <p:cNvSpPr txBox="1"/>
+          <p:nvPr/>
+        </p:nvSpPr>
+        <p:spPr>
+          <a:xfrm>
+            <a:off x="5610787" y="2121061"/>
+            <a:ext cx="1298753" cy="307777"/>
+          </a:xfrm>
+          <a:prstGeom prst="rect">
+            <a:avLst/>
+          </a:prstGeom>
+          <a:noFill/>
+        </p:spPr>
+        <p:txBody>
+          <a:bodyPr wrap="none" rtlCol="0">
+            <a:spAutoFit/>
+          </a:bodyPr>
+          <a:lstStyle/>
+          <a:p>
+            <a:r>
+              <a:rPr lang="it-IT" sz="1400" b="1" dirty="0" err="1">
+                <a:highlight>
+                  <a:srgbClr val="FFFF00"/>
+                </a:highlight>
+              </a:rPr>
+              <a:t>Margin</a:t>
+            </a:r>
+            <a:r>
+              <a:rPr lang="it-IT" sz="1400" b="1" dirty="0">
+                <a:highlight>
+                  <a:srgbClr val="FFFF00"/>
+                </a:highlight>
+              </a:rPr>
+              <a:t>: 20px</a:t>
+            </a:r>
+          </a:p>
+        </p:txBody>
+      </p:sp>
+      <p:sp>
+        <p:nvSpPr>
+          <p:cNvPr id="26" name="CasellaDiTesto 25">
+            <a:extLst>
+              <a:ext uri="{FF2B5EF4-FFF2-40B4-BE49-F238E27FC236}">
+                <a16:creationId xmlns:a16="http://schemas.microsoft.com/office/drawing/2014/main" id="{F9951688-4A52-4D41-93B0-0017200A625F}"/>
+              </a:ext>
+            </a:extLst>
+          </p:cNvPr>
+          <p:cNvSpPr txBox="1"/>
+          <p:nvPr/>
+        </p:nvSpPr>
+        <p:spPr>
+          <a:xfrm>
+            <a:off x="8001246" y="2009972"/>
+            <a:ext cx="1385316" cy="307777"/>
+          </a:xfrm>
+          <a:prstGeom prst="rect">
+            <a:avLst/>
+          </a:prstGeom>
+          <a:noFill/>
+        </p:spPr>
+        <p:txBody>
+          <a:bodyPr wrap="none" rtlCol="0">
+            <a:spAutoFit/>
+          </a:bodyPr>
+          <a:lstStyle/>
+          <a:p>
+            <a:r>
+              <a:rPr lang="it-IT" sz="1400" b="1" dirty="0" err="1">
+                <a:highlight>
+                  <a:srgbClr val="FFFF00"/>
+                </a:highlight>
+              </a:rPr>
+              <a:t>Padding</a:t>
+            </a:r>
+            <a:r>
+              <a:rPr lang="it-IT" sz="1400" b="1" dirty="0">
+                <a:highlight>
+                  <a:srgbClr val="FFFF00"/>
+                </a:highlight>
+              </a:rPr>
+              <a:t>: 10px</a:t>
+            </a:r>
+          </a:p>
+        </p:txBody>
+      </p:sp>
+      <p:sp>
+        <p:nvSpPr>
+          <p:cNvPr id="27" name="Parentesi graffa chiusa 26">
+            <a:extLst>
+              <a:ext uri="{FF2B5EF4-FFF2-40B4-BE49-F238E27FC236}">
+                <a16:creationId xmlns:a16="http://schemas.microsoft.com/office/drawing/2014/main" id="{A0C0B58E-57DC-44B6-BA32-07A9B282954F}"/>
+              </a:ext>
+            </a:extLst>
+          </p:cNvPr>
+          <p:cNvSpPr/>
+          <p:nvPr/>
+        </p:nvSpPr>
+        <p:spPr>
+          <a:xfrm rot="16200000">
+            <a:off x="9187676" y="2316511"/>
+            <a:ext cx="91742" cy="132909"/>
+          </a:xfrm>
+          <a:prstGeom prst="rightBrace">
+            <a:avLst/>
+          </a:prstGeom>
+        </p:spPr>
+        <p:style>
+          <a:lnRef idx="1">
+            <a:schemeClr val="dk1"/>
+          </a:lnRef>
+          <a:fillRef idx="0">
+            <a:schemeClr val="dk1"/>
+          </a:fillRef>
+          <a:effectRef idx="0">
+            <a:schemeClr val="dk1"/>
+          </a:effectRef>
+          <a:fontRef idx="minor">
+            <a:schemeClr val="tx1"/>
+          </a:fontRef>
+        </p:style>
+        <p:txBody>
+          <a:bodyPr rtlCol="0" anchor="ctr"/>
+          <a:lstStyle/>
+          <a:p>
+            <a:pPr algn="ctr"/>
+            <a:endParaRPr lang="it-IT"/>
+          </a:p>
+        </p:txBody>
+      </p:sp>
+      <p:sp>
+        <p:nvSpPr>
+          <p:cNvPr id="29" name="Parentesi graffa chiusa 28">
+            <a:extLst>
+              <a:ext uri="{FF2B5EF4-FFF2-40B4-BE49-F238E27FC236}">
+                <a16:creationId xmlns:a16="http://schemas.microsoft.com/office/drawing/2014/main" id="{82875562-75A7-4B67-BC5A-84E6314154F6}"/>
+              </a:ext>
+            </a:extLst>
+          </p:cNvPr>
+          <p:cNvSpPr/>
+          <p:nvPr/>
+        </p:nvSpPr>
+        <p:spPr>
+          <a:xfrm rot="16200000">
+            <a:off x="9340691" y="3821407"/>
+            <a:ext cx="91742" cy="132909"/>
+          </a:xfrm>
+          <a:prstGeom prst="rightBrace">
+            <a:avLst/>
+          </a:prstGeom>
+        </p:spPr>
+        <p:style>
+          <a:lnRef idx="1">
+            <a:schemeClr val="dk1"/>
+          </a:lnRef>
+          <a:fillRef idx="0">
+            <a:schemeClr val="dk1"/>
+          </a:fillRef>
+          <a:effectRef idx="0">
+            <a:schemeClr val="dk1"/>
+          </a:effectRef>
+          <a:fontRef idx="minor">
+            <a:schemeClr val="tx1"/>
+          </a:fontRef>
+        </p:style>
+        <p:txBody>
+          <a:bodyPr rtlCol="0" anchor="ctr"/>
+          <a:lstStyle/>
+          <a:p>
+            <a:pPr algn="ctr"/>
+            <a:endParaRPr lang="it-IT"/>
+          </a:p>
+        </p:txBody>
+      </p:sp>
+      <p:sp>
+        <p:nvSpPr>
+          <p:cNvPr id="30" name="CasellaDiTesto 29">
+            <a:extLst>
+              <a:ext uri="{FF2B5EF4-FFF2-40B4-BE49-F238E27FC236}">
+                <a16:creationId xmlns:a16="http://schemas.microsoft.com/office/drawing/2014/main" id="{4487F27F-23B0-4B01-AD47-28258BEBACD1}"/>
+              </a:ext>
+            </a:extLst>
+          </p:cNvPr>
+          <p:cNvSpPr txBox="1"/>
+          <p:nvPr/>
+        </p:nvSpPr>
+        <p:spPr>
+          <a:xfrm>
+            <a:off x="8803640" y="3514963"/>
+            <a:ext cx="1298753" cy="307777"/>
+          </a:xfrm>
+          <a:prstGeom prst="rect">
+            <a:avLst/>
+          </a:prstGeom>
+          <a:noFill/>
+        </p:spPr>
+        <p:txBody>
+          <a:bodyPr wrap="none" rtlCol="0">
+            <a:spAutoFit/>
+          </a:bodyPr>
+          <a:lstStyle/>
+          <a:p>
+            <a:r>
+              <a:rPr lang="it-IT" sz="1400" b="1" dirty="0" err="1">
+                <a:highlight>
+                  <a:srgbClr val="FFFF00"/>
+                </a:highlight>
+              </a:rPr>
+              <a:t>Margin</a:t>
+            </a:r>
+            <a:r>
+              <a:rPr lang="it-IT" sz="1400" b="1" dirty="0">
+                <a:highlight>
+                  <a:srgbClr val="FFFF00"/>
+                </a:highlight>
+              </a:rPr>
+              <a:t>: 10px</a:t>
+            </a:r>
+          </a:p>
+        </p:txBody>
+      </p:sp>
+      <p:sp>
+        <p:nvSpPr>
+          <p:cNvPr id="32" name="CasellaDiTesto 31">
+            <a:extLst>
+              <a:ext uri="{FF2B5EF4-FFF2-40B4-BE49-F238E27FC236}">
+                <a16:creationId xmlns:a16="http://schemas.microsoft.com/office/drawing/2014/main" id="{040CD109-E9A6-4DCE-9EBE-863820D43F42}"/>
+              </a:ext>
+            </a:extLst>
+          </p:cNvPr>
+          <p:cNvSpPr txBox="1"/>
+          <p:nvPr/>
+        </p:nvSpPr>
+        <p:spPr>
+          <a:xfrm>
+            <a:off x="9854472" y="5375192"/>
+            <a:ext cx="1298753" cy="307777"/>
+          </a:xfrm>
+          <a:prstGeom prst="rect">
+            <a:avLst/>
+          </a:prstGeom>
+          <a:noFill/>
+        </p:spPr>
+        <p:txBody>
+          <a:bodyPr wrap="none" rtlCol="0">
+            <a:spAutoFit/>
+          </a:bodyPr>
+          <a:lstStyle/>
+          <a:p>
+            <a:r>
+              <a:rPr lang="it-IT" sz="1400" b="1" dirty="0" err="1">
+                <a:highlight>
+                  <a:srgbClr val="FFFF00"/>
+                </a:highlight>
+              </a:rPr>
+              <a:t>Margin</a:t>
+            </a:r>
+            <a:r>
+              <a:rPr lang="it-IT" sz="1400" b="1" dirty="0">
+                <a:highlight>
+                  <a:srgbClr val="FFFF00"/>
+                </a:highlight>
+              </a:rPr>
+              <a:t>: 15px</a:t>
+            </a:r>
+          </a:p>
+        </p:txBody>
+      </p:sp>
+      <p:sp>
+        <p:nvSpPr>
+          <p:cNvPr id="33" name="Parentesi graffa chiusa 32">
+            <a:extLst>
+              <a:ext uri="{FF2B5EF4-FFF2-40B4-BE49-F238E27FC236}">
+                <a16:creationId xmlns:a16="http://schemas.microsoft.com/office/drawing/2014/main" id="{40A8499F-1E2F-4DDC-934D-0A3304A55EA5}"/>
+              </a:ext>
+            </a:extLst>
+          </p:cNvPr>
+          <p:cNvSpPr/>
+          <p:nvPr/>
+        </p:nvSpPr>
+        <p:spPr>
+          <a:xfrm>
+            <a:off x="9760020" y="5433821"/>
+            <a:ext cx="91742" cy="132909"/>
+          </a:xfrm>
+          <a:prstGeom prst="rightBrace">
+            <a:avLst/>
+          </a:prstGeom>
+        </p:spPr>
+        <p:style>
+          <a:lnRef idx="1">
+            <a:schemeClr val="dk1"/>
+          </a:lnRef>
+          <a:fillRef idx="0">
+            <a:schemeClr val="dk1"/>
+          </a:fillRef>
+          <a:effectRef idx="0">
+            <a:schemeClr val="dk1"/>
+          </a:effectRef>
+          <a:fontRef idx="minor">
+            <a:schemeClr val="tx1"/>
+          </a:fontRef>
+        </p:style>
+        <p:txBody>
+          <a:bodyPr rtlCol="0" anchor="ctr"/>
+          <a:lstStyle/>
+          <a:p>
+            <a:pPr algn="ctr"/>
+            <a:endParaRPr lang="it-IT"/>
+          </a:p>
+        </p:txBody>
+      </p:sp>
+      <p:sp>
+        <p:nvSpPr>
+          <p:cNvPr id="34" name="Parentesi graffa chiusa 33">
+            <a:extLst>
+              <a:ext uri="{FF2B5EF4-FFF2-40B4-BE49-F238E27FC236}">
+                <a16:creationId xmlns:a16="http://schemas.microsoft.com/office/drawing/2014/main" id="{11E0F82F-2762-4426-A1BB-8DB751DF8C14}"/>
+              </a:ext>
+            </a:extLst>
+          </p:cNvPr>
+          <p:cNvSpPr/>
+          <p:nvPr/>
+        </p:nvSpPr>
+        <p:spPr>
+          <a:xfrm rot="16200000">
+            <a:off x="9708480" y="4991659"/>
+            <a:ext cx="98482" cy="45719"/>
+          </a:xfrm>
+          <a:prstGeom prst="rightBrace">
+            <a:avLst/>
+          </a:prstGeom>
+        </p:spPr>
+        <p:style>
+          <a:lnRef idx="1">
+            <a:schemeClr val="dk1"/>
+          </a:lnRef>
+          <a:fillRef idx="0">
+            <a:schemeClr val="dk1"/>
+          </a:fillRef>
+          <a:effectRef idx="0">
+            <a:schemeClr val="dk1"/>
+          </a:effectRef>
+          <a:fontRef idx="minor">
+            <a:schemeClr val="tx1"/>
+          </a:fontRef>
+        </p:style>
+        <p:txBody>
+          <a:bodyPr rtlCol="0" anchor="ctr"/>
+          <a:lstStyle/>
+          <a:p>
+            <a:pPr algn="ctr"/>
+            <a:endParaRPr lang="it-IT"/>
+          </a:p>
+        </p:txBody>
+      </p:sp>
+      <p:sp>
+        <p:nvSpPr>
+          <p:cNvPr id="35" name="CasellaDiTesto 34">
+            <a:extLst>
+              <a:ext uri="{FF2B5EF4-FFF2-40B4-BE49-F238E27FC236}">
+                <a16:creationId xmlns:a16="http://schemas.microsoft.com/office/drawing/2014/main" id="{05E8153D-84A4-4FD7-9846-97FCB05AC9D3}"/>
+              </a:ext>
+            </a:extLst>
+          </p:cNvPr>
+          <p:cNvSpPr txBox="1"/>
+          <p:nvPr/>
+        </p:nvSpPr>
+        <p:spPr>
+          <a:xfrm>
+            <a:off x="9122807" y="4616140"/>
+            <a:ext cx="1285929" cy="307777"/>
+          </a:xfrm>
+          <a:prstGeom prst="rect">
+            <a:avLst/>
+          </a:prstGeom>
+          <a:noFill/>
+        </p:spPr>
+        <p:txBody>
+          <a:bodyPr wrap="none" rtlCol="0">
+            <a:spAutoFit/>
+          </a:bodyPr>
+          <a:lstStyle/>
+          <a:p>
+            <a:r>
+              <a:rPr lang="it-IT" sz="1400" b="1" dirty="0" err="1">
+                <a:highlight>
+                  <a:srgbClr val="FFFF00"/>
+                </a:highlight>
+              </a:rPr>
+              <a:t>Padding</a:t>
+            </a:r>
+            <a:r>
+              <a:rPr lang="it-IT" sz="1400" b="1" dirty="0">
+                <a:highlight>
+                  <a:srgbClr val="FFFF00"/>
+                </a:highlight>
+              </a:rPr>
+              <a:t>: 5px</a:t>
+            </a:r>
+          </a:p>
+        </p:txBody>
+      </p:sp>
+      <p:sp>
+        <p:nvSpPr>
+          <p:cNvPr id="36" name="CasellaDiTesto 35">
+            <a:extLst>
+              <a:ext uri="{FF2B5EF4-FFF2-40B4-BE49-F238E27FC236}">
+                <a16:creationId xmlns:a16="http://schemas.microsoft.com/office/drawing/2014/main" id="{5330C1AB-B806-463E-9524-3DCC383C3FBC}"/>
+              </a:ext>
+            </a:extLst>
+          </p:cNvPr>
+          <p:cNvSpPr txBox="1"/>
+          <p:nvPr/>
+        </p:nvSpPr>
+        <p:spPr>
+          <a:xfrm>
+            <a:off x="6410485" y="950641"/>
+            <a:ext cx="2840842" cy="338554"/>
+          </a:xfrm>
+          <a:prstGeom prst="rect">
+            <a:avLst/>
+          </a:prstGeom>
+          <a:noFill/>
+        </p:spPr>
+        <p:txBody>
+          <a:bodyPr wrap="none" rtlCol="0">
+            <a:spAutoFit/>
+          </a:bodyPr>
+          <a:lstStyle/>
+          <a:p>
+            <a:r>
+              <a:rPr lang="it-IT" sz="1600" b="1" dirty="0">
+                <a:solidFill>
+                  <a:srgbClr val="2C3948"/>
+                </a:solidFill>
+                <a:highlight>
+                  <a:srgbClr val="FFFF00"/>
+                </a:highlight>
+              </a:rPr>
+              <a:t>&lt;div class=‘cercato’&gt;&lt;/div&gt;</a:t>
+            </a:r>
+            <a:endParaRPr lang="it-IT" sz="1600" dirty="0">
+              <a:highlight>
+                <a:srgbClr val="FFFF00"/>
+              </a:highlight>
+            </a:endParaRPr>
+          </a:p>
+        </p:txBody>
+      </p:sp>
+      <p:cxnSp>
+        <p:nvCxnSpPr>
+          <p:cNvPr id="37" name="Connettore diritto 36">
+            <a:extLst>
+              <a:ext uri="{FF2B5EF4-FFF2-40B4-BE49-F238E27FC236}">
+                <a16:creationId xmlns:a16="http://schemas.microsoft.com/office/drawing/2014/main" id="{918FAFB3-E344-4779-A191-803E3D190F26}"/>
+              </a:ext>
+            </a:extLst>
+          </p:cNvPr>
+          <p:cNvCxnSpPr>
+            <a:cxnSpLocks/>
+          </p:cNvCxnSpPr>
+          <p:nvPr/>
+        </p:nvCxnSpPr>
+        <p:spPr>
+          <a:xfrm flipH="1">
+            <a:off x="6062723" y="2563719"/>
+            <a:ext cx="33276" cy="2811473"/>
+          </a:xfrm>
+          <a:prstGeom prst="line">
+            <a:avLst/>
+          </a:prstGeom>
+          <a:ln w="9525" cap="flat" cmpd="sng" algn="ctr">
+            <a:solidFill>
+              <a:schemeClr val="dk1"/>
+            </a:solidFill>
+            <a:prstDash val="dash"/>
+            <a:round/>
+            <a:headEnd type="none" w="med" len="med"/>
+            <a:tailEnd type="none" w="med" len="med"/>
+          </a:ln>
+        </p:spPr>
+        <p:style>
+          <a:lnRef idx="0">
+            <a:scrgbClr r="0" g="0" b="0"/>
+          </a:lnRef>
+          <a:fillRef idx="0">
+            <a:scrgbClr r="0" g="0" b="0"/>
+          </a:fillRef>
+          <a:effectRef idx="0">
+            <a:scrgbClr r="0" g="0" b="0"/>
+          </a:effectRef>
+          <a:fontRef idx="minor">
+            <a:schemeClr val="tx1"/>
+          </a:fontRef>
+        </p:style>
+      </p:cxnSp>
+      <p:cxnSp>
+        <p:nvCxnSpPr>
+          <p:cNvPr id="38" name="Connettore diritto 37">
+            <a:extLst>
+              <a:ext uri="{FF2B5EF4-FFF2-40B4-BE49-F238E27FC236}">
+                <a16:creationId xmlns:a16="http://schemas.microsoft.com/office/drawing/2014/main" id="{1D7500C6-59D5-4717-99DB-C255492F6854}"/>
+              </a:ext>
+            </a:extLst>
+          </p:cNvPr>
+          <p:cNvCxnSpPr>
+            <a:cxnSpLocks/>
+          </p:cNvCxnSpPr>
+          <p:nvPr/>
+        </p:nvCxnSpPr>
+        <p:spPr>
+          <a:xfrm>
+            <a:off x="6361814" y="2566490"/>
+            <a:ext cx="0" cy="2808702"/>
+          </a:xfrm>
+          <a:prstGeom prst="line">
+            <a:avLst/>
+          </a:prstGeom>
+          <a:ln w="9525" cap="flat" cmpd="sng" algn="ctr">
+            <a:solidFill>
+              <a:schemeClr val="dk1"/>
+            </a:solidFill>
+            <a:prstDash val="dash"/>
+            <a:round/>
+            <a:headEnd type="none" w="med" len="med"/>
+            <a:tailEnd type="none" w="med" len="med"/>
+          </a:ln>
+        </p:spPr>
+        <p:style>
+          <a:lnRef idx="0">
+            <a:scrgbClr r="0" g="0" b="0"/>
+          </a:lnRef>
+          <a:fillRef idx="0">
+            <a:scrgbClr r="0" g="0" b="0"/>
+          </a:fillRef>
+          <a:effectRef idx="0">
+            <a:scrgbClr r="0" g="0" b="0"/>
+          </a:effectRef>
+          <a:fontRef idx="minor">
+            <a:schemeClr val="tx1"/>
+          </a:fontRef>
+        </p:style>
+      </p:cxnSp>
+    </p:spTree>
+    <p:extLst>
+      <p:ext uri="{BB962C8B-B14F-4D97-AF65-F5344CB8AC3E}">
+        <p14:creationId xmlns:p14="http://schemas.microsoft.com/office/powerpoint/2010/main" val="455476616"/>
+      </p:ext>
+    </p:extLst>
+  </p:cSld>
+  <p:clrMapOvr>
+    <a:masterClrMapping/>
+  </p:clrMapOvr>
+</p:sld>
+</file>
+
+<file path=ppt/slides/slide14.xml><?xml version="1.0" encoding="utf-8"?>
+<p:sld xmlns:a="http://schemas.openxmlformats.org/drawingml/2006/main" xmlns:r="http://schemas.openxmlformats.org/officeDocument/2006/relationships" xmlns:p="http://schemas.openxmlformats.org/presentationml/2006/main">
+  <p:cSld>
+    <p:spTree>
+      <p:nvGrpSpPr>
+        <p:cNvPr id="1" name=""/>
+        <p:cNvGrpSpPr/>
+        <p:nvPr/>
+      </p:nvGrpSpPr>
+      <p:grpSpPr>
+        <a:xfrm>
+          <a:off x="0" y="0"/>
+          <a:ext cx="0" cy="0"/>
+          <a:chOff x="0" y="0"/>
+          <a:chExt cx="0" cy="0"/>
+        </a:xfrm>
+      </p:grpSpPr>
+      <p:sp>
+        <p:nvSpPr>
+          <p:cNvPr id="2" name="Titolo 1">
+            <a:extLst>
+              <a:ext uri="{FF2B5EF4-FFF2-40B4-BE49-F238E27FC236}">
                 <a16:creationId xmlns:a16="http://schemas.microsoft.com/office/drawing/2014/main" id="{7A3E3E7A-C4D9-4A9C-8513-465A6BD2A756}"/>
               </a:ext>
             </a:extLst>
@@ -18769,7 +20772,7 @@
 </p:sld>
 </file>
 
-<file path=ppt/slides/slide11.xml><?xml version="1.0" encoding="utf-8"?>
+<file path=ppt/slides/slide15.xml><?xml version="1.0" encoding="utf-8"?>
 <p:sld xmlns:a="http://schemas.openxmlformats.org/drawingml/2006/main" xmlns:r="http://schemas.openxmlformats.org/officeDocument/2006/relationships" xmlns:p="http://schemas.openxmlformats.org/presentationml/2006/main">
   <p:cSld>
     <p:spTree>
@@ -19231,7 +21234,482 @@
 </p:sld>
 </file>
 
-<file path=ppt/slides/slide12.xml><?xml version="1.0" encoding="utf-8"?>
+<file path=ppt/slides/slide16.xml><?xml version="1.0" encoding="utf-8"?>
+<p:sld xmlns:a="http://schemas.openxmlformats.org/drawingml/2006/main" xmlns:r="http://schemas.openxmlformats.org/officeDocument/2006/relationships" xmlns:p="http://schemas.openxmlformats.org/presentationml/2006/main">
+  <p:cSld>
+    <p:spTree>
+      <p:nvGrpSpPr>
+        <p:cNvPr id="1" name=""/>
+        <p:cNvGrpSpPr/>
+        <p:nvPr/>
+      </p:nvGrpSpPr>
+      <p:grpSpPr>
+        <a:xfrm>
+          <a:off x="0" y="0"/>
+          <a:ext cx="0" cy="0"/>
+          <a:chOff x="0" y="0"/>
+          <a:chExt cx="0" cy="0"/>
+        </a:xfrm>
+      </p:grpSpPr>
+      <p:pic>
+        <p:nvPicPr>
+          <p:cNvPr id="17" name="Segnaposto contenuto 16">
+            <a:extLst>
+              <a:ext uri="{FF2B5EF4-FFF2-40B4-BE49-F238E27FC236}">
+                <a16:creationId xmlns:a16="http://schemas.microsoft.com/office/drawing/2014/main" id="{2AC53001-841E-49BE-A88F-37810013427C}"/>
+              </a:ext>
+            </a:extLst>
+          </p:cNvPr>
+          <p:cNvPicPr>
+            <a:picLocks noGrp="1" noChangeAspect="1"/>
+          </p:cNvPicPr>
+          <p:nvPr>
+            <p:ph idx="1"/>
+          </p:nvPr>
+        </p:nvPicPr>
+        <p:blipFill>
+          <a:blip r:embed="rId2"/>
+          <a:stretch>
+            <a:fillRect/>
+          </a:stretch>
+        </p:blipFill>
+        <p:spPr>
+          <a:xfrm>
+            <a:off x="162560" y="1430989"/>
+            <a:ext cx="5624525" cy="5350009"/>
+          </a:xfrm>
+        </p:spPr>
+      </p:pic>
+      <p:sp>
+        <p:nvSpPr>
+          <p:cNvPr id="2" name="Titolo 1">
+            <a:extLst>
+              <a:ext uri="{FF2B5EF4-FFF2-40B4-BE49-F238E27FC236}">
+                <a16:creationId xmlns:a16="http://schemas.microsoft.com/office/drawing/2014/main" id="{23EE3BFF-AB59-4D99-B071-E83A7C03DF56}"/>
+              </a:ext>
+            </a:extLst>
+          </p:cNvPr>
+          <p:cNvSpPr>
+            <a:spLocks noGrp="1"/>
+          </p:cNvSpPr>
+          <p:nvPr>
+            <p:ph type="title"/>
+          </p:nvPr>
+        </p:nvSpPr>
+        <p:spPr/>
+        <p:txBody>
+          <a:bodyPr/>
+          <a:lstStyle/>
+          <a:p>
+            <a:r>
+              <a:rPr lang="it-IT" dirty="0"/>
+              <a:t>Funzione filtra()</a:t>
+            </a:r>
+          </a:p>
+        </p:txBody>
+      </p:sp>
+      <p:sp>
+        <p:nvSpPr>
+          <p:cNvPr id="4" name="CasellaDiTesto 3">
+            <a:extLst>
+              <a:ext uri="{FF2B5EF4-FFF2-40B4-BE49-F238E27FC236}">
+                <a16:creationId xmlns:a16="http://schemas.microsoft.com/office/drawing/2014/main" id="{B035406D-FCD4-4E1C-8ED7-6300EA16C33E}"/>
+              </a:ext>
+            </a:extLst>
+          </p:cNvPr>
+          <p:cNvSpPr txBox="1"/>
+          <p:nvPr/>
+        </p:nvSpPr>
+        <p:spPr>
+          <a:xfrm>
+            <a:off x="9560708" y="571302"/>
+            <a:ext cx="1402948" cy="369332"/>
+          </a:xfrm>
+          <a:prstGeom prst="rect">
+            <a:avLst/>
+          </a:prstGeom>
+          <a:noFill/>
+        </p:spPr>
+        <p:txBody>
+          <a:bodyPr wrap="none" rtlCol="0">
+            <a:spAutoFit/>
+          </a:bodyPr>
+          <a:lstStyle/>
+          <a:p>
+            <a:r>
+              <a:rPr lang="it-IT" dirty="0">
+                <a:highlight>
+                  <a:srgbClr val="FFFF00"/>
+                </a:highlight>
+              </a:rPr>
+              <a:t>Java Script</a:t>
+            </a:r>
+          </a:p>
+        </p:txBody>
+      </p:sp>
+      <p:sp>
+        <p:nvSpPr>
+          <p:cNvPr id="7" name="CasellaDiTesto 6">
+            <a:extLst>
+              <a:ext uri="{FF2B5EF4-FFF2-40B4-BE49-F238E27FC236}">
+                <a16:creationId xmlns:a16="http://schemas.microsoft.com/office/drawing/2014/main" id="{7617697B-1943-4793-9167-6FBADD4DDD26}"/>
+              </a:ext>
+            </a:extLst>
+          </p:cNvPr>
+          <p:cNvSpPr txBox="1"/>
+          <p:nvPr/>
+        </p:nvSpPr>
+        <p:spPr>
+          <a:xfrm>
+            <a:off x="5379234" y="1413689"/>
+            <a:ext cx="312906" cy="369332"/>
+          </a:xfrm>
+          <a:prstGeom prst="rect">
+            <a:avLst/>
+          </a:prstGeom>
+          <a:noFill/>
+        </p:spPr>
+        <p:txBody>
+          <a:bodyPr wrap="none" rtlCol="0">
+            <a:spAutoFit/>
+          </a:bodyPr>
+          <a:lstStyle/>
+          <a:p>
+            <a:r>
+              <a:rPr lang="it-IT" dirty="0">
+                <a:highlight>
+                  <a:srgbClr val="FFFF00"/>
+                </a:highlight>
+              </a:rPr>
+              <a:t>1</a:t>
+            </a:r>
+          </a:p>
+        </p:txBody>
+      </p:sp>
+      <p:sp>
+        <p:nvSpPr>
+          <p:cNvPr id="13" name="CasellaDiTesto 12">
+            <a:extLst>
+              <a:ext uri="{FF2B5EF4-FFF2-40B4-BE49-F238E27FC236}">
+                <a16:creationId xmlns:a16="http://schemas.microsoft.com/office/drawing/2014/main" id="{E14284AB-A5F3-465A-AAAE-C9D0798C420A}"/>
+              </a:ext>
+            </a:extLst>
+          </p:cNvPr>
+          <p:cNvSpPr txBox="1"/>
+          <p:nvPr/>
+        </p:nvSpPr>
+        <p:spPr>
+          <a:xfrm>
+            <a:off x="6826943" y="4352834"/>
+            <a:ext cx="5202497" cy="2308324"/>
+          </a:xfrm>
+          <a:prstGeom prst="rect">
+            <a:avLst/>
+          </a:prstGeom>
+          <a:noFill/>
+        </p:spPr>
+        <p:txBody>
+          <a:bodyPr wrap="square" rtlCol="0">
+            <a:spAutoFit/>
+          </a:bodyPr>
+          <a:lstStyle/>
+          <a:p>
+            <a:r>
+              <a:rPr lang="it-IT" sz="1600" dirty="0"/>
+              <a:t>Creo la sezione per i blocchi di contenuto filtrati. Applico un ciclo for: se trovo un’occorrenza nella descrizione, creo un blocco di contenuto identico a quello dell’</a:t>
+            </a:r>
+            <a:r>
+              <a:rPr lang="it-IT" sz="1600" b="1" dirty="0">
+                <a:solidFill>
+                  <a:srgbClr val="FF0000"/>
+                </a:solidFill>
+              </a:rPr>
+              <a:t>oggetto</a:t>
+            </a:r>
+            <a:r>
+              <a:rPr lang="it-IT" sz="1600" dirty="0"/>
+              <a:t> ma di classe </a:t>
+            </a:r>
+            <a:r>
+              <a:rPr lang="it-IT" sz="1600" b="1" dirty="0">
+                <a:solidFill>
+                  <a:srgbClr val="00B050"/>
+                </a:solidFill>
+              </a:rPr>
+              <a:t>cercato </a:t>
+            </a:r>
+            <a:r>
+              <a:rPr lang="it-IT" sz="1600" dirty="0">
+                <a:solidFill>
+                  <a:srgbClr val="2C3948"/>
+                </a:solidFill>
+              </a:rPr>
+              <a:t>all’interno della sezione. Dal momento che una sezione filtrato viene creata ad ogni modifica della stringa, un contatore si preoccupa di verificare quante sezioni ci sono. Se sono più di una, rimuove la prima sezione, quella più obsoleta.</a:t>
+            </a:r>
+          </a:p>
+        </p:txBody>
+      </p:sp>
+      <p:pic>
+        <p:nvPicPr>
+          <p:cNvPr id="19" name="Immagine 18">
+            <a:extLst>
+              <a:ext uri="{FF2B5EF4-FFF2-40B4-BE49-F238E27FC236}">
+                <a16:creationId xmlns:a16="http://schemas.microsoft.com/office/drawing/2014/main" id="{5591CAFF-DAED-4779-9506-091831B77493}"/>
+              </a:ext>
+            </a:extLst>
+          </p:cNvPr>
+          <p:cNvPicPr>
+            <a:picLocks noChangeAspect="1"/>
+          </p:cNvPicPr>
+          <p:nvPr/>
+        </p:nvPicPr>
+        <p:blipFill>
+          <a:blip r:embed="rId3"/>
+          <a:stretch>
+            <a:fillRect/>
+          </a:stretch>
+        </p:blipFill>
+        <p:spPr>
+          <a:xfrm>
+            <a:off x="6206011" y="1276259"/>
+            <a:ext cx="5372100" cy="3076575"/>
+          </a:xfrm>
+          <a:prstGeom prst="rect">
+            <a:avLst/>
+          </a:prstGeom>
+        </p:spPr>
+      </p:pic>
+      <p:sp>
+        <p:nvSpPr>
+          <p:cNvPr id="12" name="CasellaDiTesto 11">
+            <a:extLst>
+              <a:ext uri="{FF2B5EF4-FFF2-40B4-BE49-F238E27FC236}">
+                <a16:creationId xmlns:a16="http://schemas.microsoft.com/office/drawing/2014/main" id="{188FAF02-978A-42B5-8BF3-93F2CB241981}"/>
+              </a:ext>
+            </a:extLst>
+          </p:cNvPr>
+          <p:cNvSpPr txBox="1"/>
+          <p:nvPr/>
+        </p:nvSpPr>
+        <p:spPr>
+          <a:xfrm>
+            <a:off x="11215653" y="1246323"/>
+            <a:ext cx="312906" cy="369332"/>
+          </a:xfrm>
+          <a:prstGeom prst="rect">
+            <a:avLst/>
+          </a:prstGeom>
+          <a:noFill/>
+        </p:spPr>
+        <p:txBody>
+          <a:bodyPr wrap="none" rtlCol="0">
+            <a:spAutoFit/>
+          </a:bodyPr>
+          <a:lstStyle/>
+          <a:p>
+            <a:r>
+              <a:rPr lang="it-IT" dirty="0">
+                <a:highlight>
+                  <a:srgbClr val="FFFF00"/>
+                </a:highlight>
+              </a:rPr>
+              <a:t>2</a:t>
+            </a:r>
+          </a:p>
+        </p:txBody>
+      </p:sp>
+    </p:spTree>
+    <p:extLst>
+      <p:ext uri="{BB962C8B-B14F-4D97-AF65-F5344CB8AC3E}">
+        <p14:creationId xmlns:p14="http://schemas.microsoft.com/office/powerpoint/2010/main" val="3919775573"/>
+      </p:ext>
+    </p:extLst>
+  </p:cSld>
+  <p:clrMapOvr>
+    <a:masterClrMapping/>
+  </p:clrMapOvr>
+</p:sld>
+</file>
+
+<file path=ppt/slides/slide17.xml><?xml version="1.0" encoding="utf-8"?>
+<p:sld xmlns:a="http://schemas.openxmlformats.org/drawingml/2006/main" xmlns:r="http://schemas.openxmlformats.org/officeDocument/2006/relationships" xmlns:p="http://schemas.openxmlformats.org/presentationml/2006/main">
+  <p:cSld>
+    <p:spTree>
+      <p:nvGrpSpPr>
+        <p:cNvPr id="1" name=""/>
+        <p:cNvGrpSpPr/>
+        <p:nvPr/>
+      </p:nvGrpSpPr>
+      <p:grpSpPr>
+        <a:xfrm>
+          <a:off x="0" y="0"/>
+          <a:ext cx="0" cy="0"/>
+          <a:chOff x="0" y="0"/>
+          <a:chExt cx="0" cy="0"/>
+        </a:xfrm>
+      </p:grpSpPr>
+      <p:sp>
+        <p:nvSpPr>
+          <p:cNvPr id="2" name="Titolo 1">
+            <a:extLst>
+              <a:ext uri="{FF2B5EF4-FFF2-40B4-BE49-F238E27FC236}">
+                <a16:creationId xmlns:a16="http://schemas.microsoft.com/office/drawing/2014/main" id="{8610981E-9CBB-449E-AB19-02539B3E3B72}"/>
+              </a:ext>
+            </a:extLst>
+          </p:cNvPr>
+          <p:cNvSpPr>
+            <a:spLocks noGrp="1"/>
+          </p:cNvSpPr>
+          <p:nvPr>
+            <p:ph type="title"/>
+          </p:nvPr>
+        </p:nvSpPr>
+        <p:spPr/>
+        <p:txBody>
+          <a:bodyPr/>
+          <a:lstStyle/>
+          <a:p>
+            <a:r>
+              <a:rPr lang="it-IT" dirty="0"/>
+              <a:t>Funzione pulisci()</a:t>
+            </a:r>
+          </a:p>
+        </p:txBody>
+      </p:sp>
+      <p:pic>
+        <p:nvPicPr>
+          <p:cNvPr id="5" name="Immagine 4">
+            <a:extLst>
+              <a:ext uri="{FF2B5EF4-FFF2-40B4-BE49-F238E27FC236}">
+                <a16:creationId xmlns:a16="http://schemas.microsoft.com/office/drawing/2014/main" id="{7819C14C-E70E-47B9-82DF-FCFD9E906FA8}"/>
+              </a:ext>
+            </a:extLst>
+          </p:cNvPr>
+          <p:cNvPicPr>
+            <a:picLocks noChangeAspect="1"/>
+          </p:cNvPicPr>
+          <p:nvPr/>
+        </p:nvPicPr>
+        <p:blipFill>
+          <a:blip r:embed="rId2"/>
+          <a:stretch>
+            <a:fillRect/>
+          </a:stretch>
+        </p:blipFill>
+        <p:spPr>
+          <a:xfrm>
+            <a:off x="818648" y="1914525"/>
+            <a:ext cx="6800850" cy="1514475"/>
+          </a:xfrm>
+          <a:prstGeom prst="rect">
+            <a:avLst/>
+          </a:prstGeom>
+        </p:spPr>
+      </p:pic>
+      <p:sp>
+        <p:nvSpPr>
+          <p:cNvPr id="6" name="CasellaDiTesto 5">
+            <a:extLst>
+              <a:ext uri="{FF2B5EF4-FFF2-40B4-BE49-F238E27FC236}">
+                <a16:creationId xmlns:a16="http://schemas.microsoft.com/office/drawing/2014/main" id="{5C97C9DE-ECF4-42B2-85C9-08C4457CF95D}"/>
+              </a:ext>
+            </a:extLst>
+          </p:cNvPr>
+          <p:cNvSpPr txBox="1"/>
+          <p:nvPr/>
+        </p:nvSpPr>
+        <p:spPr>
+          <a:xfrm>
+            <a:off x="9560708" y="571302"/>
+            <a:ext cx="1402948" cy="369332"/>
+          </a:xfrm>
+          <a:prstGeom prst="rect">
+            <a:avLst/>
+          </a:prstGeom>
+          <a:noFill/>
+        </p:spPr>
+        <p:txBody>
+          <a:bodyPr wrap="none" rtlCol="0">
+            <a:spAutoFit/>
+          </a:bodyPr>
+          <a:lstStyle/>
+          <a:p>
+            <a:r>
+              <a:rPr lang="it-IT" dirty="0">
+                <a:highlight>
+                  <a:srgbClr val="FFFF00"/>
+                </a:highlight>
+              </a:rPr>
+              <a:t>Java Script</a:t>
+            </a:r>
+          </a:p>
+        </p:txBody>
+      </p:sp>
+      <p:sp>
+        <p:nvSpPr>
+          <p:cNvPr id="7" name="CasellaDiTesto 6">
+            <a:extLst>
+              <a:ext uri="{FF2B5EF4-FFF2-40B4-BE49-F238E27FC236}">
+                <a16:creationId xmlns:a16="http://schemas.microsoft.com/office/drawing/2014/main" id="{ABB282C7-3A4F-42CB-88BB-6BD43B9EDF45}"/>
+              </a:ext>
+            </a:extLst>
+          </p:cNvPr>
+          <p:cNvSpPr txBox="1"/>
+          <p:nvPr/>
+        </p:nvSpPr>
+        <p:spPr>
+          <a:xfrm>
+            <a:off x="818649" y="3652837"/>
+            <a:ext cx="10962674" cy="646331"/>
+          </a:xfrm>
+          <a:prstGeom prst="rect">
+            <a:avLst/>
+          </a:prstGeom>
+          <a:noFill/>
+        </p:spPr>
+        <p:txBody>
+          <a:bodyPr wrap="square" rtlCol="0">
+            <a:spAutoFit/>
+          </a:bodyPr>
+          <a:lstStyle/>
+          <a:p>
+            <a:r>
+              <a:rPr lang="it-IT" dirty="0"/>
+              <a:t>Rimuove tutti i div di classe ‘</a:t>
+            </a:r>
+            <a:r>
+              <a:rPr lang="it-IT" i="1" dirty="0"/>
+              <a:t>filtrati</a:t>
+            </a:r>
+            <a:r>
+              <a:rPr lang="it-IT" dirty="0"/>
+              <a:t>’ (che grazie al meccanismo di </a:t>
+            </a:r>
+            <a:r>
+              <a:rPr lang="it-IT" b="1" dirty="0"/>
+              <a:t>filtra() </a:t>
+            </a:r>
+            <a:r>
+              <a:rPr lang="it-IT" dirty="0"/>
+              <a:t>è solo uno) in caso l’utente non fosse più interessato alla ricerca e voglia togliere i risultati trovati.</a:t>
+            </a:r>
+          </a:p>
+        </p:txBody>
+      </p:sp>
+    </p:spTree>
+    <p:extLst>
+      <p:ext uri="{BB962C8B-B14F-4D97-AF65-F5344CB8AC3E}">
+        <p14:creationId xmlns:p14="http://schemas.microsoft.com/office/powerpoint/2010/main" val="3691654527"/>
+      </p:ext>
+    </p:extLst>
+  </p:cSld>
+  <p:clrMapOvr>
+    <a:masterClrMapping/>
+  </p:clrMapOvr>
+</p:sld>
+</file>
+
+<file path=ppt/slides/slide18.xml><?xml version="1.0" encoding="utf-8"?>
 <p:sld xmlns:a="http://schemas.openxmlformats.org/drawingml/2006/main" xmlns:r="http://schemas.openxmlformats.org/officeDocument/2006/relationships" xmlns:p="http://schemas.openxmlformats.org/presentationml/2006/main">
   <p:cSld>
     <p:spTree>
@@ -20835,7 +23313,7 @@
 </p:sld>
 </file>
 
-<file path=ppt/slides/slide13.xml><?xml version="1.0" encoding="utf-8"?>
+<file path=ppt/slides/slide19.xml><?xml version="1.0" encoding="utf-8"?>
 <p:sld xmlns:a="http://schemas.openxmlformats.org/drawingml/2006/main" xmlns:r="http://schemas.openxmlformats.org/officeDocument/2006/relationships" xmlns:p="http://schemas.openxmlformats.org/presentationml/2006/main">
   <p:cSld>
     <p:spTree>
@@ -21179,7 +23657,275 @@
 </p:sld>
 </file>
 
-<file path=ppt/slides/slide14.xml><?xml version="1.0" encoding="utf-8"?>
+<file path=ppt/slides/slide2.xml><?xml version="1.0" encoding="utf-8"?>
+<p:sld xmlns:a="http://schemas.openxmlformats.org/drawingml/2006/main" xmlns:r="http://schemas.openxmlformats.org/officeDocument/2006/relationships" xmlns:p="http://schemas.openxmlformats.org/presentationml/2006/main">
+  <p:cSld>
+    <p:spTree>
+      <p:nvGrpSpPr>
+        <p:cNvPr id="1" name=""/>
+        <p:cNvGrpSpPr/>
+        <p:nvPr/>
+      </p:nvGrpSpPr>
+      <p:grpSpPr>
+        <a:xfrm>
+          <a:off x="0" y="0"/>
+          <a:ext cx="0" cy="0"/>
+          <a:chOff x="0" y="0"/>
+          <a:chExt cx="0" cy="0"/>
+        </a:xfrm>
+      </p:grpSpPr>
+      <p:sp>
+        <p:nvSpPr>
+          <p:cNvPr id="2" name="Titolo 1">
+            <a:extLst>
+              <a:ext uri="{FF2B5EF4-FFF2-40B4-BE49-F238E27FC236}">
+                <a16:creationId xmlns:a16="http://schemas.microsoft.com/office/drawing/2014/main" id="{D44C3116-C715-46A4-BE02-4ED0877D1D85}"/>
+              </a:ext>
+            </a:extLst>
+          </p:cNvPr>
+          <p:cNvSpPr>
+            <a:spLocks noGrp="1"/>
+          </p:cNvSpPr>
+          <p:nvPr>
+            <p:ph type="title"/>
+          </p:nvPr>
+        </p:nvSpPr>
+        <p:spPr/>
+        <p:txBody>
+          <a:bodyPr/>
+          <a:lstStyle/>
+          <a:p>
+            <a:r>
+              <a:rPr lang="it-IT" b="1" dirty="0"/>
+              <a:t>Le specifiche richieste</a:t>
+            </a:r>
+          </a:p>
+        </p:txBody>
+      </p:sp>
+      <p:sp>
+        <p:nvSpPr>
+          <p:cNvPr id="3" name="Segnaposto contenuto 2">
+            <a:extLst>
+              <a:ext uri="{FF2B5EF4-FFF2-40B4-BE49-F238E27FC236}">
+                <a16:creationId xmlns:a16="http://schemas.microsoft.com/office/drawing/2014/main" id="{8C3806C9-486A-47E8-A7F7-3F2AD9CAAD2A}"/>
+              </a:ext>
+            </a:extLst>
+          </p:cNvPr>
+          <p:cNvSpPr>
+            <a:spLocks noGrp="1"/>
+          </p:cNvSpPr>
+          <p:nvPr>
+            <p:ph idx="1"/>
+          </p:nvPr>
+        </p:nvSpPr>
+        <p:spPr>
+          <a:xfrm>
+            <a:off x="420625" y="1825625"/>
+            <a:ext cx="11306319" cy="4667250"/>
+          </a:xfrm>
+        </p:spPr>
+        <p:txBody>
+          <a:bodyPr/>
+          <a:lstStyle/>
+          <a:p>
+            <a:r>
+              <a:rPr lang="it-IT" dirty="0"/>
+              <a:t>Un file </a:t>
+            </a:r>
+            <a:r>
+              <a:rPr lang="it-IT" b="1" dirty="0">
+                <a:solidFill>
+                  <a:srgbClr val="0070C0"/>
+                </a:solidFill>
+              </a:rPr>
+              <a:t>html</a:t>
+            </a:r>
+            <a:r>
+              <a:rPr lang="it-IT" dirty="0"/>
+              <a:t> denominato ‘</a:t>
+            </a:r>
+            <a:r>
+              <a:rPr lang="it-IT" b="1" i="1" dirty="0"/>
+              <a:t>mhw2.html</a:t>
+            </a:r>
+            <a:r>
+              <a:rPr lang="it-IT" dirty="0"/>
+              <a:t>’ con la Home-page aggiornata</a:t>
+            </a:r>
+          </a:p>
+          <a:p>
+            <a:r>
+              <a:rPr lang="it-IT" dirty="0"/>
+              <a:t>Un file </a:t>
+            </a:r>
+            <a:r>
+              <a:rPr lang="it-IT" b="1" dirty="0" err="1">
+                <a:solidFill>
+                  <a:srgbClr val="FFC000"/>
+                </a:solidFill>
+              </a:rPr>
+              <a:t>css</a:t>
+            </a:r>
+            <a:r>
+              <a:rPr lang="it-IT" dirty="0"/>
+              <a:t> denominato ‘</a:t>
+            </a:r>
+            <a:r>
+              <a:rPr lang="it-IT" b="1" i="1" dirty="0"/>
+              <a:t>mhw2.css</a:t>
+            </a:r>
+            <a:r>
+              <a:rPr lang="it-IT" dirty="0"/>
+              <a:t>’ per lo stile</a:t>
+            </a:r>
+          </a:p>
+          <a:p>
+            <a:r>
+              <a:rPr lang="it-IT" dirty="0"/>
+              <a:t>Un file </a:t>
+            </a:r>
+            <a:r>
+              <a:rPr lang="it-IT" b="1" dirty="0" err="1">
+                <a:solidFill>
+                  <a:srgbClr val="7030A0"/>
+                </a:solidFill>
+              </a:rPr>
+              <a:t>javascript</a:t>
+            </a:r>
+            <a:r>
+              <a:rPr lang="it-IT" dirty="0"/>
+              <a:t> denominato ‘</a:t>
+            </a:r>
+            <a:r>
+              <a:rPr lang="it-IT" b="1" i="1" dirty="0"/>
+              <a:t>contents.js</a:t>
+            </a:r>
+            <a:r>
+              <a:rPr lang="it-IT" dirty="0"/>
+              <a:t>’ con i contenuti da caricare</a:t>
+            </a:r>
+          </a:p>
+          <a:p>
+            <a:r>
+              <a:rPr lang="it-IT" dirty="0"/>
+              <a:t>Un file </a:t>
+            </a:r>
+            <a:r>
+              <a:rPr lang="it-IT" b="1" dirty="0" err="1">
+                <a:solidFill>
+                  <a:srgbClr val="7030A0"/>
+                </a:solidFill>
+              </a:rPr>
+              <a:t>javascript</a:t>
+            </a:r>
+            <a:r>
+              <a:rPr lang="it-IT" dirty="0"/>
+              <a:t> denominato ‘</a:t>
+            </a:r>
+            <a:r>
+              <a:rPr lang="it-IT" b="1" i="1" dirty="0"/>
+              <a:t>script.js</a:t>
+            </a:r>
+            <a:r>
+              <a:rPr lang="it-IT" dirty="0"/>
+              <a:t>’ contenente le funzioni dinamiche</a:t>
+            </a:r>
+          </a:p>
+          <a:p>
+            <a:endParaRPr lang="it-IT" dirty="0"/>
+          </a:p>
+          <a:p>
+            <a:pPr marL="0" indent="0">
+              <a:buNone/>
+            </a:pPr>
+            <a:r>
+              <a:rPr lang="it-IT" dirty="0"/>
+              <a:t>In particolare gli elementi previsti nella implementazione riguardano:</a:t>
+            </a:r>
+          </a:p>
+          <a:p>
+            <a:r>
+              <a:rPr lang="it-IT" dirty="0"/>
+              <a:t>Diversi </a:t>
+            </a:r>
+            <a:r>
+              <a:rPr lang="it-IT" b="1" dirty="0">
+                <a:solidFill>
+                  <a:srgbClr val="FF0000"/>
+                </a:solidFill>
+              </a:rPr>
+              <a:t>blocchi di contenuti</a:t>
+            </a:r>
+            <a:r>
+              <a:rPr lang="it-IT" dirty="0">
+                <a:solidFill>
+                  <a:srgbClr val="FF0000"/>
+                </a:solidFill>
+              </a:rPr>
+              <a:t> </a:t>
+            </a:r>
+            <a:endParaRPr lang="it-IT" b="1" dirty="0">
+              <a:solidFill>
+                <a:srgbClr val="FF0000"/>
+              </a:solidFill>
+            </a:endParaRPr>
+          </a:p>
+          <a:p>
+            <a:r>
+              <a:rPr lang="it-IT" dirty="0"/>
+              <a:t>Una </a:t>
+            </a:r>
+            <a:r>
+              <a:rPr lang="it-IT" b="1" dirty="0">
+                <a:solidFill>
+                  <a:srgbClr val="FF0000"/>
+                </a:solidFill>
+              </a:rPr>
+              <a:t>barra di ricerca</a:t>
+            </a:r>
+          </a:p>
+          <a:p>
+            <a:r>
+              <a:rPr lang="it-IT" dirty="0">
+                <a:solidFill>
+                  <a:schemeClr val="tx1"/>
+                </a:solidFill>
+              </a:rPr>
+              <a:t>Una</a:t>
+            </a:r>
+            <a:r>
+              <a:rPr lang="it-IT" b="1" dirty="0">
+                <a:solidFill>
+                  <a:srgbClr val="FF0000"/>
+                </a:solidFill>
+              </a:rPr>
+              <a:t> sezione preferiti </a:t>
+            </a:r>
+            <a:r>
+              <a:rPr lang="it-IT" dirty="0">
+                <a:solidFill>
+                  <a:schemeClr val="tx1"/>
+                </a:solidFill>
+              </a:rPr>
+              <a:t>antistante i contenuti</a:t>
+            </a:r>
+          </a:p>
+        </p:txBody>
+      </p:sp>
+    </p:spTree>
+    <p:extLst>
+      <p:ext uri="{BB962C8B-B14F-4D97-AF65-F5344CB8AC3E}">
+        <p14:creationId xmlns:p14="http://schemas.microsoft.com/office/powerpoint/2010/main" val="3052056932"/>
+      </p:ext>
+    </p:extLst>
+  </p:cSld>
+  <p:clrMapOvr>
+    <a:masterClrMapping/>
+  </p:clrMapOvr>
+</p:sld>
+</file>
+
+<file path=ppt/slides/slide20.xml><?xml version="1.0" encoding="utf-8"?>
 <p:sld xmlns:a="http://schemas.openxmlformats.org/drawingml/2006/main" xmlns:r="http://schemas.openxmlformats.org/officeDocument/2006/relationships" xmlns:p="http://schemas.openxmlformats.org/presentationml/2006/main">
   <p:cSld>
     <p:spTree>
@@ -21638,7 +24384,7 @@
 </p:sld>
 </file>
 
-<file path=ppt/slides/slide15.xml><?xml version="1.0" encoding="utf-8"?>
+<file path=ppt/slides/slide21.xml><?xml version="1.0" encoding="utf-8"?>
 <p:sld xmlns:a="http://schemas.openxmlformats.org/drawingml/2006/main" xmlns:r="http://schemas.openxmlformats.org/officeDocument/2006/relationships" xmlns:p="http://schemas.openxmlformats.org/presentationml/2006/main">
   <p:cSld>
     <p:spTree>
@@ -21838,274 +24584,6 @@
     <p:extLst>
       <p:ext uri="{BB962C8B-B14F-4D97-AF65-F5344CB8AC3E}">
         <p14:creationId xmlns:p14="http://schemas.microsoft.com/office/powerpoint/2010/main" val="4192468639"/>
-      </p:ext>
-    </p:extLst>
-  </p:cSld>
-  <p:clrMapOvr>
-    <a:masterClrMapping/>
-  </p:clrMapOvr>
-</p:sld>
-</file>
-
-<file path=ppt/slides/slide2.xml><?xml version="1.0" encoding="utf-8"?>
-<p:sld xmlns:a="http://schemas.openxmlformats.org/drawingml/2006/main" xmlns:r="http://schemas.openxmlformats.org/officeDocument/2006/relationships" xmlns:p="http://schemas.openxmlformats.org/presentationml/2006/main">
-  <p:cSld>
-    <p:spTree>
-      <p:nvGrpSpPr>
-        <p:cNvPr id="1" name=""/>
-        <p:cNvGrpSpPr/>
-        <p:nvPr/>
-      </p:nvGrpSpPr>
-      <p:grpSpPr>
-        <a:xfrm>
-          <a:off x="0" y="0"/>
-          <a:ext cx="0" cy="0"/>
-          <a:chOff x="0" y="0"/>
-          <a:chExt cx="0" cy="0"/>
-        </a:xfrm>
-      </p:grpSpPr>
-      <p:sp>
-        <p:nvSpPr>
-          <p:cNvPr id="2" name="Titolo 1">
-            <a:extLst>
-              <a:ext uri="{FF2B5EF4-FFF2-40B4-BE49-F238E27FC236}">
-                <a16:creationId xmlns:a16="http://schemas.microsoft.com/office/drawing/2014/main" id="{D44C3116-C715-46A4-BE02-4ED0877D1D85}"/>
-              </a:ext>
-            </a:extLst>
-          </p:cNvPr>
-          <p:cNvSpPr>
-            <a:spLocks noGrp="1"/>
-          </p:cNvSpPr>
-          <p:nvPr>
-            <p:ph type="title"/>
-          </p:nvPr>
-        </p:nvSpPr>
-        <p:spPr/>
-        <p:txBody>
-          <a:bodyPr/>
-          <a:lstStyle/>
-          <a:p>
-            <a:r>
-              <a:rPr lang="it-IT" b="1" dirty="0"/>
-              <a:t>Le specifiche richieste</a:t>
-            </a:r>
-          </a:p>
-        </p:txBody>
-      </p:sp>
-      <p:sp>
-        <p:nvSpPr>
-          <p:cNvPr id="3" name="Segnaposto contenuto 2">
-            <a:extLst>
-              <a:ext uri="{FF2B5EF4-FFF2-40B4-BE49-F238E27FC236}">
-                <a16:creationId xmlns:a16="http://schemas.microsoft.com/office/drawing/2014/main" id="{8C3806C9-486A-47E8-A7F7-3F2AD9CAAD2A}"/>
-              </a:ext>
-            </a:extLst>
-          </p:cNvPr>
-          <p:cNvSpPr>
-            <a:spLocks noGrp="1"/>
-          </p:cNvSpPr>
-          <p:nvPr>
-            <p:ph idx="1"/>
-          </p:nvPr>
-        </p:nvSpPr>
-        <p:spPr>
-          <a:xfrm>
-            <a:off x="420625" y="1825625"/>
-            <a:ext cx="11306319" cy="4667250"/>
-          </a:xfrm>
-        </p:spPr>
-        <p:txBody>
-          <a:bodyPr/>
-          <a:lstStyle/>
-          <a:p>
-            <a:r>
-              <a:rPr lang="it-IT" dirty="0"/>
-              <a:t>Un file </a:t>
-            </a:r>
-            <a:r>
-              <a:rPr lang="it-IT" b="1" dirty="0">
-                <a:solidFill>
-                  <a:srgbClr val="0070C0"/>
-                </a:solidFill>
-              </a:rPr>
-              <a:t>html</a:t>
-            </a:r>
-            <a:r>
-              <a:rPr lang="it-IT" dirty="0"/>
-              <a:t> denominato ‘</a:t>
-            </a:r>
-            <a:r>
-              <a:rPr lang="it-IT" b="1" i="1" dirty="0"/>
-              <a:t>mhw2.html</a:t>
-            </a:r>
-            <a:r>
-              <a:rPr lang="it-IT" dirty="0"/>
-              <a:t>’ con la Home-page aggiornata</a:t>
-            </a:r>
-          </a:p>
-          <a:p>
-            <a:r>
-              <a:rPr lang="it-IT" dirty="0"/>
-              <a:t>Un file </a:t>
-            </a:r>
-            <a:r>
-              <a:rPr lang="it-IT" b="1" dirty="0" err="1">
-                <a:solidFill>
-                  <a:srgbClr val="FFC000"/>
-                </a:solidFill>
-              </a:rPr>
-              <a:t>css</a:t>
-            </a:r>
-            <a:r>
-              <a:rPr lang="it-IT" dirty="0"/>
-              <a:t> denominato ‘</a:t>
-            </a:r>
-            <a:r>
-              <a:rPr lang="it-IT" b="1" i="1" dirty="0"/>
-              <a:t>mhw2.css</a:t>
-            </a:r>
-            <a:r>
-              <a:rPr lang="it-IT" dirty="0"/>
-              <a:t>’ per lo stile</a:t>
-            </a:r>
-          </a:p>
-          <a:p>
-            <a:r>
-              <a:rPr lang="it-IT" dirty="0"/>
-              <a:t>Un file </a:t>
-            </a:r>
-            <a:r>
-              <a:rPr lang="it-IT" b="1" dirty="0" err="1">
-                <a:solidFill>
-                  <a:srgbClr val="7030A0"/>
-                </a:solidFill>
-              </a:rPr>
-              <a:t>javascript</a:t>
-            </a:r>
-            <a:r>
-              <a:rPr lang="it-IT" dirty="0"/>
-              <a:t> denominato ‘</a:t>
-            </a:r>
-            <a:r>
-              <a:rPr lang="it-IT" b="1" i="1" dirty="0"/>
-              <a:t>contents.js</a:t>
-            </a:r>
-            <a:r>
-              <a:rPr lang="it-IT" dirty="0"/>
-              <a:t>’ con i contenuti da caricare</a:t>
-            </a:r>
-          </a:p>
-          <a:p>
-            <a:r>
-              <a:rPr lang="it-IT" dirty="0"/>
-              <a:t>Un file </a:t>
-            </a:r>
-            <a:r>
-              <a:rPr lang="it-IT" b="1" dirty="0" err="1">
-                <a:solidFill>
-                  <a:srgbClr val="7030A0"/>
-                </a:solidFill>
-              </a:rPr>
-              <a:t>javascript</a:t>
-            </a:r>
-            <a:r>
-              <a:rPr lang="it-IT" dirty="0"/>
-              <a:t> denominato ‘</a:t>
-            </a:r>
-            <a:r>
-              <a:rPr lang="it-IT" b="1" i="1" dirty="0"/>
-              <a:t>script.js</a:t>
-            </a:r>
-            <a:r>
-              <a:rPr lang="it-IT" dirty="0"/>
-              <a:t>’ contenente le funzioni dinamiche</a:t>
-            </a:r>
-          </a:p>
-          <a:p>
-            <a:endParaRPr lang="it-IT" dirty="0"/>
-          </a:p>
-          <a:p>
-            <a:pPr marL="0" indent="0">
-              <a:buNone/>
-            </a:pPr>
-            <a:r>
-              <a:rPr lang="it-IT" dirty="0"/>
-              <a:t>In particolare gli elementi previsti nella implementazione riguardano:</a:t>
-            </a:r>
-          </a:p>
-          <a:p>
-            <a:r>
-              <a:rPr lang="it-IT" dirty="0"/>
-              <a:t>Diversi </a:t>
-            </a:r>
-            <a:r>
-              <a:rPr lang="it-IT" b="1" dirty="0">
-                <a:solidFill>
-                  <a:srgbClr val="FF0000"/>
-                </a:solidFill>
-              </a:rPr>
-              <a:t>blocchi di contenuti</a:t>
-            </a:r>
-            <a:r>
-              <a:rPr lang="it-IT" dirty="0">
-                <a:solidFill>
-                  <a:srgbClr val="FF0000"/>
-                </a:solidFill>
-              </a:rPr>
-              <a:t> </a:t>
-            </a:r>
-            <a:endParaRPr lang="it-IT" b="1" dirty="0">
-              <a:solidFill>
-                <a:srgbClr val="FF0000"/>
-              </a:solidFill>
-            </a:endParaRPr>
-          </a:p>
-          <a:p>
-            <a:r>
-              <a:rPr lang="it-IT" dirty="0"/>
-              <a:t>Una </a:t>
-            </a:r>
-            <a:r>
-              <a:rPr lang="it-IT" b="1" dirty="0">
-                <a:solidFill>
-                  <a:srgbClr val="FF0000"/>
-                </a:solidFill>
-              </a:rPr>
-              <a:t>barra di ricerca</a:t>
-            </a:r>
-          </a:p>
-          <a:p>
-            <a:r>
-              <a:rPr lang="it-IT" dirty="0">
-                <a:solidFill>
-                  <a:schemeClr val="tx1"/>
-                </a:solidFill>
-              </a:rPr>
-              <a:t>Una</a:t>
-            </a:r>
-            <a:r>
-              <a:rPr lang="it-IT" b="1" dirty="0">
-                <a:solidFill>
-                  <a:srgbClr val="FF0000"/>
-                </a:solidFill>
-              </a:rPr>
-              <a:t> sezione preferiti </a:t>
-            </a:r>
-            <a:r>
-              <a:rPr lang="it-IT" dirty="0">
-                <a:solidFill>
-                  <a:schemeClr val="tx1"/>
-                </a:solidFill>
-              </a:rPr>
-              <a:t>antistante i contenuti</a:t>
-            </a:r>
-          </a:p>
-        </p:txBody>
-      </p:sp>
-    </p:spTree>
-    <p:extLst>
-      <p:ext uri="{BB962C8B-B14F-4D97-AF65-F5344CB8AC3E}">
-        <p14:creationId xmlns:p14="http://schemas.microsoft.com/office/powerpoint/2010/main" val="3052056932"/>
       </p:ext>
     </p:extLst>
   </p:cSld>
@@ -24472,7 +26950,7 @@
           <p:cNvPr id="2" name="Titolo 1">
             <a:extLst>
               <a:ext uri="{FF2B5EF4-FFF2-40B4-BE49-F238E27FC236}">
-                <a16:creationId xmlns:a16="http://schemas.microsoft.com/office/drawing/2014/main" id="{06A89567-AC61-4270-B9E0-F98DC3E2B6BB}"/>
+                <a16:creationId xmlns:a16="http://schemas.microsoft.com/office/drawing/2014/main" id="{C92B4A54-1960-4749-9AC9-AD212A24AD89}"/>
               </a:ext>
             </a:extLst>
           </p:cNvPr>
@@ -24483,385 +26961,32 @@
             <p:ph type="title"/>
           </p:nvPr>
         </p:nvSpPr>
-        <p:spPr>
-          <a:xfrm>
-            <a:off x="420624" y="365125"/>
-            <a:ext cx="11089504" cy="1325563"/>
-          </a:xfrm>
-        </p:spPr>
+        <p:spPr/>
         <p:txBody>
-          <a:bodyPr>
-            <a:normAutofit fontScale="90000"/>
-          </a:bodyPr>
+          <a:bodyPr/>
           <a:lstStyle/>
           <a:p>
             <a:r>
-              <a:rPr lang="it-IT" b="1" dirty="0"/>
-              <a:t>La sezione preferiti e la classe </a:t>
-            </a:r>
-            <a:r>
-              <a:rPr lang="it-IT" b="1" dirty="0">
-                <a:solidFill>
-                  <a:srgbClr val="FFC000"/>
-                </a:solidFill>
-              </a:rPr>
-              <a:t>.elemento</a:t>
+              <a:rPr lang="it-IT" dirty="0"/>
+              <a:t>Funzione </a:t>
+            </a:r>
+            <a:r>
+              <a:rPr lang="it-IT" dirty="0" err="1"/>
+              <a:t>loadContents</a:t>
+            </a:r>
+            <a:r>
+              <a:rPr lang="it-IT" dirty="0"/>
+              <a:t>()</a:t>
             </a:r>
           </a:p>
         </p:txBody>
       </p:sp>
-      <p:sp>
-        <p:nvSpPr>
-          <p:cNvPr id="3" name="Segnaposto contenuto 2">
-            <a:extLst>
-              <a:ext uri="{FF2B5EF4-FFF2-40B4-BE49-F238E27FC236}">
-                <a16:creationId xmlns:a16="http://schemas.microsoft.com/office/drawing/2014/main" id="{FEF935B8-39E4-46F5-B8AA-CD70C11EF768}"/>
-              </a:ext>
-            </a:extLst>
-          </p:cNvPr>
-          <p:cNvSpPr>
-            <a:spLocks noGrp="1"/>
-          </p:cNvSpPr>
-          <p:nvPr>
-            <p:ph idx="1"/>
-          </p:nvPr>
-        </p:nvSpPr>
-        <p:spPr>
-          <a:xfrm>
-            <a:off x="226243" y="1690688"/>
-            <a:ext cx="11868347" cy="5167312"/>
-          </a:xfrm>
-        </p:spPr>
-        <p:txBody>
-          <a:bodyPr>
-            <a:normAutofit/>
-          </a:bodyPr>
-          <a:lstStyle/>
-          <a:p>
-            <a:r>
-              <a:rPr lang="it-IT" sz="1600" dirty="0"/>
-              <a:t>Come da specifica, si tratta di una sezione che compare solamente quando l’utente sceglie almeno un preferito dai blocchi contenuti. Si trova a inizio pagina, tra l’</a:t>
-            </a:r>
-            <a:r>
-              <a:rPr lang="it-IT" sz="1600" dirty="0" err="1"/>
-              <a:t>header</a:t>
-            </a:r>
-            <a:r>
-              <a:rPr lang="it-IT" sz="1600" dirty="0"/>
-              <a:t> e la </a:t>
-            </a:r>
-            <a:r>
-              <a:rPr lang="it-IT" sz="1600" dirty="0" err="1"/>
-              <a:t>section</a:t>
-            </a:r>
-            <a:r>
-              <a:rPr lang="it-IT" sz="1600" dirty="0"/>
-              <a:t>.</a:t>
-            </a:r>
-          </a:p>
-          <a:p>
-            <a:pPr marL="0" indent="0">
-              <a:buNone/>
-            </a:pPr>
-            <a:r>
-              <a:rPr lang="it-IT" sz="1600" dirty="0"/>
-              <a:t>Funzioni di ‘script.js’ interessate: </a:t>
-            </a:r>
-          </a:p>
-          <a:p>
-            <a:r>
-              <a:rPr lang="it-IT" sz="1600" b="1" dirty="0">
-                <a:highlight>
-                  <a:srgbClr val="FFFF00"/>
-                </a:highlight>
-              </a:rPr>
-              <a:t>dettagli(): </a:t>
-            </a:r>
-            <a:r>
-              <a:rPr lang="it-IT" sz="1600" dirty="0"/>
-              <a:t>si attiva </a:t>
-            </a:r>
-            <a:r>
-              <a:rPr lang="it-IT" sz="1600" b="1" dirty="0"/>
-              <a:t>cliccando sull’immagine </a:t>
-            </a:r>
-            <a:r>
-              <a:rPr lang="it-IT" sz="1600" dirty="0"/>
-              <a:t>del blocco contenuto di classe </a:t>
-            </a:r>
-            <a:r>
-              <a:rPr lang="it-IT" sz="1600" b="1" dirty="0">
-                <a:solidFill>
-                  <a:srgbClr val="FF0000"/>
-                </a:solidFill>
-              </a:rPr>
-              <a:t>oggetto</a:t>
-            </a:r>
-            <a:r>
-              <a:rPr lang="it-IT" sz="1600" dirty="0"/>
-              <a:t>, mostra la descrizione presente nell’</a:t>
-            </a:r>
-            <a:r>
-              <a:rPr lang="it-IT" sz="1600" dirty="0" err="1"/>
-              <a:t>article</a:t>
-            </a:r>
-            <a:r>
-              <a:rPr lang="it-IT" sz="1600" dirty="0"/>
-              <a:t> sottostante (inizialmente non visibile) rimuovendo la classe </a:t>
-            </a:r>
-            <a:r>
-              <a:rPr lang="it-IT" sz="1600" dirty="0" err="1"/>
-              <a:t>hidden</a:t>
-            </a:r>
-            <a:r>
-              <a:rPr lang="it-IT" sz="1600" dirty="0"/>
-              <a:t>.</a:t>
-            </a:r>
-          </a:p>
-          <a:p>
-            <a:r>
-              <a:rPr lang="it-IT" sz="1600" b="1" dirty="0" err="1">
-                <a:highlight>
-                  <a:srgbClr val="FFFF00"/>
-                </a:highlight>
-              </a:rPr>
-              <a:t>riduciDescrizione</a:t>
-            </a:r>
-            <a:r>
-              <a:rPr lang="it-IT" sz="1600" b="1" dirty="0">
-                <a:highlight>
-                  <a:srgbClr val="FFFF00"/>
-                </a:highlight>
-              </a:rPr>
-              <a:t>(): </a:t>
-            </a:r>
-            <a:r>
-              <a:rPr lang="it-IT" sz="1600" dirty="0"/>
-              <a:t>si attiva </a:t>
-            </a:r>
-            <a:r>
-              <a:rPr lang="it-IT" sz="1600" b="1" dirty="0"/>
-              <a:t>cliccando sul bottone </a:t>
-            </a:r>
-            <a:r>
-              <a:rPr lang="it-IT" sz="1600" dirty="0"/>
-              <a:t>del blocco contenuto di classe </a:t>
-            </a:r>
-            <a:r>
-              <a:rPr lang="it-IT" sz="1600" b="1" dirty="0">
-                <a:solidFill>
-                  <a:srgbClr val="FF0000"/>
-                </a:solidFill>
-              </a:rPr>
-              <a:t>oggetto</a:t>
-            </a:r>
-            <a:r>
-              <a:rPr lang="it-IT" sz="1600" dirty="0"/>
-              <a:t>, aggiunge la classe </a:t>
-            </a:r>
-            <a:r>
-              <a:rPr lang="it-IT" sz="1600" dirty="0" err="1"/>
-              <a:t>hidden</a:t>
-            </a:r>
-            <a:r>
-              <a:rPr lang="it-IT" sz="1600" dirty="0"/>
-              <a:t> all’</a:t>
-            </a:r>
-            <a:r>
-              <a:rPr lang="it-IT" sz="1600" dirty="0" err="1"/>
-              <a:t>article</a:t>
-            </a:r>
-            <a:r>
-              <a:rPr lang="it-IT" sz="1600" dirty="0"/>
-              <a:t> della descrizione in modo da renderlo non visibile.</a:t>
-            </a:r>
-          </a:p>
-          <a:p>
-            <a:r>
-              <a:rPr lang="it-IT" sz="1600" b="1" i="1" dirty="0">
-                <a:highlight>
-                  <a:srgbClr val="FFFF00"/>
-                </a:highlight>
-              </a:rPr>
-              <a:t>aggiungi()</a:t>
-            </a:r>
-            <a:r>
-              <a:rPr lang="it-IT" sz="1600" b="1" dirty="0">
-                <a:highlight>
-                  <a:srgbClr val="FFFF00"/>
-                </a:highlight>
-              </a:rPr>
-              <a:t> </a:t>
-            </a:r>
-            <a:r>
-              <a:rPr lang="it-IT" sz="1600" dirty="0">
-                <a:highlight>
-                  <a:srgbClr val="FFFF00"/>
-                </a:highlight>
-              </a:rPr>
-              <a:t>:</a:t>
-            </a:r>
-            <a:r>
-              <a:rPr lang="it-IT" sz="1600" dirty="0"/>
-              <a:t> si attiva </a:t>
-            </a:r>
-            <a:r>
-              <a:rPr lang="it-IT" sz="1600" b="1" dirty="0"/>
-              <a:t>cliccando sul bottone </a:t>
-            </a:r>
-            <a:r>
-              <a:rPr lang="it-IT" sz="1600" dirty="0"/>
-              <a:t>del blocco contenuto di classe </a:t>
-            </a:r>
-            <a:r>
-              <a:rPr lang="it-IT" sz="1600" b="1" dirty="0">
-                <a:solidFill>
-                  <a:srgbClr val="FF0000"/>
-                </a:solidFill>
-              </a:rPr>
-              <a:t>oggetto</a:t>
-            </a:r>
-            <a:r>
-              <a:rPr lang="it-IT" sz="1600" dirty="0"/>
-              <a:t> </a:t>
-            </a:r>
-            <a:r>
-              <a:rPr lang="it-IT" sz="1600" dirty="0">
-                <a:solidFill>
-                  <a:srgbClr val="00B050"/>
-                </a:solidFill>
-              </a:rPr>
-              <a:t>‘</a:t>
-            </a:r>
-            <a:r>
-              <a:rPr lang="it-IT" sz="1600" b="1" dirty="0">
-                <a:solidFill>
-                  <a:srgbClr val="00B050"/>
-                </a:solidFill>
-              </a:rPr>
-              <a:t>Aggiungi ai preferiti</a:t>
-            </a:r>
-            <a:r>
-              <a:rPr lang="it-IT" sz="1600" dirty="0">
-                <a:solidFill>
-                  <a:srgbClr val="00B050"/>
-                </a:solidFill>
-              </a:rPr>
-              <a:t>’ </a:t>
-            </a:r>
-            <a:r>
-              <a:rPr lang="it-IT" sz="1600" dirty="0"/>
-              <a:t>crea una copia del blocco contenuto di classe oggetto nella sezione preferiti e assegna a questa copia la classe ‘</a:t>
-            </a:r>
-            <a:r>
-              <a:rPr lang="it-IT" sz="1600" b="1" dirty="0">
-                <a:solidFill>
-                  <a:srgbClr val="FFC000"/>
-                </a:solidFill>
-              </a:rPr>
-              <a:t>elemento</a:t>
-            </a:r>
-            <a:r>
-              <a:rPr lang="it-IT" sz="1600" dirty="0"/>
-              <a:t>’ (per poterla distinguere meglio con i </a:t>
-            </a:r>
-            <a:r>
-              <a:rPr lang="it-IT" sz="1600" dirty="0" err="1"/>
-              <a:t>querySelector</a:t>
-            </a:r>
-            <a:r>
-              <a:rPr lang="it-IT" sz="1600" dirty="0"/>
-              <a:t>() sostanzialmente). In base alla posizione dell’oggetto viene deciso in quale dei due div di classe </a:t>
-            </a:r>
-            <a:r>
-              <a:rPr lang="it-IT" sz="1600" b="1" dirty="0" err="1"/>
-              <a:t>wrapper</a:t>
-            </a:r>
-            <a:r>
-              <a:rPr lang="it-IT" sz="1600" dirty="0"/>
-              <a:t> smistare il nuovo elemento. Successivamente, si rimuove l’</a:t>
-            </a:r>
-            <a:r>
-              <a:rPr lang="it-IT" sz="1600" b="1" dirty="0" err="1"/>
-              <a:t>eventListener</a:t>
-            </a:r>
-            <a:r>
-              <a:rPr lang="it-IT" sz="1600" dirty="0"/>
-              <a:t> sul bottone in modo da non avere doppioni nella sezione preferiti.</a:t>
-            </a:r>
-          </a:p>
-          <a:p>
-            <a:r>
-              <a:rPr lang="it-IT" sz="1600" b="1" i="1" dirty="0">
-                <a:highlight>
-                  <a:srgbClr val="FFFF00"/>
-                </a:highlight>
-              </a:rPr>
-              <a:t>rimozione(): </a:t>
-            </a:r>
-            <a:r>
-              <a:rPr lang="it-IT" sz="1600" dirty="0"/>
-              <a:t>si attiva cliccando sul bottone del blocco contenuto di classe </a:t>
-            </a:r>
-            <a:r>
-              <a:rPr lang="it-IT" sz="1600" b="1" dirty="0">
-                <a:solidFill>
-                  <a:srgbClr val="FFC000"/>
-                </a:solidFill>
-              </a:rPr>
-              <a:t>elemento</a:t>
-            </a:r>
-            <a:r>
-              <a:rPr lang="it-IT" sz="1600" dirty="0"/>
-              <a:t> ‘Rimuovi dai preferiti’ e rimuove appunto l’elemento dalla sezione dei preferiti. Si preoccupa inoltre di ripristinare l’</a:t>
-            </a:r>
-            <a:r>
-              <a:rPr lang="it-IT" sz="1600" b="1" dirty="0" err="1"/>
-              <a:t>eventListener</a:t>
-            </a:r>
-            <a:r>
-              <a:rPr lang="it-IT" sz="1600" dirty="0"/>
-              <a:t> tolto dalla funzione aggiungi per poter ripetere l’operazione di ‘aggiungi preferiti’ successivamente</a:t>
-            </a:r>
-          </a:p>
-        </p:txBody>
-      </p:sp>
-    </p:spTree>
-    <p:extLst>
-      <p:ext uri="{BB962C8B-B14F-4D97-AF65-F5344CB8AC3E}">
-        <p14:creationId xmlns:p14="http://schemas.microsoft.com/office/powerpoint/2010/main" val="2701107094"/>
-      </p:ext>
-    </p:extLst>
-  </p:cSld>
-  <p:clrMapOvr>
-    <a:masterClrMapping/>
-  </p:clrMapOvr>
-</p:sld>
-</file>
-
-<file path=ppt/slides/slide9.xml><?xml version="1.0" encoding="utf-8"?>
-<p:sld xmlns:a="http://schemas.openxmlformats.org/drawingml/2006/main" xmlns:r="http://schemas.openxmlformats.org/officeDocument/2006/relationships" xmlns:p="http://schemas.openxmlformats.org/presentationml/2006/main">
-  <p:cSld>
-    <p:spTree>
-      <p:nvGrpSpPr>
-        <p:cNvPr id="1" name=""/>
-        <p:cNvGrpSpPr/>
-        <p:nvPr/>
-      </p:nvGrpSpPr>
-      <p:grpSpPr>
-        <a:xfrm>
-          <a:off x="0" y="0"/>
-          <a:ext cx="0" cy="0"/>
-          <a:chOff x="0" y="0"/>
-          <a:chExt cx="0" cy="0"/>
-        </a:xfrm>
-      </p:grpSpPr>
       <p:pic>
         <p:nvPicPr>
           <p:cNvPr id="5" name="Segnaposto contenuto 4">
             <a:extLst>
               <a:ext uri="{FF2B5EF4-FFF2-40B4-BE49-F238E27FC236}">
-                <a16:creationId xmlns:a16="http://schemas.microsoft.com/office/drawing/2014/main" id="{6358A76D-F0BC-43AA-9D0F-9A48EB20BE92}"/>
+                <a16:creationId xmlns:a16="http://schemas.microsoft.com/office/drawing/2014/main" id="{A01932FD-0C0A-45E0-BB51-01A1E5B3A9DE}"/>
               </a:ext>
             </a:extLst>
           </p:cNvPr>
@@ -24873,30 +26998,54 @@
           </p:nvPr>
         </p:nvPicPr>
         <p:blipFill>
-          <a:blip r:embed="rId3">
-            <a:extLst>
-              <a:ext uri="{28A0092B-C50C-407E-A947-70E740481C1C}">
-                <a14:useLocalDpi xmlns:a14="http://schemas.microsoft.com/office/drawing/2010/main" val="0"/>
-              </a:ext>
-            </a:extLst>
-          </a:blip>
+          <a:blip r:embed="rId2"/>
           <a:stretch>
             <a:fillRect/>
           </a:stretch>
         </p:blipFill>
         <p:spPr>
           <a:xfrm>
-            <a:off x="2011347" y="0"/>
-            <a:ext cx="8700934" cy="4826118"/>
+            <a:off x="420624" y="1690688"/>
+            <a:ext cx="3840300" cy="4206875"/>
           </a:xfrm>
+        </p:spPr>
+      </p:pic>
+      <p:pic>
+        <p:nvPicPr>
+          <p:cNvPr id="7" name="Immagine 6">
+            <a:extLst>
+              <a:ext uri="{FF2B5EF4-FFF2-40B4-BE49-F238E27FC236}">
+                <a16:creationId xmlns:a16="http://schemas.microsoft.com/office/drawing/2014/main" id="{73167BFD-9371-4B80-A895-336BE6BA63F0}"/>
+              </a:ext>
+            </a:extLst>
+          </p:cNvPr>
+          <p:cNvPicPr>
+            <a:picLocks noChangeAspect="1"/>
+          </p:cNvPicPr>
+          <p:nvPr/>
+        </p:nvPicPr>
+        <p:blipFill>
+          <a:blip r:embed="rId3"/>
+          <a:stretch>
+            <a:fillRect/>
+          </a:stretch>
+        </p:blipFill>
+        <p:spPr>
+          <a:xfrm>
+            <a:off x="4318537" y="1721335"/>
+            <a:ext cx="4693987" cy="4206875"/>
+          </a:xfrm>
+          <a:prstGeom prst="rect">
+            <a:avLst/>
+          </a:prstGeom>
         </p:spPr>
       </p:pic>
       <p:sp>
         <p:nvSpPr>
-          <p:cNvPr id="6" name="CasellaDiTesto 5">
-            <a:extLst>
-              <a:ext uri="{FF2B5EF4-FFF2-40B4-BE49-F238E27FC236}">
-                <a16:creationId xmlns:a16="http://schemas.microsoft.com/office/drawing/2014/main" id="{861B9045-7096-486F-9F53-4B7B4EFB2CEA}"/>
+          <p:cNvPr id="8" name="CasellaDiTesto 7">
+            <a:extLst>
+              <a:ext uri="{FF2B5EF4-FFF2-40B4-BE49-F238E27FC236}">
+                <a16:creationId xmlns:a16="http://schemas.microsoft.com/office/drawing/2014/main" id="{DFCA821A-93BE-4AC8-8724-929ABD6CCC53}"/>
               </a:ext>
             </a:extLst>
           </p:cNvPr>
@@ -24905,8 +27054,8 @@
         </p:nvSpPr>
         <p:spPr>
           <a:xfrm>
-            <a:off x="0" y="595423"/>
-            <a:ext cx="2557110" cy="369332"/>
+            <a:off x="3295583" y="1506022"/>
+            <a:ext cx="312906" cy="369332"/>
           </a:xfrm>
           <a:prstGeom prst="rect">
             <a:avLst/>
@@ -24920,182 +27069,22 @@
           <a:lstStyle/>
           <a:p>
             <a:r>
-              <a:rPr lang="it-IT" b="1" dirty="0">
+              <a:rPr lang="it-IT" dirty="0">
                 <a:highlight>
                   <a:srgbClr val="FFFF00"/>
                 </a:highlight>
               </a:rPr>
-              <a:t>Titolo sezione (&lt;h1&gt;)</a:t>
-            </a:r>
-          </a:p>
-        </p:txBody>
-      </p:sp>
-      <p:pic>
-        <p:nvPicPr>
-          <p:cNvPr id="8" name="Immagine 7">
-            <a:extLst>
-              <a:ext uri="{FF2B5EF4-FFF2-40B4-BE49-F238E27FC236}">
-                <a16:creationId xmlns:a16="http://schemas.microsoft.com/office/drawing/2014/main" id="{BA473E90-3D63-48D0-87DB-281EFCBA0024}"/>
-              </a:ext>
-            </a:extLst>
-          </p:cNvPr>
-          <p:cNvPicPr>
-            <a:picLocks noChangeAspect="1"/>
-          </p:cNvPicPr>
-          <p:nvPr/>
-        </p:nvPicPr>
-        <p:blipFill>
-          <a:blip r:embed="rId4"/>
-          <a:stretch>
-            <a:fillRect/>
-          </a:stretch>
-        </p:blipFill>
-        <p:spPr>
-          <a:xfrm>
-            <a:off x="2523458" y="3930430"/>
-            <a:ext cx="7410895" cy="1663786"/>
-          </a:xfrm>
-          <a:prstGeom prst="rect">
-            <a:avLst/>
-          </a:prstGeom>
-        </p:spPr>
-      </p:pic>
-      <p:cxnSp>
-        <p:nvCxnSpPr>
-          <p:cNvPr id="10" name="Connettore 2 9">
-            <a:extLst>
-              <a:ext uri="{FF2B5EF4-FFF2-40B4-BE49-F238E27FC236}">
-                <a16:creationId xmlns:a16="http://schemas.microsoft.com/office/drawing/2014/main" id="{89E310C6-361A-427D-9DEC-DA47DF350121}"/>
-              </a:ext>
-            </a:extLst>
-          </p:cNvPr>
-          <p:cNvCxnSpPr>
-            <a:cxnSpLocks/>
-            <a:stCxn id="6" idx="3"/>
-          </p:cNvCxnSpPr>
-          <p:nvPr/>
-        </p:nvCxnSpPr>
-        <p:spPr>
-          <a:xfrm>
-            <a:off x="2557110" y="780089"/>
-            <a:ext cx="2674109" cy="0"/>
-          </a:xfrm>
-          <a:prstGeom prst="straightConnector1">
-            <a:avLst/>
-          </a:prstGeom>
-          <a:ln>
-            <a:tailEnd type="triangle"/>
-          </a:ln>
-        </p:spPr>
-        <p:style>
-          <a:lnRef idx="1">
-            <a:schemeClr val="dk1"/>
-          </a:lnRef>
-          <a:fillRef idx="0">
-            <a:schemeClr val="dk1"/>
-          </a:fillRef>
-          <a:effectRef idx="0">
-            <a:schemeClr val="dk1"/>
-          </a:effectRef>
-          <a:fontRef idx="minor">
-            <a:schemeClr val="tx1"/>
-          </a:fontRef>
-        </p:style>
-      </p:cxnSp>
-      <p:sp>
-        <p:nvSpPr>
-          <p:cNvPr id="14" name="Parentesi graffa chiusa 13">
-            <a:extLst>
-              <a:ext uri="{FF2B5EF4-FFF2-40B4-BE49-F238E27FC236}">
-                <a16:creationId xmlns:a16="http://schemas.microsoft.com/office/drawing/2014/main" id="{A92A8516-2BED-4F28-805F-073F0B00AD98}"/>
-              </a:ext>
-            </a:extLst>
-          </p:cNvPr>
-          <p:cNvSpPr/>
-          <p:nvPr/>
-        </p:nvSpPr>
-        <p:spPr>
-          <a:xfrm rot="16200000">
-            <a:off x="4509186" y="-205309"/>
-            <a:ext cx="235443" cy="2938185"/>
-          </a:xfrm>
-          <a:prstGeom prst="rightBrace">
-            <a:avLst/>
-          </a:prstGeom>
-        </p:spPr>
-        <p:style>
-          <a:lnRef idx="1">
-            <a:schemeClr val="dk1"/>
-          </a:lnRef>
-          <a:fillRef idx="0">
-            <a:schemeClr val="dk1"/>
-          </a:fillRef>
-          <a:effectRef idx="0">
-            <a:schemeClr val="dk1"/>
-          </a:effectRef>
-          <a:fontRef idx="minor">
-            <a:schemeClr val="tx1"/>
-          </a:fontRef>
-        </p:style>
-        <p:txBody>
-          <a:bodyPr rtlCol="0" anchor="ctr"/>
-          <a:lstStyle/>
-          <a:p>
-            <a:pPr algn="ctr"/>
-            <a:endParaRPr lang="it-IT"/>
+              <a:t>1</a:t>
+            </a:r>
           </a:p>
         </p:txBody>
       </p:sp>
       <p:sp>
         <p:nvSpPr>
-          <p:cNvPr id="15" name="Parentesi graffa chiusa 14">
-            <a:extLst>
-              <a:ext uri="{FF2B5EF4-FFF2-40B4-BE49-F238E27FC236}">
-                <a16:creationId xmlns:a16="http://schemas.microsoft.com/office/drawing/2014/main" id="{7C736F45-1740-418F-96A8-7FB454A5A3D7}"/>
-              </a:ext>
-            </a:extLst>
-          </p:cNvPr>
-          <p:cNvSpPr/>
-          <p:nvPr/>
-        </p:nvSpPr>
-        <p:spPr>
-          <a:xfrm rot="16200000">
-            <a:off x="7713185" y="-187232"/>
-            <a:ext cx="235443" cy="2938185"/>
-          </a:xfrm>
-          <a:prstGeom prst="rightBrace">
-            <a:avLst/>
-          </a:prstGeom>
-        </p:spPr>
-        <p:style>
-          <a:lnRef idx="1">
-            <a:schemeClr val="dk1"/>
-          </a:lnRef>
-          <a:fillRef idx="0">
-            <a:schemeClr val="dk1"/>
-          </a:fillRef>
-          <a:effectRef idx="0">
-            <a:schemeClr val="dk1"/>
-          </a:effectRef>
-          <a:fontRef idx="minor">
-            <a:schemeClr val="tx1"/>
-          </a:fontRef>
-        </p:style>
-        <p:txBody>
-          <a:bodyPr rtlCol="0" anchor="ctr"/>
-          <a:lstStyle/>
-          <a:p>
-            <a:pPr algn="ctr"/>
-            <a:endParaRPr lang="it-IT"/>
-          </a:p>
-        </p:txBody>
-      </p:sp>
-      <p:sp>
-        <p:nvSpPr>
-          <p:cNvPr id="17" name="CasellaDiTesto 16">
-            <a:extLst>
-              <a:ext uri="{FF2B5EF4-FFF2-40B4-BE49-F238E27FC236}">
-                <a16:creationId xmlns:a16="http://schemas.microsoft.com/office/drawing/2014/main" id="{D754F687-30F9-45EE-9165-201C352AEDEC}"/>
+          <p:cNvPr id="9" name="CasellaDiTesto 8">
+            <a:extLst>
+              <a:ext uri="{FF2B5EF4-FFF2-40B4-BE49-F238E27FC236}">
+                <a16:creationId xmlns:a16="http://schemas.microsoft.com/office/drawing/2014/main" id="{79BF8296-1A0F-4535-B8FA-CDB927B0FCA1}"/>
               </a:ext>
             </a:extLst>
           </p:cNvPr>
@@ -25104,8 +27093,8 @@
         </p:nvSpPr>
         <p:spPr>
           <a:xfrm>
-            <a:off x="474489" y="1801262"/>
-            <a:ext cx="2198038" cy="369332"/>
+            <a:off x="8452334" y="1521346"/>
+            <a:ext cx="312906" cy="369332"/>
           </a:xfrm>
           <a:prstGeom prst="rect">
             <a:avLst/>
@@ -25119,904 +27108,22 @@
           <a:lstStyle/>
           <a:p>
             <a:r>
-              <a:rPr lang="it-IT" b="1" dirty="0">
+              <a:rPr lang="it-IT" dirty="0">
                 <a:highlight>
                   <a:srgbClr val="FFFF00"/>
                 </a:highlight>
               </a:rPr>
-              <a:t>Immagine (&lt;</a:t>
-            </a:r>
-            <a:r>
-              <a:rPr lang="it-IT" b="1" dirty="0" err="1">
-                <a:highlight>
-                  <a:srgbClr val="FFFF00"/>
-                </a:highlight>
-              </a:rPr>
-              <a:t>img</a:t>
-            </a:r>
-            <a:r>
-              <a:rPr lang="it-IT" b="1" dirty="0">
-                <a:highlight>
-                  <a:srgbClr val="FFFF00"/>
-                </a:highlight>
-              </a:rPr>
-              <a:t>&gt;)</a:t>
-            </a:r>
-          </a:p>
-        </p:txBody>
-      </p:sp>
-      <p:sp>
-        <p:nvSpPr>
-          <p:cNvPr id="18" name="CasellaDiTesto 17">
-            <a:extLst>
-              <a:ext uri="{FF2B5EF4-FFF2-40B4-BE49-F238E27FC236}">
-                <a16:creationId xmlns:a16="http://schemas.microsoft.com/office/drawing/2014/main" id="{28B34FFC-C90C-43F3-BCA0-F62329C64B32}"/>
-              </a:ext>
-            </a:extLst>
-          </p:cNvPr>
-          <p:cNvSpPr txBox="1"/>
-          <p:nvPr/>
-        </p:nvSpPr>
-        <p:spPr>
-          <a:xfrm>
-            <a:off x="102592" y="4228710"/>
-            <a:ext cx="2364750" cy="369332"/>
-          </a:xfrm>
-          <a:prstGeom prst="rect">
-            <a:avLst/>
-          </a:prstGeom>
-          <a:noFill/>
-        </p:spPr>
-        <p:txBody>
-          <a:bodyPr wrap="none" rtlCol="0">
-            <a:spAutoFit/>
-          </a:bodyPr>
-          <a:lstStyle/>
-          <a:p>
-            <a:r>
-              <a:rPr lang="it-IT" b="1" dirty="0">
-                <a:highlight>
-                  <a:srgbClr val="FFFF00"/>
-                </a:highlight>
-              </a:rPr>
-              <a:t>Titolo-codice (&lt;h3&gt;)</a:t>
-            </a:r>
-          </a:p>
-        </p:txBody>
-      </p:sp>
-      <p:sp>
-        <p:nvSpPr>
-          <p:cNvPr id="19" name="CasellaDiTesto 18">
-            <a:extLst>
-              <a:ext uri="{FF2B5EF4-FFF2-40B4-BE49-F238E27FC236}">
-                <a16:creationId xmlns:a16="http://schemas.microsoft.com/office/drawing/2014/main" id="{9347ED26-FAA7-4B87-9B62-6E654EEECB9B}"/>
-              </a:ext>
-            </a:extLst>
-          </p:cNvPr>
-          <p:cNvSpPr txBox="1"/>
-          <p:nvPr/>
-        </p:nvSpPr>
-        <p:spPr>
-          <a:xfrm>
-            <a:off x="51297" y="4692686"/>
-            <a:ext cx="2621230" cy="369332"/>
-          </a:xfrm>
-          <a:prstGeom prst="rect">
-            <a:avLst/>
-          </a:prstGeom>
-          <a:noFill/>
-        </p:spPr>
-        <p:txBody>
-          <a:bodyPr wrap="square" rtlCol="0">
-            <a:spAutoFit/>
-          </a:bodyPr>
-          <a:lstStyle/>
-          <a:p>
-            <a:r>
-              <a:rPr lang="it-IT" b="1" dirty="0">
-                <a:highlight>
-                  <a:srgbClr val="FFFF00"/>
-                </a:highlight>
-              </a:rPr>
-              <a:t>Descrizione (&lt;</a:t>
-            </a:r>
-            <a:r>
-              <a:rPr lang="it-IT" b="1" dirty="0" err="1">
-                <a:highlight>
-                  <a:srgbClr val="FFFF00"/>
-                </a:highlight>
-              </a:rPr>
-              <a:t>article</a:t>
-            </a:r>
-            <a:r>
-              <a:rPr lang="it-IT" b="1" dirty="0">
-                <a:highlight>
-                  <a:srgbClr val="FFFF00"/>
-                </a:highlight>
-              </a:rPr>
-              <a:t>&gt;)</a:t>
-            </a:r>
-          </a:p>
-        </p:txBody>
-      </p:sp>
-      <p:sp>
-        <p:nvSpPr>
-          <p:cNvPr id="20" name="CasellaDiTesto 19">
-            <a:extLst>
-              <a:ext uri="{FF2B5EF4-FFF2-40B4-BE49-F238E27FC236}">
-                <a16:creationId xmlns:a16="http://schemas.microsoft.com/office/drawing/2014/main" id="{67585256-F726-4391-AA05-9C559AB5BB95}"/>
-              </a:ext>
-            </a:extLst>
-          </p:cNvPr>
-          <p:cNvSpPr txBox="1"/>
-          <p:nvPr/>
-        </p:nvSpPr>
-        <p:spPr>
-          <a:xfrm>
-            <a:off x="3101386" y="5945472"/>
-            <a:ext cx="3467616" cy="369332"/>
-          </a:xfrm>
-          <a:prstGeom prst="rect">
-            <a:avLst/>
-          </a:prstGeom>
-          <a:noFill/>
-        </p:spPr>
-        <p:txBody>
-          <a:bodyPr wrap="none" rtlCol="0">
-            <a:spAutoFit/>
-          </a:bodyPr>
-          <a:lstStyle/>
-          <a:p>
-            <a:r>
-              <a:rPr lang="it-IT" b="1" dirty="0">
-                <a:highlight>
-                  <a:srgbClr val="FFFF00"/>
-                </a:highlight>
-              </a:rPr>
-              <a:t>Bottone rimozione (&lt;</a:t>
-            </a:r>
-            <a:r>
-              <a:rPr lang="it-IT" b="1" dirty="0" err="1">
-                <a:highlight>
-                  <a:srgbClr val="FFFF00"/>
-                </a:highlight>
-              </a:rPr>
-              <a:t>button</a:t>
-            </a:r>
-            <a:r>
-              <a:rPr lang="it-IT" b="1" dirty="0">
-                <a:highlight>
-                  <a:srgbClr val="FFFF00"/>
-                </a:highlight>
-              </a:rPr>
-              <a:t>&gt;)</a:t>
+              <a:t>2</a:t>
             </a:r>
           </a:p>
         </p:txBody>
       </p:sp>
       <p:cxnSp>
         <p:nvCxnSpPr>
-          <p:cNvPr id="21" name="Connettore 2 20">
-            <a:extLst>
-              <a:ext uri="{FF2B5EF4-FFF2-40B4-BE49-F238E27FC236}">
-                <a16:creationId xmlns:a16="http://schemas.microsoft.com/office/drawing/2014/main" id="{17B5E25C-F74D-4C4E-A2AF-271235F41F8D}"/>
-              </a:ext>
-            </a:extLst>
-          </p:cNvPr>
-          <p:cNvCxnSpPr>
-            <a:cxnSpLocks/>
-            <a:stCxn id="17" idx="3"/>
-          </p:cNvCxnSpPr>
-          <p:nvPr/>
-        </p:nvCxnSpPr>
-        <p:spPr>
-          <a:xfrm>
-            <a:off x="2672527" y="1985928"/>
-            <a:ext cx="1314682" cy="0"/>
-          </a:xfrm>
-          <a:prstGeom prst="straightConnector1">
-            <a:avLst/>
-          </a:prstGeom>
-          <a:ln>
-            <a:tailEnd type="triangle"/>
-          </a:ln>
-        </p:spPr>
-        <p:style>
-          <a:lnRef idx="1">
-            <a:schemeClr val="dk1"/>
-          </a:lnRef>
-          <a:fillRef idx="0">
-            <a:schemeClr val="dk1"/>
-          </a:fillRef>
-          <a:effectRef idx="0">
-            <a:schemeClr val="dk1"/>
-          </a:effectRef>
-          <a:fontRef idx="minor">
-            <a:schemeClr val="tx1"/>
-          </a:fontRef>
-        </p:style>
-      </p:cxnSp>
-      <p:cxnSp>
-        <p:nvCxnSpPr>
-          <p:cNvPr id="24" name="Connettore 2 23">
-            <a:extLst>
-              <a:ext uri="{FF2B5EF4-FFF2-40B4-BE49-F238E27FC236}">
-                <a16:creationId xmlns:a16="http://schemas.microsoft.com/office/drawing/2014/main" id="{A19A7C5A-B245-4192-AF88-1CBF47D97406}"/>
-              </a:ext>
-            </a:extLst>
-          </p:cNvPr>
-          <p:cNvCxnSpPr>
-            <a:cxnSpLocks/>
-            <a:stCxn id="18" idx="3"/>
-          </p:cNvCxnSpPr>
-          <p:nvPr/>
-        </p:nvCxnSpPr>
-        <p:spPr>
-          <a:xfrm>
-            <a:off x="2467342" y="4413376"/>
-            <a:ext cx="1961336" cy="0"/>
-          </a:xfrm>
-          <a:prstGeom prst="straightConnector1">
-            <a:avLst/>
-          </a:prstGeom>
-          <a:ln>
-            <a:tailEnd type="triangle"/>
-          </a:ln>
-        </p:spPr>
-        <p:style>
-          <a:lnRef idx="1">
-            <a:schemeClr val="dk1"/>
-          </a:lnRef>
-          <a:fillRef idx="0">
-            <a:schemeClr val="dk1"/>
-          </a:fillRef>
-          <a:effectRef idx="0">
-            <a:schemeClr val="dk1"/>
-          </a:effectRef>
-          <a:fontRef idx="minor">
-            <a:schemeClr val="tx1"/>
-          </a:fontRef>
-        </p:style>
-      </p:cxnSp>
-      <p:cxnSp>
-        <p:nvCxnSpPr>
-          <p:cNvPr id="28" name="Connettore 2 27">
-            <a:extLst>
-              <a:ext uri="{FF2B5EF4-FFF2-40B4-BE49-F238E27FC236}">
-                <a16:creationId xmlns:a16="http://schemas.microsoft.com/office/drawing/2014/main" id="{EED13297-1E5F-4435-B4E0-9EB5B3101573}"/>
-              </a:ext>
-            </a:extLst>
-          </p:cNvPr>
-          <p:cNvCxnSpPr>
-            <a:cxnSpLocks/>
-            <a:stCxn id="19" idx="3"/>
-          </p:cNvCxnSpPr>
-          <p:nvPr/>
-        </p:nvCxnSpPr>
-        <p:spPr>
-          <a:xfrm>
-            <a:off x="2672527" y="4877352"/>
-            <a:ext cx="628938" cy="0"/>
-          </a:xfrm>
-          <a:prstGeom prst="straightConnector1">
-            <a:avLst/>
-          </a:prstGeom>
-          <a:ln>
-            <a:tailEnd type="triangle"/>
-          </a:ln>
-        </p:spPr>
-        <p:style>
-          <a:lnRef idx="1">
-            <a:schemeClr val="dk1"/>
-          </a:lnRef>
-          <a:fillRef idx="0">
-            <a:schemeClr val="dk1"/>
-          </a:fillRef>
-          <a:effectRef idx="0">
-            <a:schemeClr val="dk1"/>
-          </a:effectRef>
-          <a:fontRef idx="minor">
-            <a:schemeClr val="tx1"/>
-          </a:fontRef>
-        </p:style>
-      </p:cxnSp>
-      <p:cxnSp>
-        <p:nvCxnSpPr>
-          <p:cNvPr id="31" name="Connettore 2 30">
-            <a:extLst>
-              <a:ext uri="{FF2B5EF4-FFF2-40B4-BE49-F238E27FC236}">
-                <a16:creationId xmlns:a16="http://schemas.microsoft.com/office/drawing/2014/main" id="{DA4F69CD-45D7-4568-BC7E-07C18FC4FD77}"/>
-              </a:ext>
-            </a:extLst>
-          </p:cNvPr>
-          <p:cNvCxnSpPr>
-            <a:cxnSpLocks/>
-            <a:stCxn id="20" idx="0"/>
-          </p:cNvCxnSpPr>
-          <p:nvPr/>
-        </p:nvCxnSpPr>
-        <p:spPr>
-          <a:xfrm flipH="1" flipV="1">
-            <a:off x="4597950" y="5192090"/>
-            <a:ext cx="237244" cy="753382"/>
-          </a:xfrm>
-          <a:prstGeom prst="straightConnector1">
-            <a:avLst/>
-          </a:prstGeom>
-          <a:ln>
-            <a:tailEnd type="triangle"/>
-          </a:ln>
-        </p:spPr>
-        <p:style>
-          <a:lnRef idx="1">
-            <a:schemeClr val="dk1"/>
-          </a:lnRef>
-          <a:fillRef idx="0">
-            <a:schemeClr val="dk1"/>
-          </a:fillRef>
-          <a:effectRef idx="0">
-            <a:schemeClr val="dk1"/>
-          </a:effectRef>
-          <a:fontRef idx="minor">
-            <a:schemeClr val="tx1"/>
-          </a:fontRef>
-        </p:style>
-      </p:cxnSp>
-      <p:sp>
-        <p:nvSpPr>
-          <p:cNvPr id="12" name="CasellaDiTesto 11">
-            <a:extLst>
-              <a:ext uri="{FF2B5EF4-FFF2-40B4-BE49-F238E27FC236}">
-                <a16:creationId xmlns:a16="http://schemas.microsoft.com/office/drawing/2014/main" id="{73B769F9-3C2E-4189-84A1-9AE9630E8929}"/>
-              </a:ext>
-            </a:extLst>
-          </p:cNvPr>
-          <p:cNvSpPr txBox="1"/>
-          <p:nvPr/>
-        </p:nvSpPr>
-        <p:spPr>
-          <a:xfrm>
-            <a:off x="3221881" y="941023"/>
-            <a:ext cx="2840842" cy="338554"/>
-          </a:xfrm>
-          <a:prstGeom prst="rect">
-            <a:avLst/>
-          </a:prstGeom>
-          <a:noFill/>
-        </p:spPr>
-        <p:txBody>
-          <a:bodyPr wrap="none" rtlCol="0">
-            <a:spAutoFit/>
-          </a:bodyPr>
-          <a:lstStyle/>
-          <a:p>
-            <a:r>
-              <a:rPr lang="it-IT" sz="1600" b="1" dirty="0">
-                <a:solidFill>
-                  <a:srgbClr val="2C3948"/>
-                </a:solidFill>
-                <a:highlight>
-                  <a:srgbClr val="FFFF00"/>
-                </a:highlight>
-              </a:rPr>
-              <a:t>&lt;div class=‘cercato’&gt;&lt;/div&gt;</a:t>
-            </a:r>
-            <a:endParaRPr lang="it-IT" sz="1600" dirty="0">
-              <a:highlight>
-                <a:srgbClr val="FFFF00"/>
-              </a:highlight>
-            </a:endParaRPr>
-          </a:p>
-        </p:txBody>
-      </p:sp>
-      <p:sp>
-        <p:nvSpPr>
-          <p:cNvPr id="22" name="Parentesi graffa chiusa 21">
-            <a:extLst>
-              <a:ext uri="{FF2B5EF4-FFF2-40B4-BE49-F238E27FC236}">
-                <a16:creationId xmlns:a16="http://schemas.microsoft.com/office/drawing/2014/main" id="{F4A1DEC7-8AE3-49C2-BAAB-77551B13FC82}"/>
-              </a:ext>
-            </a:extLst>
-          </p:cNvPr>
-          <p:cNvSpPr/>
-          <p:nvPr/>
-        </p:nvSpPr>
-        <p:spPr>
-          <a:xfrm rot="16200000">
-            <a:off x="6206048" y="2407951"/>
-            <a:ext cx="45719" cy="265816"/>
-          </a:xfrm>
-          <a:prstGeom prst="rightBrace">
-            <a:avLst/>
-          </a:prstGeom>
-        </p:spPr>
-        <p:style>
-          <a:lnRef idx="1">
-            <a:schemeClr val="dk1"/>
-          </a:lnRef>
-          <a:fillRef idx="0">
-            <a:schemeClr val="dk1"/>
-          </a:fillRef>
-          <a:effectRef idx="0">
-            <a:schemeClr val="dk1"/>
-          </a:effectRef>
-          <a:fontRef idx="minor">
-            <a:schemeClr val="tx1"/>
-          </a:fontRef>
-        </p:style>
-        <p:txBody>
-          <a:bodyPr rtlCol="0" anchor="ctr"/>
-          <a:lstStyle/>
-          <a:p>
-            <a:pPr algn="ctr"/>
-            <a:endParaRPr lang="it-IT"/>
-          </a:p>
-        </p:txBody>
-      </p:sp>
-      <p:sp>
-        <p:nvSpPr>
-          <p:cNvPr id="25" name="CasellaDiTesto 24">
-            <a:extLst>
-              <a:ext uri="{FF2B5EF4-FFF2-40B4-BE49-F238E27FC236}">
-                <a16:creationId xmlns:a16="http://schemas.microsoft.com/office/drawing/2014/main" id="{F665D6B2-DC94-4FA5-BABE-B1B1153F7A6A}"/>
-              </a:ext>
-            </a:extLst>
-          </p:cNvPr>
-          <p:cNvSpPr txBox="1"/>
-          <p:nvPr/>
-        </p:nvSpPr>
-        <p:spPr>
-          <a:xfrm>
-            <a:off x="5610787" y="2121061"/>
-            <a:ext cx="1298753" cy="307777"/>
-          </a:xfrm>
-          <a:prstGeom prst="rect">
-            <a:avLst/>
-          </a:prstGeom>
-          <a:noFill/>
-        </p:spPr>
-        <p:txBody>
-          <a:bodyPr wrap="none" rtlCol="0">
-            <a:spAutoFit/>
-          </a:bodyPr>
-          <a:lstStyle/>
-          <a:p>
-            <a:r>
-              <a:rPr lang="it-IT" sz="1400" b="1" dirty="0" err="1">
-                <a:highlight>
-                  <a:srgbClr val="FFFF00"/>
-                </a:highlight>
-              </a:rPr>
-              <a:t>Margin</a:t>
-            </a:r>
-            <a:r>
-              <a:rPr lang="it-IT" sz="1400" b="1" dirty="0">
-                <a:highlight>
-                  <a:srgbClr val="FFFF00"/>
-                </a:highlight>
-              </a:rPr>
-              <a:t>: 20px</a:t>
-            </a:r>
-          </a:p>
-        </p:txBody>
-      </p:sp>
-      <p:sp>
-        <p:nvSpPr>
-          <p:cNvPr id="26" name="CasellaDiTesto 25">
-            <a:extLst>
-              <a:ext uri="{FF2B5EF4-FFF2-40B4-BE49-F238E27FC236}">
-                <a16:creationId xmlns:a16="http://schemas.microsoft.com/office/drawing/2014/main" id="{F9951688-4A52-4D41-93B0-0017200A625F}"/>
-              </a:ext>
-            </a:extLst>
-          </p:cNvPr>
-          <p:cNvSpPr txBox="1"/>
-          <p:nvPr/>
-        </p:nvSpPr>
-        <p:spPr>
-          <a:xfrm>
-            <a:off x="8001246" y="2009972"/>
-            <a:ext cx="1385316" cy="307777"/>
-          </a:xfrm>
-          <a:prstGeom prst="rect">
-            <a:avLst/>
-          </a:prstGeom>
-          <a:noFill/>
-        </p:spPr>
-        <p:txBody>
-          <a:bodyPr wrap="none" rtlCol="0">
-            <a:spAutoFit/>
-          </a:bodyPr>
-          <a:lstStyle/>
-          <a:p>
-            <a:r>
-              <a:rPr lang="it-IT" sz="1400" b="1" dirty="0" err="1">
-                <a:highlight>
-                  <a:srgbClr val="FFFF00"/>
-                </a:highlight>
-              </a:rPr>
-              <a:t>Padding</a:t>
-            </a:r>
-            <a:r>
-              <a:rPr lang="it-IT" sz="1400" b="1" dirty="0">
-                <a:highlight>
-                  <a:srgbClr val="FFFF00"/>
-                </a:highlight>
-              </a:rPr>
-              <a:t>: 10px</a:t>
-            </a:r>
-          </a:p>
-        </p:txBody>
-      </p:sp>
-      <p:sp>
-        <p:nvSpPr>
-          <p:cNvPr id="27" name="Parentesi graffa chiusa 26">
-            <a:extLst>
-              <a:ext uri="{FF2B5EF4-FFF2-40B4-BE49-F238E27FC236}">
-                <a16:creationId xmlns:a16="http://schemas.microsoft.com/office/drawing/2014/main" id="{A0C0B58E-57DC-44B6-BA32-07A9B282954F}"/>
-              </a:ext>
-            </a:extLst>
-          </p:cNvPr>
-          <p:cNvSpPr/>
-          <p:nvPr/>
-        </p:nvSpPr>
-        <p:spPr>
-          <a:xfrm rot="16200000">
-            <a:off x="9187676" y="2316511"/>
-            <a:ext cx="91742" cy="132909"/>
-          </a:xfrm>
-          <a:prstGeom prst="rightBrace">
-            <a:avLst/>
-          </a:prstGeom>
-        </p:spPr>
-        <p:style>
-          <a:lnRef idx="1">
-            <a:schemeClr val="dk1"/>
-          </a:lnRef>
-          <a:fillRef idx="0">
-            <a:schemeClr val="dk1"/>
-          </a:fillRef>
-          <a:effectRef idx="0">
-            <a:schemeClr val="dk1"/>
-          </a:effectRef>
-          <a:fontRef idx="minor">
-            <a:schemeClr val="tx1"/>
-          </a:fontRef>
-        </p:style>
-        <p:txBody>
-          <a:bodyPr rtlCol="0" anchor="ctr"/>
-          <a:lstStyle/>
-          <a:p>
-            <a:pPr algn="ctr"/>
-            <a:endParaRPr lang="it-IT"/>
-          </a:p>
-        </p:txBody>
-      </p:sp>
-      <p:sp>
-        <p:nvSpPr>
-          <p:cNvPr id="29" name="Parentesi graffa chiusa 28">
-            <a:extLst>
-              <a:ext uri="{FF2B5EF4-FFF2-40B4-BE49-F238E27FC236}">
-                <a16:creationId xmlns:a16="http://schemas.microsoft.com/office/drawing/2014/main" id="{82875562-75A7-4B67-BC5A-84E6314154F6}"/>
-              </a:ext>
-            </a:extLst>
-          </p:cNvPr>
-          <p:cNvSpPr/>
-          <p:nvPr/>
-        </p:nvSpPr>
-        <p:spPr>
-          <a:xfrm rot="16200000">
-            <a:off x="9340691" y="3821407"/>
-            <a:ext cx="91742" cy="132909"/>
-          </a:xfrm>
-          <a:prstGeom prst="rightBrace">
-            <a:avLst/>
-          </a:prstGeom>
-        </p:spPr>
-        <p:style>
-          <a:lnRef idx="1">
-            <a:schemeClr val="dk1"/>
-          </a:lnRef>
-          <a:fillRef idx="0">
-            <a:schemeClr val="dk1"/>
-          </a:fillRef>
-          <a:effectRef idx="0">
-            <a:schemeClr val="dk1"/>
-          </a:effectRef>
-          <a:fontRef idx="minor">
-            <a:schemeClr val="tx1"/>
-          </a:fontRef>
-        </p:style>
-        <p:txBody>
-          <a:bodyPr rtlCol="0" anchor="ctr"/>
-          <a:lstStyle/>
-          <a:p>
-            <a:pPr algn="ctr"/>
-            <a:endParaRPr lang="it-IT"/>
-          </a:p>
-        </p:txBody>
-      </p:sp>
-      <p:sp>
-        <p:nvSpPr>
-          <p:cNvPr id="30" name="CasellaDiTesto 29">
-            <a:extLst>
-              <a:ext uri="{FF2B5EF4-FFF2-40B4-BE49-F238E27FC236}">
-                <a16:creationId xmlns:a16="http://schemas.microsoft.com/office/drawing/2014/main" id="{4487F27F-23B0-4B01-AD47-28258BEBACD1}"/>
-              </a:ext>
-            </a:extLst>
-          </p:cNvPr>
-          <p:cNvSpPr txBox="1"/>
-          <p:nvPr/>
-        </p:nvSpPr>
-        <p:spPr>
-          <a:xfrm>
-            <a:off x="8803640" y="3514963"/>
-            <a:ext cx="1298753" cy="307777"/>
-          </a:xfrm>
-          <a:prstGeom prst="rect">
-            <a:avLst/>
-          </a:prstGeom>
-          <a:noFill/>
-        </p:spPr>
-        <p:txBody>
-          <a:bodyPr wrap="none" rtlCol="0">
-            <a:spAutoFit/>
-          </a:bodyPr>
-          <a:lstStyle/>
-          <a:p>
-            <a:r>
-              <a:rPr lang="it-IT" sz="1400" b="1" dirty="0" err="1">
-                <a:highlight>
-                  <a:srgbClr val="FFFF00"/>
-                </a:highlight>
-              </a:rPr>
-              <a:t>Margin</a:t>
-            </a:r>
-            <a:r>
-              <a:rPr lang="it-IT" sz="1400" b="1" dirty="0">
-                <a:highlight>
-                  <a:srgbClr val="FFFF00"/>
-                </a:highlight>
-              </a:rPr>
-              <a:t>: 10px</a:t>
-            </a:r>
-          </a:p>
-        </p:txBody>
-      </p:sp>
-      <p:sp>
-        <p:nvSpPr>
-          <p:cNvPr id="32" name="CasellaDiTesto 31">
-            <a:extLst>
-              <a:ext uri="{FF2B5EF4-FFF2-40B4-BE49-F238E27FC236}">
-                <a16:creationId xmlns:a16="http://schemas.microsoft.com/office/drawing/2014/main" id="{040CD109-E9A6-4DCE-9EBE-863820D43F42}"/>
-              </a:ext>
-            </a:extLst>
-          </p:cNvPr>
-          <p:cNvSpPr txBox="1"/>
-          <p:nvPr/>
-        </p:nvSpPr>
-        <p:spPr>
-          <a:xfrm>
-            <a:off x="9854472" y="5375192"/>
-            <a:ext cx="1298753" cy="307777"/>
-          </a:xfrm>
-          <a:prstGeom prst="rect">
-            <a:avLst/>
-          </a:prstGeom>
-          <a:noFill/>
-        </p:spPr>
-        <p:txBody>
-          <a:bodyPr wrap="none" rtlCol="0">
-            <a:spAutoFit/>
-          </a:bodyPr>
-          <a:lstStyle/>
-          <a:p>
-            <a:r>
-              <a:rPr lang="it-IT" sz="1400" b="1" dirty="0" err="1">
-                <a:highlight>
-                  <a:srgbClr val="FFFF00"/>
-                </a:highlight>
-              </a:rPr>
-              <a:t>Margin</a:t>
-            </a:r>
-            <a:r>
-              <a:rPr lang="it-IT" sz="1400" b="1" dirty="0">
-                <a:highlight>
-                  <a:srgbClr val="FFFF00"/>
-                </a:highlight>
-              </a:rPr>
-              <a:t>: 15px</a:t>
-            </a:r>
-          </a:p>
-        </p:txBody>
-      </p:sp>
-      <p:sp>
-        <p:nvSpPr>
-          <p:cNvPr id="33" name="Parentesi graffa chiusa 32">
-            <a:extLst>
-              <a:ext uri="{FF2B5EF4-FFF2-40B4-BE49-F238E27FC236}">
-                <a16:creationId xmlns:a16="http://schemas.microsoft.com/office/drawing/2014/main" id="{40A8499F-1E2F-4DDC-934D-0A3304A55EA5}"/>
-              </a:ext>
-            </a:extLst>
-          </p:cNvPr>
-          <p:cNvSpPr/>
-          <p:nvPr/>
-        </p:nvSpPr>
-        <p:spPr>
-          <a:xfrm>
-            <a:off x="9760020" y="5433821"/>
-            <a:ext cx="91742" cy="132909"/>
-          </a:xfrm>
-          <a:prstGeom prst="rightBrace">
-            <a:avLst/>
-          </a:prstGeom>
-        </p:spPr>
-        <p:style>
-          <a:lnRef idx="1">
-            <a:schemeClr val="dk1"/>
-          </a:lnRef>
-          <a:fillRef idx="0">
-            <a:schemeClr val="dk1"/>
-          </a:fillRef>
-          <a:effectRef idx="0">
-            <a:schemeClr val="dk1"/>
-          </a:effectRef>
-          <a:fontRef idx="minor">
-            <a:schemeClr val="tx1"/>
-          </a:fontRef>
-        </p:style>
-        <p:txBody>
-          <a:bodyPr rtlCol="0" anchor="ctr"/>
-          <a:lstStyle/>
-          <a:p>
-            <a:pPr algn="ctr"/>
-            <a:endParaRPr lang="it-IT"/>
-          </a:p>
-        </p:txBody>
-      </p:sp>
-      <p:sp>
-        <p:nvSpPr>
-          <p:cNvPr id="34" name="Parentesi graffa chiusa 33">
-            <a:extLst>
-              <a:ext uri="{FF2B5EF4-FFF2-40B4-BE49-F238E27FC236}">
-                <a16:creationId xmlns:a16="http://schemas.microsoft.com/office/drawing/2014/main" id="{11E0F82F-2762-4426-A1BB-8DB751DF8C14}"/>
-              </a:ext>
-            </a:extLst>
-          </p:cNvPr>
-          <p:cNvSpPr/>
-          <p:nvPr/>
-        </p:nvSpPr>
-        <p:spPr>
-          <a:xfrm rot="16200000">
-            <a:off x="9708480" y="4991659"/>
-            <a:ext cx="98482" cy="45719"/>
-          </a:xfrm>
-          <a:prstGeom prst="rightBrace">
-            <a:avLst/>
-          </a:prstGeom>
-        </p:spPr>
-        <p:style>
-          <a:lnRef idx="1">
-            <a:schemeClr val="dk1"/>
-          </a:lnRef>
-          <a:fillRef idx="0">
-            <a:schemeClr val="dk1"/>
-          </a:fillRef>
-          <a:effectRef idx="0">
-            <a:schemeClr val="dk1"/>
-          </a:effectRef>
-          <a:fontRef idx="minor">
-            <a:schemeClr val="tx1"/>
-          </a:fontRef>
-        </p:style>
-        <p:txBody>
-          <a:bodyPr rtlCol="0" anchor="ctr"/>
-          <a:lstStyle/>
-          <a:p>
-            <a:pPr algn="ctr"/>
-            <a:endParaRPr lang="it-IT"/>
-          </a:p>
-        </p:txBody>
-      </p:sp>
-      <p:sp>
-        <p:nvSpPr>
-          <p:cNvPr id="35" name="CasellaDiTesto 34">
-            <a:extLst>
-              <a:ext uri="{FF2B5EF4-FFF2-40B4-BE49-F238E27FC236}">
-                <a16:creationId xmlns:a16="http://schemas.microsoft.com/office/drawing/2014/main" id="{05E8153D-84A4-4FD7-9846-97FCB05AC9D3}"/>
-              </a:ext>
-            </a:extLst>
-          </p:cNvPr>
-          <p:cNvSpPr txBox="1"/>
-          <p:nvPr/>
-        </p:nvSpPr>
-        <p:spPr>
-          <a:xfrm>
-            <a:off x="9122807" y="4616140"/>
-            <a:ext cx="1285929" cy="307777"/>
-          </a:xfrm>
-          <a:prstGeom prst="rect">
-            <a:avLst/>
-          </a:prstGeom>
-          <a:noFill/>
-        </p:spPr>
-        <p:txBody>
-          <a:bodyPr wrap="none" rtlCol="0">
-            <a:spAutoFit/>
-          </a:bodyPr>
-          <a:lstStyle/>
-          <a:p>
-            <a:r>
-              <a:rPr lang="it-IT" sz="1400" b="1" dirty="0" err="1">
-                <a:highlight>
-                  <a:srgbClr val="FFFF00"/>
-                </a:highlight>
-              </a:rPr>
-              <a:t>Padding</a:t>
-            </a:r>
-            <a:r>
-              <a:rPr lang="it-IT" sz="1400" b="1" dirty="0">
-                <a:highlight>
-                  <a:srgbClr val="FFFF00"/>
-                </a:highlight>
-              </a:rPr>
-              <a:t>: 5px</a:t>
-            </a:r>
-          </a:p>
-        </p:txBody>
-      </p:sp>
-      <p:sp>
-        <p:nvSpPr>
-          <p:cNvPr id="36" name="CasellaDiTesto 35">
-            <a:extLst>
-              <a:ext uri="{FF2B5EF4-FFF2-40B4-BE49-F238E27FC236}">
-                <a16:creationId xmlns:a16="http://schemas.microsoft.com/office/drawing/2014/main" id="{5330C1AB-B806-463E-9524-3DCC383C3FBC}"/>
-              </a:ext>
-            </a:extLst>
-          </p:cNvPr>
-          <p:cNvSpPr txBox="1"/>
-          <p:nvPr/>
-        </p:nvSpPr>
-        <p:spPr>
-          <a:xfrm>
-            <a:off x="6410485" y="950641"/>
-            <a:ext cx="2840842" cy="338554"/>
-          </a:xfrm>
-          <a:prstGeom prst="rect">
-            <a:avLst/>
-          </a:prstGeom>
-          <a:noFill/>
-        </p:spPr>
-        <p:txBody>
-          <a:bodyPr wrap="none" rtlCol="0">
-            <a:spAutoFit/>
-          </a:bodyPr>
-          <a:lstStyle/>
-          <a:p>
-            <a:r>
-              <a:rPr lang="it-IT" sz="1600" b="1" dirty="0">
-                <a:solidFill>
-                  <a:srgbClr val="2C3948"/>
-                </a:solidFill>
-                <a:highlight>
-                  <a:srgbClr val="FFFF00"/>
-                </a:highlight>
-              </a:rPr>
-              <a:t>&lt;div class=‘cercato’&gt;&lt;/div&gt;</a:t>
-            </a:r>
-            <a:endParaRPr lang="it-IT" sz="1600" dirty="0">
-              <a:highlight>
-                <a:srgbClr val="FFFF00"/>
-              </a:highlight>
-            </a:endParaRPr>
-          </a:p>
-        </p:txBody>
-      </p:sp>
-      <p:cxnSp>
-        <p:nvCxnSpPr>
-          <p:cNvPr id="37" name="Connettore diritto 36">
-            <a:extLst>
-              <a:ext uri="{FF2B5EF4-FFF2-40B4-BE49-F238E27FC236}">
-                <a16:creationId xmlns:a16="http://schemas.microsoft.com/office/drawing/2014/main" id="{918FAFB3-E344-4779-A191-803E3D190F26}"/>
+          <p:cNvPr id="11" name="Connettore diritto 10">
+            <a:extLst>
+              <a:ext uri="{FF2B5EF4-FFF2-40B4-BE49-F238E27FC236}">
+                <a16:creationId xmlns:a16="http://schemas.microsoft.com/office/drawing/2014/main" id="{500929FF-71DC-4AEA-BCAE-D13725282249}"/>
               </a:ext>
             </a:extLst>
           </p:cNvPr>
@@ -26026,9 +27133,9 @@
           <p:nvPr/>
         </p:nvCxnSpPr>
         <p:spPr>
-          <a:xfrm flipH="1">
-            <a:off x="6062723" y="2563719"/>
-            <a:ext cx="33276" cy="2811473"/>
+          <a:xfrm>
+            <a:off x="4260924" y="1536669"/>
+            <a:ext cx="57613" cy="5075887"/>
           </a:xfrm>
           <a:prstGeom prst="line">
             <a:avLst/>
@@ -26058,57 +27165,516 @@
           </a:fontRef>
         </p:style>
       </p:cxnSp>
-      <p:cxnSp>
-        <p:nvCxnSpPr>
-          <p:cNvPr id="38" name="Connettore diritto 37">
-            <a:extLst>
-              <a:ext uri="{FF2B5EF4-FFF2-40B4-BE49-F238E27FC236}">
-                <a16:creationId xmlns:a16="http://schemas.microsoft.com/office/drawing/2014/main" id="{1D7500C6-59D5-4717-99DB-C255492F6854}"/>
-              </a:ext>
-            </a:extLst>
-          </p:cNvPr>
-          <p:cNvCxnSpPr>
-            <a:cxnSpLocks/>
-          </p:cNvCxnSpPr>
+      <p:sp>
+        <p:nvSpPr>
+          <p:cNvPr id="13" name="CasellaDiTesto 12">
+            <a:extLst>
+              <a:ext uri="{FF2B5EF4-FFF2-40B4-BE49-F238E27FC236}">
+                <a16:creationId xmlns:a16="http://schemas.microsoft.com/office/drawing/2014/main" id="{4FB9B0BE-AFD4-4547-810F-5B09DF68630E}"/>
+              </a:ext>
+            </a:extLst>
+          </p:cNvPr>
+          <p:cNvSpPr txBox="1"/>
           <p:nvPr/>
-        </p:nvCxnSpPr>
+        </p:nvSpPr>
         <p:spPr>
           <a:xfrm>
-            <a:off x="6361814" y="2566490"/>
-            <a:ext cx="0" cy="2808702"/>
+            <a:off x="9198873" y="1598355"/>
+            <a:ext cx="2813455" cy="1200329"/>
           </a:xfrm>
-          <a:prstGeom prst="line">
+          <a:prstGeom prst="rect">
             <a:avLst/>
           </a:prstGeom>
-          <a:ln w="9525" cap="flat" cmpd="sng" algn="ctr">
-            <a:solidFill>
-              <a:schemeClr val="dk1"/>
-            </a:solidFill>
-            <a:prstDash val="dash"/>
-            <a:round/>
-            <a:headEnd type="none" w="med" len="med"/>
-            <a:tailEnd type="none" w="med" len="med"/>
-          </a:ln>
+          <a:noFill/>
         </p:spPr>
-        <p:style>
-          <a:lnRef idx="0">
-            <a:scrgbClr r="0" g="0" b="0"/>
-          </a:lnRef>
-          <a:fillRef idx="0">
-            <a:scrgbClr r="0" g="0" b="0"/>
-          </a:fillRef>
-          <a:effectRef idx="0">
-            <a:scrgbClr r="0" g="0" b="0"/>
-          </a:effectRef>
-          <a:fontRef idx="minor">
-            <a:schemeClr val="tx1"/>
-          </a:fontRef>
-        </p:style>
-      </p:cxnSp>
+        <p:txBody>
+          <a:bodyPr wrap="square" rtlCol="0">
+            <a:spAutoFit/>
+          </a:bodyPr>
+          <a:lstStyle/>
+          <a:p>
+            <a:r>
+              <a:rPr lang="it-IT" dirty="0"/>
+              <a:t>Carico gli oggetti creando dinamicamente gli elementi della pagina che mi servono</a:t>
+            </a:r>
+          </a:p>
+        </p:txBody>
+      </p:sp>
+      <p:sp>
+        <p:nvSpPr>
+          <p:cNvPr id="14" name="CasellaDiTesto 13">
+            <a:extLst>
+              <a:ext uri="{FF2B5EF4-FFF2-40B4-BE49-F238E27FC236}">
+                <a16:creationId xmlns:a16="http://schemas.microsoft.com/office/drawing/2014/main" id="{7183CE68-9F8A-453D-8A3D-B1308401DD5D}"/>
+              </a:ext>
+            </a:extLst>
+          </p:cNvPr>
+          <p:cNvSpPr txBox="1"/>
+          <p:nvPr/>
+        </p:nvSpPr>
+        <p:spPr>
+          <a:xfrm>
+            <a:off x="9198872" y="4461550"/>
+            <a:ext cx="2813455" cy="2031325"/>
+          </a:xfrm>
+          <a:prstGeom prst="rect">
+            <a:avLst/>
+          </a:prstGeom>
+          <a:noFill/>
+        </p:spPr>
+        <p:txBody>
+          <a:bodyPr wrap="square" rtlCol="0">
+            <a:spAutoFit/>
+          </a:bodyPr>
+          <a:lstStyle/>
+          <a:p>
+            <a:r>
+              <a:rPr lang="it-IT" dirty="0"/>
+              <a:t>La variabile </a:t>
+            </a:r>
+            <a:r>
+              <a:rPr lang="it-IT" i="1" dirty="0"/>
+              <a:t>conta</a:t>
+            </a:r>
+            <a:r>
+              <a:rPr lang="it-IT" dirty="0"/>
+              <a:t> mi serve per separare gli oggetti ‘prodotti’ dagli oggetti ‘reparti’ che di fatto hanno proprietà differenti da mettere in descrizione</a:t>
+            </a:r>
+          </a:p>
+        </p:txBody>
+      </p:sp>
+      <p:sp>
+        <p:nvSpPr>
+          <p:cNvPr id="15" name="CasellaDiTesto 14">
+            <a:extLst>
+              <a:ext uri="{FF2B5EF4-FFF2-40B4-BE49-F238E27FC236}">
+                <a16:creationId xmlns:a16="http://schemas.microsoft.com/office/drawing/2014/main" id="{52B2777E-37ED-46DB-8E4C-71D3AEB3C2BC}"/>
+              </a:ext>
+            </a:extLst>
+          </p:cNvPr>
+          <p:cNvSpPr txBox="1"/>
+          <p:nvPr/>
+        </p:nvSpPr>
+        <p:spPr>
+          <a:xfrm>
+            <a:off x="10338111" y="353677"/>
+            <a:ext cx="1402948" cy="369332"/>
+          </a:xfrm>
+          <a:prstGeom prst="rect">
+            <a:avLst/>
+          </a:prstGeom>
+          <a:noFill/>
+        </p:spPr>
+        <p:txBody>
+          <a:bodyPr wrap="none" rtlCol="0">
+            <a:spAutoFit/>
+          </a:bodyPr>
+          <a:lstStyle/>
+          <a:p>
+            <a:r>
+              <a:rPr lang="it-IT" dirty="0">
+                <a:highlight>
+                  <a:srgbClr val="FFFF00"/>
+                </a:highlight>
+              </a:rPr>
+              <a:t>Java Script</a:t>
+            </a:r>
+          </a:p>
+        </p:txBody>
+      </p:sp>
     </p:spTree>
     <p:extLst>
       <p:ext uri="{BB962C8B-B14F-4D97-AF65-F5344CB8AC3E}">
-        <p14:creationId xmlns:p14="http://schemas.microsoft.com/office/powerpoint/2010/main" val="455476616"/>
+        <p14:creationId xmlns:p14="http://schemas.microsoft.com/office/powerpoint/2010/main" val="2800928446"/>
+      </p:ext>
+    </p:extLst>
+  </p:cSld>
+  <p:clrMapOvr>
+    <a:masterClrMapping/>
+  </p:clrMapOvr>
+</p:sld>
+</file>
+
+<file path=ppt/slides/slide9.xml><?xml version="1.0" encoding="utf-8"?>
+<p:sld xmlns:a="http://schemas.openxmlformats.org/drawingml/2006/main" xmlns:r="http://schemas.openxmlformats.org/officeDocument/2006/relationships" xmlns:p="http://schemas.openxmlformats.org/presentationml/2006/main">
+  <p:cSld>
+    <p:spTree>
+      <p:nvGrpSpPr>
+        <p:cNvPr id="1" name=""/>
+        <p:cNvGrpSpPr/>
+        <p:nvPr/>
+      </p:nvGrpSpPr>
+      <p:grpSpPr>
+        <a:xfrm>
+          <a:off x="0" y="0"/>
+          <a:ext cx="0" cy="0"/>
+          <a:chOff x="0" y="0"/>
+          <a:chExt cx="0" cy="0"/>
+        </a:xfrm>
+      </p:grpSpPr>
+      <p:sp>
+        <p:nvSpPr>
+          <p:cNvPr id="2" name="Titolo 1">
+            <a:extLst>
+              <a:ext uri="{FF2B5EF4-FFF2-40B4-BE49-F238E27FC236}">
+                <a16:creationId xmlns:a16="http://schemas.microsoft.com/office/drawing/2014/main" id="{06A89567-AC61-4270-B9E0-F98DC3E2B6BB}"/>
+              </a:ext>
+            </a:extLst>
+          </p:cNvPr>
+          <p:cNvSpPr>
+            <a:spLocks noGrp="1"/>
+          </p:cNvSpPr>
+          <p:nvPr>
+            <p:ph type="title"/>
+          </p:nvPr>
+        </p:nvSpPr>
+        <p:spPr>
+          <a:xfrm>
+            <a:off x="420624" y="365125"/>
+            <a:ext cx="11089504" cy="1325563"/>
+          </a:xfrm>
+        </p:spPr>
+        <p:txBody>
+          <a:bodyPr>
+            <a:normAutofit fontScale="90000"/>
+          </a:bodyPr>
+          <a:lstStyle/>
+          <a:p>
+            <a:r>
+              <a:rPr lang="it-IT" b="1" dirty="0"/>
+              <a:t>La sezione preferiti e la classe </a:t>
+            </a:r>
+            <a:r>
+              <a:rPr lang="it-IT" b="1" dirty="0">
+                <a:solidFill>
+                  <a:srgbClr val="FFC000"/>
+                </a:solidFill>
+              </a:rPr>
+              <a:t>.elemento</a:t>
+            </a:r>
+          </a:p>
+        </p:txBody>
+      </p:sp>
+      <p:sp>
+        <p:nvSpPr>
+          <p:cNvPr id="3" name="Segnaposto contenuto 2">
+            <a:extLst>
+              <a:ext uri="{FF2B5EF4-FFF2-40B4-BE49-F238E27FC236}">
+                <a16:creationId xmlns:a16="http://schemas.microsoft.com/office/drawing/2014/main" id="{FEF935B8-39E4-46F5-B8AA-CD70C11EF768}"/>
+              </a:ext>
+            </a:extLst>
+          </p:cNvPr>
+          <p:cNvSpPr>
+            <a:spLocks noGrp="1"/>
+          </p:cNvSpPr>
+          <p:nvPr>
+            <p:ph idx="1"/>
+          </p:nvPr>
+        </p:nvSpPr>
+        <p:spPr>
+          <a:xfrm>
+            <a:off x="226243" y="1690688"/>
+            <a:ext cx="11868347" cy="5167312"/>
+          </a:xfrm>
+        </p:spPr>
+        <p:txBody>
+          <a:bodyPr>
+            <a:normAutofit/>
+          </a:bodyPr>
+          <a:lstStyle/>
+          <a:p>
+            <a:r>
+              <a:rPr lang="it-IT" sz="1600" dirty="0"/>
+              <a:t>Come da specifica, si tratta di una sezione che compare solamente quando l’utente sceglie almeno un preferito dai blocchi contenuti. Si trova a inizio pagina, tra l’</a:t>
+            </a:r>
+            <a:r>
+              <a:rPr lang="it-IT" sz="1600" dirty="0" err="1"/>
+              <a:t>header</a:t>
+            </a:r>
+            <a:r>
+              <a:rPr lang="it-IT" sz="1600" dirty="0"/>
+              <a:t> e la </a:t>
+            </a:r>
+            <a:r>
+              <a:rPr lang="it-IT" sz="1600" dirty="0" err="1"/>
+              <a:t>section</a:t>
+            </a:r>
+            <a:r>
+              <a:rPr lang="it-IT" sz="1600" dirty="0"/>
+              <a:t>.</a:t>
+            </a:r>
+          </a:p>
+          <a:p>
+            <a:pPr marL="0" indent="0">
+              <a:buNone/>
+            </a:pPr>
+            <a:r>
+              <a:rPr lang="it-IT" sz="1600" dirty="0"/>
+              <a:t>Funzioni di ‘script.js’ interessate: </a:t>
+            </a:r>
+          </a:p>
+          <a:p>
+            <a:r>
+              <a:rPr lang="it-IT" sz="1600" b="1" dirty="0">
+                <a:highlight>
+                  <a:srgbClr val="FFFF00"/>
+                </a:highlight>
+              </a:rPr>
+              <a:t>dettagli(): </a:t>
+            </a:r>
+            <a:r>
+              <a:rPr lang="it-IT" sz="1600" dirty="0"/>
+              <a:t>si attiva </a:t>
+            </a:r>
+            <a:r>
+              <a:rPr lang="it-IT" sz="1600" b="1" dirty="0"/>
+              <a:t>cliccando sull’immagine </a:t>
+            </a:r>
+            <a:r>
+              <a:rPr lang="it-IT" sz="1600" dirty="0"/>
+              <a:t>del blocco contenuto di classe </a:t>
+            </a:r>
+            <a:r>
+              <a:rPr lang="it-IT" sz="1600" b="1" dirty="0">
+                <a:solidFill>
+                  <a:srgbClr val="FF0000"/>
+                </a:solidFill>
+              </a:rPr>
+              <a:t>oggetto</a:t>
+            </a:r>
+            <a:r>
+              <a:rPr lang="it-IT" sz="1600" dirty="0"/>
+              <a:t>, mostra la descrizione presente nell’</a:t>
+            </a:r>
+            <a:r>
+              <a:rPr lang="it-IT" sz="1600" dirty="0" err="1"/>
+              <a:t>article</a:t>
+            </a:r>
+            <a:r>
+              <a:rPr lang="it-IT" sz="1600" dirty="0"/>
+              <a:t> sottostante (inizialmente non visibile) rimuovendo la classe </a:t>
+            </a:r>
+            <a:r>
+              <a:rPr lang="it-IT" sz="1600" dirty="0" err="1"/>
+              <a:t>hidden</a:t>
+            </a:r>
+            <a:r>
+              <a:rPr lang="it-IT" sz="1600" dirty="0"/>
+              <a:t>.</a:t>
+            </a:r>
+          </a:p>
+          <a:p>
+            <a:r>
+              <a:rPr lang="it-IT" sz="1600" b="1" dirty="0" err="1">
+                <a:highlight>
+                  <a:srgbClr val="FFFF00"/>
+                </a:highlight>
+              </a:rPr>
+              <a:t>riduciDescrizione</a:t>
+            </a:r>
+            <a:r>
+              <a:rPr lang="it-IT" sz="1600" b="1" dirty="0">
+                <a:highlight>
+                  <a:srgbClr val="FFFF00"/>
+                </a:highlight>
+              </a:rPr>
+              <a:t>(): </a:t>
+            </a:r>
+            <a:r>
+              <a:rPr lang="it-IT" sz="1600" dirty="0"/>
+              <a:t>si attiva </a:t>
+            </a:r>
+            <a:r>
+              <a:rPr lang="it-IT" sz="1600" b="1" dirty="0"/>
+              <a:t>cliccando sul bottone </a:t>
+            </a:r>
+            <a:r>
+              <a:rPr lang="it-IT" sz="1600" dirty="0"/>
+              <a:t>del blocco contenuto di classe </a:t>
+            </a:r>
+            <a:r>
+              <a:rPr lang="it-IT" sz="1600" b="1" dirty="0">
+                <a:solidFill>
+                  <a:srgbClr val="FF0000"/>
+                </a:solidFill>
+              </a:rPr>
+              <a:t>oggetto</a:t>
+            </a:r>
+            <a:r>
+              <a:rPr lang="it-IT" sz="1600" dirty="0"/>
+              <a:t>, aggiunge la classe </a:t>
+            </a:r>
+            <a:r>
+              <a:rPr lang="it-IT" sz="1600" dirty="0" err="1"/>
+              <a:t>hidden</a:t>
+            </a:r>
+            <a:r>
+              <a:rPr lang="it-IT" sz="1600" dirty="0"/>
+              <a:t> all’</a:t>
+            </a:r>
+            <a:r>
+              <a:rPr lang="it-IT" sz="1600" dirty="0" err="1"/>
+              <a:t>article</a:t>
+            </a:r>
+            <a:r>
+              <a:rPr lang="it-IT" sz="1600" dirty="0"/>
+              <a:t> della descrizione in modo da renderlo non visibile.</a:t>
+            </a:r>
+          </a:p>
+          <a:p>
+            <a:r>
+              <a:rPr lang="it-IT" sz="1600" b="1" i="1" dirty="0">
+                <a:highlight>
+                  <a:srgbClr val="FFFF00"/>
+                </a:highlight>
+              </a:rPr>
+              <a:t>aggiungi()</a:t>
+            </a:r>
+            <a:r>
+              <a:rPr lang="it-IT" sz="1600" b="1" dirty="0">
+                <a:highlight>
+                  <a:srgbClr val="FFFF00"/>
+                </a:highlight>
+              </a:rPr>
+              <a:t> </a:t>
+            </a:r>
+            <a:r>
+              <a:rPr lang="it-IT" sz="1600" dirty="0">
+                <a:highlight>
+                  <a:srgbClr val="FFFF00"/>
+                </a:highlight>
+              </a:rPr>
+              <a:t>:</a:t>
+            </a:r>
+            <a:r>
+              <a:rPr lang="it-IT" sz="1600" dirty="0"/>
+              <a:t> si attiva </a:t>
+            </a:r>
+            <a:r>
+              <a:rPr lang="it-IT" sz="1600" b="1" dirty="0"/>
+              <a:t>cliccando sul bottone </a:t>
+            </a:r>
+            <a:r>
+              <a:rPr lang="it-IT" sz="1600" dirty="0"/>
+              <a:t>del blocco contenuto di classe </a:t>
+            </a:r>
+            <a:r>
+              <a:rPr lang="it-IT" sz="1600" b="1" dirty="0">
+                <a:solidFill>
+                  <a:srgbClr val="FF0000"/>
+                </a:solidFill>
+              </a:rPr>
+              <a:t>oggetto</a:t>
+            </a:r>
+            <a:r>
+              <a:rPr lang="it-IT" sz="1600" dirty="0"/>
+              <a:t> </a:t>
+            </a:r>
+            <a:r>
+              <a:rPr lang="it-IT" sz="1600" dirty="0">
+                <a:solidFill>
+                  <a:srgbClr val="00B050"/>
+                </a:solidFill>
+              </a:rPr>
+              <a:t>‘</a:t>
+            </a:r>
+            <a:r>
+              <a:rPr lang="it-IT" sz="1600" b="1" dirty="0">
+                <a:solidFill>
+                  <a:srgbClr val="00B050"/>
+                </a:solidFill>
+              </a:rPr>
+              <a:t>Aggiungi ai preferiti</a:t>
+            </a:r>
+            <a:r>
+              <a:rPr lang="it-IT" sz="1600" dirty="0">
+                <a:solidFill>
+                  <a:srgbClr val="00B050"/>
+                </a:solidFill>
+              </a:rPr>
+              <a:t>’ </a:t>
+            </a:r>
+            <a:r>
+              <a:rPr lang="it-IT" sz="1600" dirty="0"/>
+              <a:t>crea una copia del blocco contenuto di classe oggetto nella sezione preferiti e assegna a questa copia la classe ‘</a:t>
+            </a:r>
+            <a:r>
+              <a:rPr lang="it-IT" sz="1600" b="1" dirty="0">
+                <a:solidFill>
+                  <a:srgbClr val="FFC000"/>
+                </a:solidFill>
+              </a:rPr>
+              <a:t>elemento</a:t>
+            </a:r>
+            <a:r>
+              <a:rPr lang="it-IT" sz="1600" dirty="0"/>
+              <a:t>’ (per poterla distinguere meglio con i </a:t>
+            </a:r>
+            <a:r>
+              <a:rPr lang="it-IT" sz="1600" dirty="0" err="1"/>
+              <a:t>querySelector</a:t>
+            </a:r>
+            <a:r>
+              <a:rPr lang="it-IT" sz="1600" dirty="0"/>
+              <a:t>() sostanzialmente). In base alla posizione dell’oggetto viene deciso in quale dei due div di classe </a:t>
+            </a:r>
+            <a:r>
+              <a:rPr lang="it-IT" sz="1600" b="1" dirty="0" err="1"/>
+              <a:t>wrapper</a:t>
+            </a:r>
+            <a:r>
+              <a:rPr lang="it-IT" sz="1600" dirty="0"/>
+              <a:t> smistare il nuovo elemento. Successivamente, si rimuove l’</a:t>
+            </a:r>
+            <a:r>
+              <a:rPr lang="it-IT" sz="1600" b="1" dirty="0" err="1"/>
+              <a:t>eventListener</a:t>
+            </a:r>
+            <a:r>
+              <a:rPr lang="it-IT" sz="1600" dirty="0"/>
+              <a:t> sul bottone in modo da non avere doppioni nella sezione preferiti.</a:t>
+            </a:r>
+          </a:p>
+          <a:p>
+            <a:r>
+              <a:rPr lang="it-IT" sz="1600" b="1" i="1" dirty="0">
+                <a:highlight>
+                  <a:srgbClr val="FFFF00"/>
+                </a:highlight>
+              </a:rPr>
+              <a:t>rimozione(): </a:t>
+            </a:r>
+            <a:r>
+              <a:rPr lang="it-IT" sz="1600" dirty="0"/>
+              <a:t>si attiva cliccando sul bottone del blocco contenuto di classe </a:t>
+            </a:r>
+            <a:r>
+              <a:rPr lang="it-IT" sz="1600" b="1" dirty="0">
+                <a:solidFill>
+                  <a:srgbClr val="FFC000"/>
+                </a:solidFill>
+              </a:rPr>
+              <a:t>elemento</a:t>
+            </a:r>
+            <a:r>
+              <a:rPr lang="it-IT" sz="1600" dirty="0"/>
+              <a:t> ‘Rimuovi dai preferiti’ e rimuove appunto l’elemento dalla sezione dei preferiti. Si preoccupa inoltre di ripristinare l’</a:t>
+            </a:r>
+            <a:r>
+              <a:rPr lang="it-IT" sz="1600" b="1" dirty="0" err="1"/>
+              <a:t>eventListener</a:t>
+            </a:r>
+            <a:r>
+              <a:rPr lang="it-IT" sz="1600" dirty="0"/>
+              <a:t> tolto dalla funzione aggiungi per poter ripetere l’operazione di ‘aggiungi preferiti’ successivamente</a:t>
+            </a:r>
+          </a:p>
+        </p:txBody>
+      </p:sp>
+    </p:spTree>
+    <p:extLst>
+      <p:ext uri="{BB962C8B-B14F-4D97-AF65-F5344CB8AC3E}">
+        <p14:creationId xmlns:p14="http://schemas.microsoft.com/office/powerpoint/2010/main" val="2701107094"/>
       </p:ext>
     </p:extLst>
   </p:cSld>

--- a/mhw2.pptx
+++ b/mhw2.pptx
@@ -218,7 +218,7 @@
           <a:p>
             <a:fld id="{2EEC1238-D108-4679-81F9-043439F13AB5}" type="datetimeFigureOut">
               <a:rPr lang="it-IT" smtClean="0"/>
-              <a:t>08/04/2021</a:t>
+              <a:t>10/04/2021</a:t>
             </a:fld>
             <a:endParaRPr lang="it-IT"/>
           </a:p>
@@ -835,7 +835,7 @@
           <a:p>
             <a:fld id="{403CB87E-4591-47A1-9046-CF63F17215EF}" type="datetime2">
               <a:rPr lang="en-US" smtClean="0"/>
-              <a:t>Thursday, April 8, 2021</a:t>
+              <a:t>Saturday, April 10, 2021</a:t>
             </a:fld>
             <a:endParaRPr lang="en-US" dirty="0"/>
           </a:p>
@@ -1057,7 +1057,7 @@
           <a:p>
             <a:fld id="{2FA17F0E-8070-4DFE-A821-9A699EDBAD7E}" type="datetime2">
               <a:rPr lang="en-US" smtClean="0"/>
-              <a:t>Thursday, April 8, 2021</a:t>
+              <a:t>Saturday, April 10, 2021</a:t>
             </a:fld>
             <a:endParaRPr lang="en-US"/>
           </a:p>
@@ -1269,7 +1269,7 @@
           <a:p>
             <a:fld id="{D88D34AE-C7BF-46E5-A968-01C6641F6476}" type="datetime2">
               <a:rPr lang="en-US" smtClean="0"/>
-              <a:t>Thursday, April 8, 2021</a:t>
+              <a:t>Saturday, April 10, 2021</a:t>
             </a:fld>
             <a:endParaRPr lang="en-US"/>
           </a:p>
@@ -3693,7 +3693,7 @@
           <a:p>
             <a:fld id="{3C04E684-10F4-4CC3-A0B9-F03AA7BE37CF}" type="datetimeFigureOut">
               <a:rPr lang="en-US" smtClean="0"/>
-              <a:t>4/8/2021</a:t>
+              <a:t>4/10/2021</a:t>
             </a:fld>
             <a:endParaRPr lang="en-US"/>
           </a:p>
@@ -4430,7 +4430,7 @@
           <a:p>
             <a:fld id="{3C04E684-10F4-4CC3-A0B9-F03AA7BE37CF}" type="datetimeFigureOut">
               <a:rPr lang="en-US" smtClean="0"/>
-              <a:t>4/8/2021</a:t>
+              <a:t>4/10/2021</a:t>
             </a:fld>
             <a:endParaRPr lang="en-US"/>
           </a:p>
@@ -5072,7 +5072,7 @@
           <a:p>
             <a:fld id="{3C04E684-10F4-4CC3-A0B9-F03AA7BE37CF}" type="datetimeFigureOut">
               <a:rPr lang="en-US" smtClean="0"/>
-              <a:t>4/8/2021</a:t>
+              <a:t>4/10/2021</a:t>
             </a:fld>
             <a:endParaRPr lang="en-US"/>
           </a:p>
@@ -5872,7 +5872,7 @@
           <a:p>
             <a:fld id="{3C04E684-10F4-4CC3-A0B9-F03AA7BE37CF}" type="datetimeFigureOut">
               <a:rPr lang="en-US" smtClean="0"/>
-              <a:t>4/8/2021</a:t>
+              <a:t>4/10/2021</a:t>
             </a:fld>
             <a:endParaRPr lang="en-US"/>
           </a:p>
@@ -6823,7 +6823,7 @@
           <a:p>
             <a:fld id="{3C04E684-10F4-4CC3-A0B9-F03AA7BE37CF}" type="datetimeFigureOut">
               <a:rPr lang="en-US" smtClean="0"/>
-              <a:t>4/8/2021</a:t>
+              <a:t>4/10/2021</a:t>
             </a:fld>
             <a:endParaRPr lang="en-US"/>
           </a:p>
@@ -9172,7 +9172,7 @@
           <a:p>
             <a:fld id="{3C04E684-10F4-4CC3-A0B9-F03AA7BE37CF}" type="datetimeFigureOut">
               <a:rPr lang="en-US" smtClean="0"/>
-              <a:t>4/8/2021</a:t>
+              <a:t>4/10/2021</a:t>
             </a:fld>
             <a:endParaRPr lang="en-US"/>
           </a:p>
@@ -9285,7 +9285,7 @@
           <a:p>
             <a:fld id="{3C04E684-10F4-4CC3-A0B9-F03AA7BE37CF}" type="datetimeFigureOut">
               <a:rPr lang="en-US" smtClean="0"/>
-              <a:t>4/8/2021</a:t>
+              <a:t>4/10/2021</a:t>
             </a:fld>
             <a:endParaRPr lang="en-US"/>
           </a:p>
@@ -9792,7 +9792,7 @@
           <a:p>
             <a:fld id="{3C04E684-10F4-4CC3-A0B9-F03AA7BE37CF}" type="datetimeFigureOut">
               <a:rPr lang="en-US" smtClean="0"/>
-              <a:t>4/8/2021</a:t>
+              <a:t>4/10/2021</a:t>
             </a:fld>
             <a:endParaRPr lang="en-US"/>
           </a:p>
@@ -10029,7 +10029,7 @@
           <a:p>
             <a:fld id="{F33DE70B-B772-416E-A790-995760B1742E}" type="datetime2">
               <a:rPr lang="en-US" smtClean="0"/>
-              <a:t>Thursday, April 8, 2021</a:t>
+              <a:t>Saturday, April 10, 2021</a:t>
             </a:fld>
             <a:endParaRPr lang="en-US" dirty="0"/>
           </a:p>
@@ -11352,7 +11352,7 @@
           <a:p>
             <a:fld id="{3C04E684-10F4-4CC3-A0B9-F03AA7BE37CF}" type="datetimeFigureOut">
               <a:rPr lang="en-US" smtClean="0"/>
-              <a:t>4/8/2021</a:t>
+              <a:t>4/10/2021</a:t>
             </a:fld>
             <a:endParaRPr lang="en-US"/>
           </a:p>
@@ -13846,7 +13846,7 @@
           <a:p>
             <a:fld id="{3C04E684-10F4-4CC3-A0B9-F03AA7BE37CF}" type="datetimeFigureOut">
               <a:rPr lang="en-US" smtClean="0"/>
-              <a:t>4/8/2021</a:t>
+              <a:t>4/10/2021</a:t>
             </a:fld>
             <a:endParaRPr lang="en-US"/>
           </a:p>
@@ -14044,7 +14044,7 @@
           <a:p>
             <a:fld id="{3C04E684-10F4-4CC3-A0B9-F03AA7BE37CF}" type="datetimeFigureOut">
               <a:rPr lang="en-US" smtClean="0"/>
-              <a:t>4/8/2021</a:t>
+              <a:t>4/10/2021</a:t>
             </a:fld>
             <a:endParaRPr lang="en-US"/>
           </a:p>
@@ -14252,7 +14252,7 @@
           <a:p>
             <a:fld id="{3C04E684-10F4-4CC3-A0B9-F03AA7BE37CF}" type="datetimeFigureOut">
               <a:rPr lang="en-US" smtClean="0"/>
-              <a:t>4/8/2021</a:t>
+              <a:t>4/10/2021</a:t>
             </a:fld>
             <a:endParaRPr lang="en-US"/>
           </a:p>
@@ -14531,7 +14531,7 @@
           <a:p>
             <a:fld id="{76760CDE-A6F1-4138-AF12-ED09E8E5FB6B}" type="datetime2">
               <a:rPr lang="en-US" smtClean="0"/>
-              <a:t>Thursday, April 8, 2021</a:t>
+              <a:t>Saturday, April 10, 2021</a:t>
             </a:fld>
             <a:endParaRPr lang="en-US"/>
           </a:p>
@@ -14863,7 +14863,7 @@
           <a:p>
             <a:fld id="{DB15F8B1-DB7B-4D28-A97D-40FB2DD1EF78}" type="datetime2">
               <a:rPr lang="en-US" smtClean="0"/>
-              <a:t>Thursday, April 8, 2021</a:t>
+              <a:t>Saturday, April 10, 2021</a:t>
             </a:fld>
             <a:endParaRPr lang="en-US"/>
           </a:p>
@@ -15309,7 +15309,7 @@
           <a:p>
             <a:fld id="{14039161-23B8-4738-9069-73EBE8884FDD}" type="datetime2">
               <a:rPr lang="en-US" smtClean="0"/>
-              <a:t>Thursday, April 8, 2021</a:t>
+              <a:t>Saturday, April 10, 2021</a:t>
             </a:fld>
             <a:endParaRPr lang="en-US"/>
           </a:p>
@@ -15465,7 +15465,7 @@
           <a:p>
             <a:fld id="{FA994D44-7693-499F-AC6C-11696134FE3F}" type="datetime2">
               <a:rPr lang="en-US" smtClean="0"/>
-              <a:t>Thursday, April 8, 2021</a:t>
+              <a:t>Saturday, April 10, 2021</a:t>
             </a:fld>
             <a:endParaRPr lang="en-US"/>
           </a:p>
@@ -15582,7 +15582,7 @@
           <a:p>
             <a:fld id="{363AF2AE-472C-4EF3-ABB2-24BAA9AE3CF7}" type="datetime2">
               <a:rPr lang="en-US" smtClean="0"/>
-              <a:t>Thursday, April 8, 2021</a:t>
+              <a:t>Saturday, April 10, 2021</a:t>
             </a:fld>
             <a:endParaRPr lang="en-US"/>
           </a:p>
@@ -15909,7 +15909,7 @@
           <a:p>
             <a:fld id="{EAEA162C-A7C1-4263-9453-1BAFF8C39559}" type="datetime2">
               <a:rPr lang="en-US" smtClean="0"/>
-              <a:t>Thursday, April 8, 2021</a:t>
+              <a:t>Saturday, April 10, 2021</a:t>
             </a:fld>
             <a:endParaRPr lang="en-US"/>
           </a:p>
@@ -16215,7 +16215,7 @@
           <a:p>
             <a:fld id="{64DF6793-3458-4587-8168-65F0C37A92D2}" type="datetime2">
               <a:rPr lang="en-US" smtClean="0"/>
-              <a:t>Thursday, April 8, 2021</a:t>
+              <a:t>Saturday, April 10, 2021</a:t>
             </a:fld>
             <a:endParaRPr lang="en-US"/>
           </a:p>
@@ -16568,7 +16568,7 @@
             <a:fld id="{E8352ED3-3C46-4C9A-9738-67B2D875E7E2}" type="datetime2">
               <a:rPr lang="en-US" smtClean="0"/>
               <a:pPr/>
-              <a:t>Thursday, April 8, 2021</a:t>
+              <a:t>Saturday, April 10, 2021</a:t>
             </a:fld>
             <a:endParaRPr lang="en-US" dirty="0"/>
           </a:p>
@@ -17154,7 +17154,7 @@
           <a:p>
             <a:fld id="{3C04E684-10F4-4CC3-A0B9-F03AA7BE37CF}" type="datetimeFigureOut">
               <a:rPr lang="en-US" smtClean="0"/>
-              <a:t>4/8/2021</a:t>
+              <a:t>4/10/2021</a:t>
             </a:fld>
             <a:endParaRPr lang="en-US"/>
           </a:p>
@@ -18635,36 +18635,6 @@
           </a:p>
         </p:txBody>
       </p:sp>
-      <p:pic>
-        <p:nvPicPr>
-          <p:cNvPr id="5" name="Immagine 4">
-            <a:extLst>
-              <a:ext uri="{FF2B5EF4-FFF2-40B4-BE49-F238E27FC236}">
-                <a16:creationId xmlns:a16="http://schemas.microsoft.com/office/drawing/2014/main" id="{32A59EAD-C3D1-4431-9177-20F7AE56A260}"/>
-              </a:ext>
-            </a:extLst>
-          </p:cNvPr>
-          <p:cNvPicPr>
-            <a:picLocks noChangeAspect="1"/>
-          </p:cNvPicPr>
-          <p:nvPr/>
-        </p:nvPicPr>
-        <p:blipFill>
-          <a:blip r:embed="rId2"/>
-          <a:stretch>
-            <a:fillRect/>
-          </a:stretch>
-        </p:blipFill>
-        <p:spPr>
-          <a:xfrm>
-            <a:off x="420624" y="1899920"/>
-            <a:ext cx="4010486" cy="4378960"/>
-          </a:xfrm>
-          <a:prstGeom prst="rect">
-            <a:avLst/>
-          </a:prstGeom>
-        </p:spPr>
-      </p:pic>
       <p:sp>
         <p:nvSpPr>
           <p:cNvPr id="6" name="CasellaDiTesto 5">
@@ -18841,10 +18811,10 @@
       </p:sp>
       <p:pic>
         <p:nvPicPr>
-          <p:cNvPr id="9" name="Immagine 8">
-            <a:extLst>
-              <a:ext uri="{FF2B5EF4-FFF2-40B4-BE49-F238E27FC236}">
-                <a16:creationId xmlns:a16="http://schemas.microsoft.com/office/drawing/2014/main" id="{67ECC92B-822E-4B30-8E38-C846AD74A39F}"/>
+          <p:cNvPr id="4" name="Immagine 3">
+            <a:extLst>
+              <a:ext uri="{FF2B5EF4-FFF2-40B4-BE49-F238E27FC236}">
+                <a16:creationId xmlns:a16="http://schemas.microsoft.com/office/drawing/2014/main" id="{7A5B7B5B-A097-4DEF-9E17-F52576BF4347}"/>
               </a:ext>
             </a:extLst>
           </p:cNvPr>
@@ -18854,15 +18824,15 @@
           <p:nvPr/>
         </p:nvPicPr>
         <p:blipFill>
-          <a:blip r:embed="rId3"/>
+          <a:blip r:embed="rId2"/>
           <a:stretch>
             <a:fillRect/>
           </a:stretch>
         </p:blipFill>
         <p:spPr>
           <a:xfrm>
-            <a:off x="420624" y="6278880"/>
-            <a:ext cx="3426947" cy="543176"/>
+            <a:off x="243839" y="1399913"/>
+            <a:ext cx="4033963" cy="5334514"/>
           </a:xfrm>
           <a:prstGeom prst="rect">
             <a:avLst/>
@@ -19027,37 +18997,32 @@
       </p:grpSpPr>
       <p:pic>
         <p:nvPicPr>
-          <p:cNvPr id="5" name="Segnaposto contenuto 4">
-            <a:extLst>
-              <a:ext uri="{FF2B5EF4-FFF2-40B4-BE49-F238E27FC236}">
-                <a16:creationId xmlns:a16="http://schemas.microsoft.com/office/drawing/2014/main" id="{6358A76D-F0BC-43AA-9D0F-9A48EB20BE92}"/>
+          <p:cNvPr id="7" name="Immagine 6">
+            <a:extLst>
+              <a:ext uri="{FF2B5EF4-FFF2-40B4-BE49-F238E27FC236}">
+                <a16:creationId xmlns:a16="http://schemas.microsoft.com/office/drawing/2014/main" id="{23633268-B25E-447D-BD38-42ADD1A44ADE}"/>
               </a:ext>
             </a:extLst>
           </p:cNvPr>
           <p:cNvPicPr>
-            <a:picLocks noGrp="1" noChangeAspect="1"/>
+            <a:picLocks noChangeAspect="1"/>
           </p:cNvPicPr>
-          <p:nvPr>
-            <p:ph idx="1"/>
-          </p:nvPr>
+          <p:nvPr/>
         </p:nvPicPr>
         <p:blipFill>
-          <a:blip r:embed="rId3">
-            <a:extLst>
-              <a:ext uri="{28A0092B-C50C-407E-A947-70E740481C1C}">
-                <a14:useLocalDpi xmlns:a14="http://schemas.microsoft.com/office/drawing/2010/main" val="0"/>
-              </a:ext>
-            </a:extLst>
-          </a:blip>
+          <a:blip r:embed="rId3"/>
           <a:stretch>
             <a:fillRect/>
           </a:stretch>
         </p:blipFill>
         <p:spPr>
           <a:xfrm>
-            <a:off x="2011347" y="0"/>
-            <a:ext cx="8700934" cy="4826118"/>
+            <a:off x="3069193" y="-28876"/>
+            <a:ext cx="5821343" cy="6791566"/>
           </a:xfrm>
+          <a:prstGeom prst="rect">
+            <a:avLst/>
+          </a:prstGeom>
         </p:spPr>
       </p:pic>
       <p:sp>
@@ -19099,36 +19064,6 @@
           </a:p>
         </p:txBody>
       </p:sp>
-      <p:pic>
-        <p:nvPicPr>
-          <p:cNvPr id="8" name="Immagine 7">
-            <a:extLst>
-              <a:ext uri="{FF2B5EF4-FFF2-40B4-BE49-F238E27FC236}">
-                <a16:creationId xmlns:a16="http://schemas.microsoft.com/office/drawing/2014/main" id="{BA473E90-3D63-48D0-87DB-281EFCBA0024}"/>
-              </a:ext>
-            </a:extLst>
-          </p:cNvPr>
-          <p:cNvPicPr>
-            <a:picLocks noChangeAspect="1"/>
-          </p:cNvPicPr>
-          <p:nvPr/>
-        </p:nvPicPr>
-        <p:blipFill>
-          <a:blip r:embed="rId4"/>
-          <a:stretch>
-            <a:fillRect/>
-          </a:stretch>
-        </p:blipFill>
-        <p:spPr>
-          <a:xfrm>
-            <a:off x="2523458" y="3930430"/>
-            <a:ext cx="7410895" cy="1663786"/>
-          </a:xfrm>
-          <a:prstGeom prst="rect">
-            <a:avLst/>
-          </a:prstGeom>
-        </p:spPr>
-      </p:pic>
       <p:cxnSp>
         <p:nvCxnSpPr>
           <p:cNvPr id="10" name="Connettore 2 9">
@@ -19147,7 +19082,7 @@
         <p:spPr>
           <a:xfrm>
             <a:off x="2557110" y="780089"/>
-            <a:ext cx="2674109" cy="0"/>
+            <a:ext cx="2190278" cy="0"/>
           </a:xfrm>
           <a:prstGeom prst="straightConnector1">
             <a:avLst/>
@@ -19185,8 +19120,8 @@
         </p:nvSpPr>
         <p:spPr>
           <a:xfrm rot="16200000">
-            <a:off x="4509186" y="-205309"/>
-            <a:ext cx="235443" cy="2938185"/>
+            <a:off x="4592980" y="239557"/>
+            <a:ext cx="355449" cy="2168458"/>
           </a:xfrm>
           <a:prstGeom prst="rightBrace">
             <a:avLst/>
@@ -19229,8 +19164,8 @@
         </p:nvSpPr>
         <p:spPr>
           <a:xfrm rot="16200000">
-            <a:off x="7713185" y="-187232"/>
-            <a:ext cx="235443" cy="2938185"/>
+            <a:off x="7007883" y="325787"/>
+            <a:ext cx="279271" cy="2072175"/>
           </a:xfrm>
           <a:prstGeom prst="rightBrace">
             <a:avLst/>
@@ -19273,7 +19208,7 @@
         </p:nvSpPr>
         <p:spPr>
           <a:xfrm>
-            <a:off x="474489" y="1801262"/>
+            <a:off x="421302" y="3146498"/>
             <a:ext cx="2198038" cy="369332"/>
           </a:xfrm>
           <a:prstGeom prst="rect">
@@ -19328,8 +19263,8 @@
         </p:nvSpPr>
         <p:spPr>
           <a:xfrm>
-            <a:off x="102592" y="4228710"/>
-            <a:ext cx="2364750" cy="369332"/>
+            <a:off x="421302" y="4551415"/>
+            <a:ext cx="1685077" cy="369332"/>
           </a:xfrm>
           <a:prstGeom prst="rect">
             <a:avLst/>
@@ -19348,7 +19283,7 @@
                   <a:srgbClr val="FFFF00"/>
                 </a:highlight>
               </a:rPr>
-              <a:t>Titolo-codice (&lt;h3&gt;)</a:t>
+              <a:t>Codice (&lt;h3&gt;)</a:t>
             </a:r>
           </a:p>
         </p:txBody>
@@ -19367,7 +19302,7 @@
         </p:nvSpPr>
         <p:spPr>
           <a:xfrm>
-            <a:off x="51297" y="4692686"/>
+            <a:off x="670646" y="5228326"/>
             <a:ext cx="2621230" cy="369332"/>
           </a:xfrm>
           <a:prstGeom prst="rect">
@@ -19422,7 +19357,7 @@
         </p:nvSpPr>
         <p:spPr>
           <a:xfrm>
-            <a:off x="3101386" y="5945472"/>
+            <a:off x="7978851" y="5690672"/>
             <a:ext cx="3467616" cy="369332"/>
           </a:xfrm>
           <a:prstGeom prst="rect">
@@ -19480,7 +19415,7 @@
         </p:nvCxnSpPr>
         <p:spPr>
           <a:xfrm>
-            <a:off x="2672527" y="1985928"/>
+            <a:off x="2619340" y="3331164"/>
             <a:ext cx="1314682" cy="0"/>
           </a:xfrm>
           <a:prstGeom prst="straightConnector1">
@@ -19522,8 +19457,8 @@
         </p:nvCxnSpPr>
         <p:spPr>
           <a:xfrm>
-            <a:off x="2467342" y="4413376"/>
-            <a:ext cx="1961336" cy="0"/>
+            <a:off x="2106379" y="4736081"/>
+            <a:ext cx="2641009" cy="0"/>
           </a:xfrm>
           <a:prstGeom prst="straightConnector1">
             <a:avLst/>
@@ -19564,7 +19499,7 @@
         </p:nvCxnSpPr>
         <p:spPr>
           <a:xfrm>
-            <a:off x="2672527" y="4877352"/>
+            <a:off x="3291876" y="5412992"/>
             <a:ext cx="628938" cy="0"/>
           </a:xfrm>
           <a:prstGeom prst="straightConnector1">
@@ -19600,14 +19535,14 @@
           </p:cNvPr>
           <p:cNvCxnSpPr>
             <a:cxnSpLocks/>
-            <a:stCxn id="20" idx="0"/>
+            <a:stCxn id="20" idx="1"/>
           </p:cNvCxnSpPr>
           <p:nvPr/>
         </p:nvCxnSpPr>
         <p:spPr>
-          <a:xfrm flipH="1" flipV="1">
-            <a:off x="4597950" y="5192090"/>
-            <a:ext cx="237244" cy="753382"/>
+          <a:xfrm flipH="1">
+            <a:off x="7162800" y="5875338"/>
+            <a:ext cx="816051" cy="240574"/>
           </a:xfrm>
           <a:prstGeom prst="straightConnector1">
             <a:avLst/>
@@ -19680,50 +19615,6 @@
       </p:sp>
       <p:sp>
         <p:nvSpPr>
-          <p:cNvPr id="22" name="Parentesi graffa chiusa 21">
-            <a:extLst>
-              <a:ext uri="{FF2B5EF4-FFF2-40B4-BE49-F238E27FC236}">
-                <a16:creationId xmlns:a16="http://schemas.microsoft.com/office/drawing/2014/main" id="{F4A1DEC7-8AE3-49C2-BAAB-77551B13FC82}"/>
-              </a:ext>
-            </a:extLst>
-          </p:cNvPr>
-          <p:cNvSpPr/>
-          <p:nvPr/>
-        </p:nvSpPr>
-        <p:spPr>
-          <a:xfrm rot="16200000">
-            <a:off x="6206048" y="2407951"/>
-            <a:ext cx="45719" cy="265816"/>
-          </a:xfrm>
-          <a:prstGeom prst="rightBrace">
-            <a:avLst/>
-          </a:prstGeom>
-        </p:spPr>
-        <p:style>
-          <a:lnRef idx="1">
-            <a:schemeClr val="dk1"/>
-          </a:lnRef>
-          <a:fillRef idx="0">
-            <a:schemeClr val="dk1"/>
-          </a:fillRef>
-          <a:effectRef idx="0">
-            <a:schemeClr val="dk1"/>
-          </a:effectRef>
-          <a:fontRef idx="minor">
-            <a:schemeClr val="tx1"/>
-          </a:fontRef>
-        </p:style>
-        <p:txBody>
-          <a:bodyPr rtlCol="0" anchor="ctr"/>
-          <a:lstStyle/>
-          <a:p>
-            <a:pPr algn="ctr"/>
-            <a:endParaRPr lang="it-IT"/>
-          </a:p>
-        </p:txBody>
-      </p:sp>
-      <p:sp>
-        <p:nvSpPr>
           <p:cNvPr id="25" name="CasellaDiTesto 24">
             <a:extLst>
               <a:ext uri="{FF2B5EF4-FFF2-40B4-BE49-F238E27FC236}">
@@ -19736,7 +19627,7 @@
         </p:nvSpPr>
         <p:spPr>
           <a:xfrm>
-            <a:off x="5610787" y="2121061"/>
+            <a:off x="5369719" y="1950757"/>
             <a:ext cx="1298753" cy="307777"/>
           </a:xfrm>
           <a:prstGeom prst="rect">
@@ -19783,7 +19674,7 @@
         </p:nvSpPr>
         <p:spPr>
           <a:xfrm>
-            <a:off x="8001246" y="2009972"/>
+            <a:off x="7387740" y="1612934"/>
             <a:ext cx="1385316" cy="307777"/>
           </a:xfrm>
           <a:prstGeom prst="rect">
@@ -19830,7 +19721,7 @@
         </p:nvSpPr>
         <p:spPr>
           <a:xfrm rot="16200000">
-            <a:off x="9187676" y="2316511"/>
+            <a:off x="8574170" y="1919473"/>
             <a:ext cx="91742" cy="132909"/>
           </a:xfrm>
           <a:prstGeom prst="rightBrace">
@@ -19862,10 +19753,57 @@
       </p:sp>
       <p:sp>
         <p:nvSpPr>
-          <p:cNvPr id="29" name="Parentesi graffa chiusa 28">
-            <a:extLst>
-              <a:ext uri="{FF2B5EF4-FFF2-40B4-BE49-F238E27FC236}">
-                <a16:creationId xmlns:a16="http://schemas.microsoft.com/office/drawing/2014/main" id="{82875562-75A7-4B67-BC5A-84E6314154F6}"/>
+          <p:cNvPr id="32" name="CasellaDiTesto 31">
+            <a:extLst>
+              <a:ext uri="{FF2B5EF4-FFF2-40B4-BE49-F238E27FC236}">
+                <a16:creationId xmlns:a16="http://schemas.microsoft.com/office/drawing/2014/main" id="{040CD109-E9A6-4DCE-9EBE-863820D43F42}"/>
+              </a:ext>
+            </a:extLst>
+          </p:cNvPr>
+          <p:cNvSpPr txBox="1"/>
+          <p:nvPr/>
+        </p:nvSpPr>
+        <p:spPr>
+          <a:xfrm>
+            <a:off x="8679715" y="6483788"/>
+            <a:ext cx="1298753" cy="307777"/>
+          </a:xfrm>
+          <a:prstGeom prst="rect">
+            <a:avLst/>
+          </a:prstGeom>
+          <a:noFill/>
+        </p:spPr>
+        <p:txBody>
+          <a:bodyPr wrap="none" rtlCol="0">
+            <a:spAutoFit/>
+          </a:bodyPr>
+          <a:lstStyle/>
+          <a:p>
+            <a:r>
+              <a:rPr lang="it-IT" sz="1400" b="1" dirty="0" err="1">
+                <a:highlight>
+                  <a:srgbClr val="FFFF00"/>
+                </a:highlight>
+              </a:rPr>
+              <a:t>Margin</a:t>
+            </a:r>
+            <a:r>
+              <a:rPr lang="it-IT" sz="1400" b="1" dirty="0">
+                <a:highlight>
+                  <a:srgbClr val="FFFF00"/>
+                </a:highlight>
+              </a:rPr>
+              <a:t>: 15px</a:t>
+            </a:r>
+          </a:p>
+        </p:txBody>
+      </p:sp>
+      <p:sp>
+        <p:nvSpPr>
+          <p:cNvPr id="33" name="Parentesi graffa chiusa 32">
+            <a:extLst>
+              <a:ext uri="{FF2B5EF4-FFF2-40B4-BE49-F238E27FC236}">
+                <a16:creationId xmlns:a16="http://schemas.microsoft.com/office/drawing/2014/main" id="{40A8499F-1E2F-4DDC-934D-0A3304A55EA5}"/>
               </a:ext>
             </a:extLst>
           </p:cNvPr>
@@ -19873,9 +19811,9 @@
           <p:nvPr/>
         </p:nvSpPr>
         <p:spPr>
-          <a:xfrm rot="16200000">
-            <a:off x="9340691" y="3821407"/>
-            <a:ext cx="91742" cy="132909"/>
+          <a:xfrm>
+            <a:off x="8636625" y="6539696"/>
+            <a:ext cx="86181" cy="203386"/>
           </a:xfrm>
           <a:prstGeom prst="rightBrace">
             <a:avLst/>
@@ -19906,235 +19844,6 @@
       </p:sp>
       <p:sp>
         <p:nvSpPr>
-          <p:cNvPr id="30" name="CasellaDiTesto 29">
-            <a:extLst>
-              <a:ext uri="{FF2B5EF4-FFF2-40B4-BE49-F238E27FC236}">
-                <a16:creationId xmlns:a16="http://schemas.microsoft.com/office/drawing/2014/main" id="{4487F27F-23B0-4B01-AD47-28258BEBACD1}"/>
-              </a:ext>
-            </a:extLst>
-          </p:cNvPr>
-          <p:cNvSpPr txBox="1"/>
-          <p:nvPr/>
-        </p:nvSpPr>
-        <p:spPr>
-          <a:xfrm>
-            <a:off x="8803640" y="3514963"/>
-            <a:ext cx="1298753" cy="307777"/>
-          </a:xfrm>
-          <a:prstGeom prst="rect">
-            <a:avLst/>
-          </a:prstGeom>
-          <a:noFill/>
-        </p:spPr>
-        <p:txBody>
-          <a:bodyPr wrap="none" rtlCol="0">
-            <a:spAutoFit/>
-          </a:bodyPr>
-          <a:lstStyle/>
-          <a:p>
-            <a:r>
-              <a:rPr lang="it-IT" sz="1400" b="1" dirty="0" err="1">
-                <a:highlight>
-                  <a:srgbClr val="FFFF00"/>
-                </a:highlight>
-              </a:rPr>
-              <a:t>Margin</a:t>
-            </a:r>
-            <a:r>
-              <a:rPr lang="it-IT" sz="1400" b="1" dirty="0">
-                <a:highlight>
-                  <a:srgbClr val="FFFF00"/>
-                </a:highlight>
-              </a:rPr>
-              <a:t>: 10px</a:t>
-            </a:r>
-          </a:p>
-        </p:txBody>
-      </p:sp>
-      <p:sp>
-        <p:nvSpPr>
-          <p:cNvPr id="32" name="CasellaDiTesto 31">
-            <a:extLst>
-              <a:ext uri="{FF2B5EF4-FFF2-40B4-BE49-F238E27FC236}">
-                <a16:creationId xmlns:a16="http://schemas.microsoft.com/office/drawing/2014/main" id="{040CD109-E9A6-4DCE-9EBE-863820D43F42}"/>
-              </a:ext>
-            </a:extLst>
-          </p:cNvPr>
-          <p:cNvSpPr txBox="1"/>
-          <p:nvPr/>
-        </p:nvSpPr>
-        <p:spPr>
-          <a:xfrm>
-            <a:off x="9854472" y="5375192"/>
-            <a:ext cx="1298753" cy="307777"/>
-          </a:xfrm>
-          <a:prstGeom prst="rect">
-            <a:avLst/>
-          </a:prstGeom>
-          <a:noFill/>
-        </p:spPr>
-        <p:txBody>
-          <a:bodyPr wrap="none" rtlCol="0">
-            <a:spAutoFit/>
-          </a:bodyPr>
-          <a:lstStyle/>
-          <a:p>
-            <a:r>
-              <a:rPr lang="it-IT" sz="1400" b="1" dirty="0" err="1">
-                <a:highlight>
-                  <a:srgbClr val="FFFF00"/>
-                </a:highlight>
-              </a:rPr>
-              <a:t>Margin</a:t>
-            </a:r>
-            <a:r>
-              <a:rPr lang="it-IT" sz="1400" b="1" dirty="0">
-                <a:highlight>
-                  <a:srgbClr val="FFFF00"/>
-                </a:highlight>
-              </a:rPr>
-              <a:t>: 15px</a:t>
-            </a:r>
-          </a:p>
-        </p:txBody>
-      </p:sp>
-      <p:sp>
-        <p:nvSpPr>
-          <p:cNvPr id="33" name="Parentesi graffa chiusa 32">
-            <a:extLst>
-              <a:ext uri="{FF2B5EF4-FFF2-40B4-BE49-F238E27FC236}">
-                <a16:creationId xmlns:a16="http://schemas.microsoft.com/office/drawing/2014/main" id="{40A8499F-1E2F-4DDC-934D-0A3304A55EA5}"/>
-              </a:ext>
-            </a:extLst>
-          </p:cNvPr>
-          <p:cNvSpPr/>
-          <p:nvPr/>
-        </p:nvSpPr>
-        <p:spPr>
-          <a:xfrm>
-            <a:off x="9760020" y="5433821"/>
-            <a:ext cx="91742" cy="132909"/>
-          </a:xfrm>
-          <a:prstGeom prst="rightBrace">
-            <a:avLst/>
-          </a:prstGeom>
-        </p:spPr>
-        <p:style>
-          <a:lnRef idx="1">
-            <a:schemeClr val="dk1"/>
-          </a:lnRef>
-          <a:fillRef idx="0">
-            <a:schemeClr val="dk1"/>
-          </a:fillRef>
-          <a:effectRef idx="0">
-            <a:schemeClr val="dk1"/>
-          </a:effectRef>
-          <a:fontRef idx="minor">
-            <a:schemeClr val="tx1"/>
-          </a:fontRef>
-        </p:style>
-        <p:txBody>
-          <a:bodyPr rtlCol="0" anchor="ctr"/>
-          <a:lstStyle/>
-          <a:p>
-            <a:pPr algn="ctr"/>
-            <a:endParaRPr lang="it-IT"/>
-          </a:p>
-        </p:txBody>
-      </p:sp>
-      <p:sp>
-        <p:nvSpPr>
-          <p:cNvPr id="34" name="Parentesi graffa chiusa 33">
-            <a:extLst>
-              <a:ext uri="{FF2B5EF4-FFF2-40B4-BE49-F238E27FC236}">
-                <a16:creationId xmlns:a16="http://schemas.microsoft.com/office/drawing/2014/main" id="{11E0F82F-2762-4426-A1BB-8DB751DF8C14}"/>
-              </a:ext>
-            </a:extLst>
-          </p:cNvPr>
-          <p:cNvSpPr/>
-          <p:nvPr/>
-        </p:nvSpPr>
-        <p:spPr>
-          <a:xfrm rot="16200000">
-            <a:off x="9708480" y="4991659"/>
-            <a:ext cx="98482" cy="45719"/>
-          </a:xfrm>
-          <a:prstGeom prst="rightBrace">
-            <a:avLst/>
-          </a:prstGeom>
-        </p:spPr>
-        <p:style>
-          <a:lnRef idx="1">
-            <a:schemeClr val="dk1"/>
-          </a:lnRef>
-          <a:fillRef idx="0">
-            <a:schemeClr val="dk1"/>
-          </a:fillRef>
-          <a:effectRef idx="0">
-            <a:schemeClr val="dk1"/>
-          </a:effectRef>
-          <a:fontRef idx="minor">
-            <a:schemeClr val="tx1"/>
-          </a:fontRef>
-        </p:style>
-        <p:txBody>
-          <a:bodyPr rtlCol="0" anchor="ctr"/>
-          <a:lstStyle/>
-          <a:p>
-            <a:pPr algn="ctr"/>
-            <a:endParaRPr lang="it-IT"/>
-          </a:p>
-        </p:txBody>
-      </p:sp>
-      <p:sp>
-        <p:nvSpPr>
-          <p:cNvPr id="35" name="CasellaDiTesto 34">
-            <a:extLst>
-              <a:ext uri="{FF2B5EF4-FFF2-40B4-BE49-F238E27FC236}">
-                <a16:creationId xmlns:a16="http://schemas.microsoft.com/office/drawing/2014/main" id="{05E8153D-84A4-4FD7-9846-97FCB05AC9D3}"/>
-              </a:ext>
-            </a:extLst>
-          </p:cNvPr>
-          <p:cNvSpPr txBox="1"/>
-          <p:nvPr/>
-        </p:nvSpPr>
-        <p:spPr>
-          <a:xfrm>
-            <a:off x="9122807" y="4616140"/>
-            <a:ext cx="1285929" cy="307777"/>
-          </a:xfrm>
-          <a:prstGeom prst="rect">
-            <a:avLst/>
-          </a:prstGeom>
-          <a:noFill/>
-        </p:spPr>
-        <p:txBody>
-          <a:bodyPr wrap="none" rtlCol="0">
-            <a:spAutoFit/>
-          </a:bodyPr>
-          <a:lstStyle/>
-          <a:p>
-            <a:r>
-              <a:rPr lang="it-IT" sz="1400" b="1" dirty="0" err="1">
-                <a:highlight>
-                  <a:srgbClr val="FFFF00"/>
-                </a:highlight>
-              </a:rPr>
-              <a:t>Padding</a:t>
-            </a:r>
-            <a:r>
-              <a:rPr lang="it-IT" sz="1400" b="1" dirty="0">
-                <a:highlight>
-                  <a:srgbClr val="FFFF00"/>
-                </a:highlight>
-              </a:rPr>
-              <a:t>: 5px</a:t>
-            </a:r>
-          </a:p>
-        </p:txBody>
-      </p:sp>
-      <p:sp>
-        <p:nvSpPr>
           <p:cNvPr id="36" name="CasellaDiTesto 35">
             <a:extLst>
               <a:ext uri="{FF2B5EF4-FFF2-40B4-BE49-F238E27FC236}">
@@ -20196,7 +19905,7 @@
         </p:nvCxnSpPr>
         <p:spPr>
           <a:xfrm flipH="1">
-            <a:off x="6062723" y="2563719"/>
+            <a:off x="6069669" y="2389545"/>
             <a:ext cx="33276" cy="2811473"/>
           </a:xfrm>
           <a:prstGeom prst="line">
@@ -20227,12 +19936,56 @@
           </a:fontRef>
         </p:style>
       </p:cxnSp>
+      <p:sp>
+        <p:nvSpPr>
+          <p:cNvPr id="39" name="Parentesi graffa chiusa 38">
+            <a:extLst>
+              <a:ext uri="{FF2B5EF4-FFF2-40B4-BE49-F238E27FC236}">
+                <a16:creationId xmlns:a16="http://schemas.microsoft.com/office/drawing/2014/main" id="{39380266-4278-4188-9290-2B9EEE2C269C}"/>
+              </a:ext>
+            </a:extLst>
+          </p:cNvPr>
+          <p:cNvSpPr/>
+          <p:nvPr/>
+        </p:nvSpPr>
+        <p:spPr>
+          <a:xfrm rot="16200000">
+            <a:off x="5964981" y="2237647"/>
+            <a:ext cx="45719" cy="265816"/>
+          </a:xfrm>
+          <a:prstGeom prst="rightBrace">
+            <a:avLst/>
+          </a:prstGeom>
+        </p:spPr>
+        <p:style>
+          <a:lnRef idx="1">
+            <a:schemeClr val="dk1"/>
+          </a:lnRef>
+          <a:fillRef idx="0">
+            <a:schemeClr val="dk1"/>
+          </a:fillRef>
+          <a:effectRef idx="0">
+            <a:schemeClr val="dk1"/>
+          </a:effectRef>
+          <a:fontRef idx="minor">
+            <a:schemeClr val="tx1"/>
+          </a:fontRef>
+        </p:style>
+        <p:txBody>
+          <a:bodyPr rtlCol="0" anchor="ctr"/>
+          <a:lstStyle/>
+          <a:p>
+            <a:pPr algn="ctr"/>
+            <a:endParaRPr lang="it-IT"/>
+          </a:p>
+        </p:txBody>
+      </p:sp>
       <p:cxnSp>
         <p:nvCxnSpPr>
-          <p:cNvPr id="38" name="Connettore diritto 37">
-            <a:extLst>
-              <a:ext uri="{FF2B5EF4-FFF2-40B4-BE49-F238E27FC236}">
-                <a16:creationId xmlns:a16="http://schemas.microsoft.com/office/drawing/2014/main" id="{1D7500C6-59D5-4717-99DB-C255492F6854}"/>
+          <p:cNvPr id="40" name="Connettore diritto 39">
+            <a:extLst>
+              <a:ext uri="{FF2B5EF4-FFF2-40B4-BE49-F238E27FC236}">
+                <a16:creationId xmlns:a16="http://schemas.microsoft.com/office/drawing/2014/main" id="{D7EEF821-1DB5-4390-BD7A-D303C78E83FA}"/>
               </a:ext>
             </a:extLst>
           </p:cNvPr>
@@ -20242,9 +19995,9 @@
           <p:nvPr/>
         </p:nvCxnSpPr>
         <p:spPr>
-          <a:xfrm>
-            <a:off x="6361814" y="2566490"/>
-            <a:ext cx="0" cy="2808702"/>
+          <a:xfrm flipH="1">
+            <a:off x="5821656" y="2393415"/>
+            <a:ext cx="33276" cy="2811473"/>
           </a:xfrm>
           <a:prstGeom prst="line">
             <a:avLst/>
@@ -20268,6 +20021,269 @@
           </a:fillRef>
           <a:effectRef idx="0">
             <a:scrgbClr r="0" g="0" b="0"/>
+          </a:effectRef>
+          <a:fontRef idx="minor">
+            <a:schemeClr val="tx1"/>
+          </a:fontRef>
+        </p:style>
+      </p:cxnSp>
+      <p:sp>
+        <p:nvSpPr>
+          <p:cNvPr id="44" name="Parentesi graffa chiusa 43">
+            <a:extLst>
+              <a:ext uri="{FF2B5EF4-FFF2-40B4-BE49-F238E27FC236}">
+                <a16:creationId xmlns:a16="http://schemas.microsoft.com/office/drawing/2014/main" id="{9C1783CD-4430-4724-A9E1-D11B8175B1C2}"/>
+              </a:ext>
+            </a:extLst>
+          </p:cNvPr>
+          <p:cNvSpPr/>
+          <p:nvPr/>
+        </p:nvSpPr>
+        <p:spPr>
+          <a:xfrm rot="16200000">
+            <a:off x="8204190" y="3452942"/>
+            <a:ext cx="91742" cy="132909"/>
+          </a:xfrm>
+          <a:prstGeom prst="rightBrace">
+            <a:avLst/>
+          </a:prstGeom>
+        </p:spPr>
+        <p:style>
+          <a:lnRef idx="1">
+            <a:schemeClr val="dk1"/>
+          </a:lnRef>
+          <a:fillRef idx="0">
+            <a:schemeClr val="dk1"/>
+          </a:fillRef>
+          <a:effectRef idx="0">
+            <a:schemeClr val="dk1"/>
+          </a:effectRef>
+          <a:fontRef idx="minor">
+            <a:schemeClr val="tx1"/>
+          </a:fontRef>
+        </p:style>
+        <p:txBody>
+          <a:bodyPr rtlCol="0" anchor="ctr"/>
+          <a:lstStyle/>
+          <a:p>
+            <a:pPr algn="ctr"/>
+            <a:endParaRPr lang="it-IT"/>
+          </a:p>
+        </p:txBody>
+      </p:sp>
+      <p:sp>
+        <p:nvSpPr>
+          <p:cNvPr id="45" name="CasellaDiTesto 44">
+            <a:extLst>
+              <a:ext uri="{FF2B5EF4-FFF2-40B4-BE49-F238E27FC236}">
+                <a16:creationId xmlns:a16="http://schemas.microsoft.com/office/drawing/2014/main" id="{C8F97DCB-CB4D-49B5-AAE0-B113A28A0C6C}"/>
+              </a:ext>
+            </a:extLst>
+          </p:cNvPr>
+          <p:cNvSpPr txBox="1"/>
+          <p:nvPr/>
+        </p:nvSpPr>
+        <p:spPr>
+          <a:xfrm>
+            <a:off x="7667139" y="3146498"/>
+            <a:ext cx="1298753" cy="307777"/>
+          </a:xfrm>
+          <a:prstGeom prst="rect">
+            <a:avLst/>
+          </a:prstGeom>
+          <a:noFill/>
+        </p:spPr>
+        <p:txBody>
+          <a:bodyPr wrap="none" rtlCol="0">
+            <a:spAutoFit/>
+          </a:bodyPr>
+          <a:lstStyle/>
+          <a:p>
+            <a:r>
+              <a:rPr lang="it-IT" sz="1400" b="1" dirty="0" err="1">
+                <a:highlight>
+                  <a:srgbClr val="FFFF00"/>
+                </a:highlight>
+              </a:rPr>
+              <a:t>Margin</a:t>
+            </a:r>
+            <a:r>
+              <a:rPr lang="it-IT" sz="1400" b="1" dirty="0">
+                <a:highlight>
+                  <a:srgbClr val="FFFF00"/>
+                </a:highlight>
+              </a:rPr>
+              <a:t>: 10px</a:t>
+            </a:r>
+          </a:p>
+        </p:txBody>
+      </p:sp>
+      <p:sp>
+        <p:nvSpPr>
+          <p:cNvPr id="46" name="Parentesi graffa chiusa 45">
+            <a:extLst>
+              <a:ext uri="{FF2B5EF4-FFF2-40B4-BE49-F238E27FC236}">
+                <a16:creationId xmlns:a16="http://schemas.microsoft.com/office/drawing/2014/main" id="{F7C60D7A-BF88-4EBD-B084-F2F4EFBFD4C1}"/>
+              </a:ext>
+            </a:extLst>
+          </p:cNvPr>
+          <p:cNvSpPr/>
+          <p:nvPr/>
+        </p:nvSpPr>
+        <p:spPr>
+          <a:xfrm rot="16200000">
+            <a:off x="8564524" y="4926934"/>
+            <a:ext cx="98482" cy="45719"/>
+          </a:xfrm>
+          <a:prstGeom prst="rightBrace">
+            <a:avLst/>
+          </a:prstGeom>
+        </p:spPr>
+        <p:style>
+          <a:lnRef idx="1">
+            <a:schemeClr val="dk1"/>
+          </a:lnRef>
+          <a:fillRef idx="0">
+            <a:schemeClr val="dk1"/>
+          </a:fillRef>
+          <a:effectRef idx="0">
+            <a:schemeClr val="dk1"/>
+          </a:effectRef>
+          <a:fontRef idx="minor">
+            <a:schemeClr val="tx1"/>
+          </a:fontRef>
+        </p:style>
+        <p:txBody>
+          <a:bodyPr rtlCol="0" anchor="ctr"/>
+          <a:lstStyle/>
+          <a:p>
+            <a:pPr algn="ctr"/>
+            <a:endParaRPr lang="it-IT"/>
+          </a:p>
+        </p:txBody>
+      </p:sp>
+      <p:sp>
+        <p:nvSpPr>
+          <p:cNvPr id="47" name="CasellaDiTesto 46">
+            <a:extLst>
+              <a:ext uri="{FF2B5EF4-FFF2-40B4-BE49-F238E27FC236}">
+                <a16:creationId xmlns:a16="http://schemas.microsoft.com/office/drawing/2014/main" id="{DF578646-5ED6-40C6-957B-E72CEB2264CF}"/>
+              </a:ext>
+            </a:extLst>
+          </p:cNvPr>
+          <p:cNvSpPr txBox="1"/>
+          <p:nvPr/>
+        </p:nvSpPr>
+        <p:spPr>
+          <a:xfrm>
+            <a:off x="7978851" y="4551415"/>
+            <a:ext cx="1285929" cy="307777"/>
+          </a:xfrm>
+          <a:prstGeom prst="rect">
+            <a:avLst/>
+          </a:prstGeom>
+          <a:noFill/>
+        </p:spPr>
+        <p:txBody>
+          <a:bodyPr wrap="none" rtlCol="0">
+            <a:spAutoFit/>
+          </a:bodyPr>
+          <a:lstStyle/>
+          <a:p>
+            <a:r>
+              <a:rPr lang="it-IT" sz="1400" b="1" dirty="0" err="1">
+                <a:highlight>
+                  <a:srgbClr val="FFFF00"/>
+                </a:highlight>
+              </a:rPr>
+              <a:t>Padding</a:t>
+            </a:r>
+            <a:r>
+              <a:rPr lang="it-IT" sz="1400" b="1" dirty="0">
+                <a:highlight>
+                  <a:srgbClr val="FFFF00"/>
+                </a:highlight>
+              </a:rPr>
+              <a:t>: 5px</a:t>
+            </a:r>
+          </a:p>
+        </p:txBody>
+      </p:sp>
+      <p:sp>
+        <p:nvSpPr>
+          <p:cNvPr id="50" name="CasellaDiTesto 49">
+            <a:extLst>
+              <a:ext uri="{FF2B5EF4-FFF2-40B4-BE49-F238E27FC236}">
+                <a16:creationId xmlns:a16="http://schemas.microsoft.com/office/drawing/2014/main" id="{6CB11107-12AE-40EB-83DA-65CFC13A7A2A}"/>
+              </a:ext>
+            </a:extLst>
+          </p:cNvPr>
+          <p:cNvSpPr txBox="1"/>
+          <p:nvPr/>
+        </p:nvSpPr>
+        <p:spPr>
+          <a:xfrm>
+            <a:off x="4733" y="1870960"/>
+            <a:ext cx="3454792" cy="369332"/>
+          </a:xfrm>
+          <a:prstGeom prst="rect">
+            <a:avLst/>
+          </a:prstGeom>
+          <a:noFill/>
+        </p:spPr>
+        <p:txBody>
+          <a:bodyPr wrap="none" rtlCol="0">
+            <a:spAutoFit/>
+          </a:bodyPr>
+          <a:lstStyle/>
+          <a:p>
+            <a:r>
+              <a:rPr lang="it-IT" b="1" dirty="0">
+                <a:highlight>
+                  <a:srgbClr val="FFFF00"/>
+                </a:highlight>
+              </a:rPr>
+              <a:t>Titolo-raggruppamento(&lt;h2&gt;)</a:t>
+            </a:r>
+          </a:p>
+        </p:txBody>
+      </p:sp>
+      <p:cxnSp>
+        <p:nvCxnSpPr>
+          <p:cNvPr id="51" name="Connettore 2 50">
+            <a:extLst>
+              <a:ext uri="{FF2B5EF4-FFF2-40B4-BE49-F238E27FC236}">
+                <a16:creationId xmlns:a16="http://schemas.microsoft.com/office/drawing/2014/main" id="{0B67ABF6-B672-47CF-8211-B4699DC6EED8}"/>
+              </a:ext>
+            </a:extLst>
+          </p:cNvPr>
+          <p:cNvCxnSpPr>
+            <a:cxnSpLocks/>
+            <a:stCxn id="50" idx="3"/>
+          </p:cNvCxnSpPr>
+          <p:nvPr/>
+        </p:nvCxnSpPr>
+        <p:spPr>
+          <a:xfrm>
+            <a:off x="3459525" y="2055626"/>
+            <a:ext cx="909275" cy="24896"/>
+          </a:xfrm>
+          <a:prstGeom prst="straightConnector1">
+            <a:avLst/>
+          </a:prstGeom>
+          <a:ln>
+            <a:tailEnd type="triangle"/>
+          </a:ln>
+        </p:spPr>
+        <p:style>
+          <a:lnRef idx="1">
+            <a:schemeClr val="dk1"/>
+          </a:lnRef>
+          <a:fillRef idx="0">
+            <a:schemeClr val="dk1"/>
+          </a:fillRef>
+          <a:effectRef idx="0">
+            <a:schemeClr val="dk1"/>
           </a:effectRef>
           <a:fontRef idx="minor">
             <a:schemeClr val="tx1"/>
@@ -20304,6 +20320,36 @@
           <a:chExt cx="0" cy="0"/>
         </a:xfrm>
       </p:grpSpPr>
+      <p:pic>
+        <p:nvPicPr>
+          <p:cNvPr id="4" name="Immagine 3">
+            <a:extLst>
+              <a:ext uri="{FF2B5EF4-FFF2-40B4-BE49-F238E27FC236}">
+                <a16:creationId xmlns:a16="http://schemas.microsoft.com/office/drawing/2014/main" id="{2F9AD443-C442-4F43-8A97-B920C0E6FE13}"/>
+              </a:ext>
+            </a:extLst>
+          </p:cNvPr>
+          <p:cNvPicPr>
+            <a:picLocks noChangeAspect="1"/>
+          </p:cNvPicPr>
+          <p:nvPr/>
+        </p:nvPicPr>
+        <p:blipFill>
+          <a:blip r:embed="rId2"/>
+          <a:stretch>
+            <a:fillRect/>
+          </a:stretch>
+        </p:blipFill>
+        <p:spPr>
+          <a:xfrm>
+            <a:off x="5542291" y="1368305"/>
+            <a:ext cx="6649709" cy="2252758"/>
+          </a:xfrm>
+          <a:prstGeom prst="rect">
+            <a:avLst/>
+          </a:prstGeom>
+        </p:spPr>
+      </p:pic>
       <p:sp>
         <p:nvSpPr>
           <p:cNvPr id="2" name="Titolo 1">
@@ -20356,7 +20402,7 @@
           </p:nvPr>
         </p:nvPicPr>
         <p:blipFill>
-          <a:blip r:embed="rId2">
+          <a:blip r:embed="rId3">
             <a:extLst>
               <a:ext uri="{28A0092B-C50C-407E-A947-70E740481C1C}">
                 <a14:useLocalDpi xmlns:a14="http://schemas.microsoft.com/office/drawing/2010/main" val="0"/>
@@ -20389,7 +20435,7 @@
           <p:nvPr/>
         </p:nvPicPr>
         <p:blipFill>
-          <a:blip r:embed="rId3"/>
+          <a:blip r:embed="rId4"/>
           <a:stretch>
             <a:fillRect/>
           </a:stretch>
@@ -20404,36 +20450,6 @@
           </a:prstGeom>
         </p:spPr>
       </p:pic>
-      <p:pic>
-        <p:nvPicPr>
-          <p:cNvPr id="9" name="Immagine 8">
-            <a:extLst>
-              <a:ext uri="{FF2B5EF4-FFF2-40B4-BE49-F238E27FC236}">
-                <a16:creationId xmlns:a16="http://schemas.microsoft.com/office/drawing/2014/main" id="{B11A094E-CAA3-47B1-9C18-FC79498BC536}"/>
-              </a:ext>
-            </a:extLst>
-          </p:cNvPr>
-          <p:cNvPicPr>
-            <a:picLocks noChangeAspect="1"/>
-          </p:cNvPicPr>
-          <p:nvPr/>
-        </p:nvPicPr>
-        <p:blipFill>
-          <a:blip r:embed="rId4"/>
-          <a:stretch>
-            <a:fillRect/>
-          </a:stretch>
-        </p:blipFill>
-        <p:spPr>
-          <a:xfrm>
-            <a:off x="5969572" y="1929776"/>
-            <a:ext cx="6142672" cy="1986876"/>
-          </a:xfrm>
-          <a:prstGeom prst="rect">
-            <a:avLst/>
-          </a:prstGeom>
-        </p:spPr>
-      </p:pic>
       <p:cxnSp>
         <p:nvCxnSpPr>
           <p:cNvPr id="12" name="Connettore 2 11">
@@ -20450,8 +20466,8 @@
         </p:nvCxnSpPr>
         <p:spPr>
           <a:xfrm flipV="1">
-            <a:off x="5197642" y="2114482"/>
-            <a:ext cx="898358" cy="564907"/>
+            <a:off x="5197642" y="1587263"/>
+            <a:ext cx="762891" cy="1092127"/>
           </a:xfrm>
           <a:prstGeom prst="straightConnector1">
             <a:avLst/>
@@ -20497,8 +20513,8 @@
         </p:nvCxnSpPr>
         <p:spPr>
           <a:xfrm flipV="1">
-            <a:off x="5197642" y="1929776"/>
-            <a:ext cx="898358" cy="564907"/>
+            <a:off x="5197642" y="1456857"/>
+            <a:ext cx="542036" cy="1037827"/>
           </a:xfrm>
           <a:prstGeom prst="straightConnector1">
             <a:avLst/>
@@ -20543,9 +20559,9 @@
           <p:nvPr/>
         </p:nvCxnSpPr>
         <p:spPr>
-          <a:xfrm>
-            <a:off x="5134428" y="2830862"/>
-            <a:ext cx="1032531" cy="184705"/>
+          <a:xfrm flipV="1">
+            <a:off x="5134428" y="2579861"/>
+            <a:ext cx="605250" cy="251001"/>
           </a:xfrm>
           <a:prstGeom prst="straightConnector1">
             <a:avLst/>
@@ -20734,7 +20750,7 @@
         </p:nvSpPr>
         <p:spPr>
           <a:xfrm>
-            <a:off x="11281322" y="1620831"/>
+            <a:off x="11416789" y="1272191"/>
             <a:ext cx="838691" cy="369332"/>
           </a:xfrm>
           <a:prstGeom prst="rect">
@@ -21251,35 +21267,6 @@
           <a:chExt cx="0" cy="0"/>
         </a:xfrm>
       </p:grpSpPr>
-      <p:pic>
-        <p:nvPicPr>
-          <p:cNvPr id="17" name="Segnaposto contenuto 16">
-            <a:extLst>
-              <a:ext uri="{FF2B5EF4-FFF2-40B4-BE49-F238E27FC236}">
-                <a16:creationId xmlns:a16="http://schemas.microsoft.com/office/drawing/2014/main" id="{2AC53001-841E-49BE-A88F-37810013427C}"/>
-              </a:ext>
-            </a:extLst>
-          </p:cNvPr>
-          <p:cNvPicPr>
-            <a:picLocks noGrp="1" noChangeAspect="1"/>
-          </p:cNvPicPr>
-          <p:nvPr>
-            <p:ph idx="1"/>
-          </p:nvPr>
-        </p:nvPicPr>
-        <p:blipFill>
-          <a:blip r:embed="rId2"/>
-          <a:stretch>
-            <a:fillRect/>
-          </a:stretch>
-        </p:blipFill>
-        <p:spPr>
-          <a:xfrm>
-            <a:off x="162560" y="1430989"/>
-            <a:ext cx="5624525" cy="5350009"/>
-          </a:xfrm>
-        </p:spPr>
-      </p:pic>
       <p:sp>
         <p:nvSpPr>
           <p:cNvPr id="2" name="Titolo 1">
@@ -21464,7 +21451,7 @@
           <p:nvPr/>
         </p:nvPicPr>
         <p:blipFill>
-          <a:blip r:embed="rId3"/>
+          <a:blip r:embed="rId2"/>
           <a:stretch>
             <a:fillRect/>
           </a:stretch>
@@ -21518,6 +21505,36 @@
           </a:p>
         </p:txBody>
       </p:sp>
+      <p:pic>
+        <p:nvPicPr>
+          <p:cNvPr id="14" name="Immagine 13">
+            <a:extLst>
+              <a:ext uri="{FF2B5EF4-FFF2-40B4-BE49-F238E27FC236}">
+                <a16:creationId xmlns:a16="http://schemas.microsoft.com/office/drawing/2014/main" id="{D8EA7CCE-51AA-4536-B854-7BF16F4841D4}"/>
+              </a:ext>
+            </a:extLst>
+          </p:cNvPr>
+          <p:cNvPicPr>
+            <a:picLocks noChangeAspect="1"/>
+          </p:cNvPicPr>
+          <p:nvPr/>
+        </p:nvPicPr>
+        <p:blipFill>
+          <a:blip r:embed="rId3"/>
+          <a:stretch>
+            <a:fillRect/>
+          </a:stretch>
+        </p:blipFill>
+        <p:spPr>
+          <a:xfrm>
+            <a:off x="371072" y="1408826"/>
+            <a:ext cx="5044440" cy="5252332"/>
+          </a:xfrm>
+          <a:prstGeom prst="rect">
+            <a:avLst/>
+          </a:prstGeom>
+        </p:spPr>
+      </p:pic>
     </p:spTree>
     <p:extLst>
       <p:ext uri="{BB962C8B-B14F-4D97-AF65-F5344CB8AC3E}">
@@ -21728,37 +21745,32 @@
       </p:grpSpPr>
       <p:pic>
         <p:nvPicPr>
-          <p:cNvPr id="5" name="Segnaposto contenuto 4" descr="Immagine che contiene testo, apparecchio&#10;&#10;Descrizione generata automaticamente">
-            <a:extLst>
-              <a:ext uri="{FF2B5EF4-FFF2-40B4-BE49-F238E27FC236}">
-                <a16:creationId xmlns:a16="http://schemas.microsoft.com/office/drawing/2014/main" id="{96A1A6D8-5613-42CD-A8A9-3B5720FDAB76}"/>
+          <p:cNvPr id="13" name="Immagine 12">
+            <a:extLst>
+              <a:ext uri="{FF2B5EF4-FFF2-40B4-BE49-F238E27FC236}">
+                <a16:creationId xmlns:a16="http://schemas.microsoft.com/office/drawing/2014/main" id="{7D7D7732-B94F-47B4-B760-82CD2914BF44}"/>
               </a:ext>
             </a:extLst>
           </p:cNvPr>
           <p:cNvPicPr>
-            <a:picLocks noGrp="1" noChangeAspect="1"/>
+            <a:picLocks noChangeAspect="1"/>
           </p:cNvPicPr>
-          <p:nvPr>
-            <p:ph idx="1"/>
-          </p:nvPr>
+          <p:nvPr/>
         </p:nvPicPr>
         <p:blipFill>
-          <a:blip r:embed="rId2">
-            <a:extLst>
-              <a:ext uri="{28A0092B-C50C-407E-A947-70E740481C1C}">
-                <a14:useLocalDpi xmlns:a14="http://schemas.microsoft.com/office/drawing/2010/main" val="0"/>
-              </a:ext>
-            </a:extLst>
-          </a:blip>
+          <a:blip r:embed="rId2"/>
           <a:stretch>
             <a:fillRect/>
           </a:stretch>
         </p:blipFill>
         <p:spPr>
           <a:xfrm>
-            <a:off x="4081125" y="2651125"/>
-            <a:ext cx="4667740" cy="4206875"/>
+            <a:off x="4588463" y="3091179"/>
+            <a:ext cx="3573891" cy="3746773"/>
           </a:xfrm>
+          <a:prstGeom prst="rect">
+            <a:avLst/>
+          </a:prstGeom>
         </p:spPr>
       </p:pic>
       <p:pic>
@@ -22474,8 +22486,8 @@
         </p:nvSpPr>
         <p:spPr>
           <a:xfrm>
-            <a:off x="8748865" y="5858243"/>
-            <a:ext cx="2364750" cy="369332"/>
+            <a:off x="8564337" y="6008995"/>
+            <a:ext cx="1685077" cy="369332"/>
           </a:xfrm>
           <a:prstGeom prst="rect">
             <a:avLst/>
@@ -22497,7 +22509,7 @@
                   <a:srgbClr val="FFFF00"/>
                 </a:highlight>
               </a:rPr>
-              <a:t>Titolo-codice (&lt;h3&gt;)</a:t>
+              <a:t>Codice (&lt;h3&gt;)</a:t>
             </a:r>
             <a:endParaRPr lang="it-IT" dirty="0">
               <a:highlight>
@@ -22634,9 +22646,9 @@
           <p:nvPr/>
         </p:nvCxnSpPr>
         <p:spPr>
-          <a:xfrm flipH="1">
-            <a:off x="5361272" y="6042909"/>
-            <a:ext cx="3387593" cy="0"/>
+          <a:xfrm flipH="1" flipV="1">
+            <a:off x="5118595" y="6180619"/>
+            <a:ext cx="3445742" cy="13042"/>
           </a:xfrm>
           <a:prstGeom prst="straightConnector1">
             <a:avLst/>
@@ -22898,8 +22910,8 @@
         </p:nvSpPr>
         <p:spPr>
           <a:xfrm rot="16200000">
-            <a:off x="4725015" y="3433469"/>
-            <a:ext cx="45719" cy="175964"/>
+            <a:off x="4627111" y="3543348"/>
+            <a:ext cx="176270" cy="86049"/>
           </a:xfrm>
           <a:prstGeom prst="rightBrace">
             <a:avLst/>
@@ -22989,8 +23001,8 @@
         </p:nvSpPr>
         <p:spPr>
           <a:xfrm rot="16200000">
-            <a:off x="7830529" y="3711067"/>
-            <a:ext cx="45719" cy="175964"/>
+            <a:off x="7857261" y="3760811"/>
+            <a:ext cx="45719" cy="76476"/>
           </a:xfrm>
           <a:prstGeom prst="rightBrace">
             <a:avLst/>
@@ -23076,14 +23088,15 @@
             </a:extLst>
           </p:cNvPr>
           <p:cNvCxnSpPr>
+            <a:cxnSpLocks/>
             <a:stCxn id="46" idx="0"/>
           </p:cNvCxnSpPr>
           <p:nvPr/>
         </p:nvCxnSpPr>
         <p:spPr>
-          <a:xfrm flipH="1">
-            <a:off x="4659892" y="3544311"/>
-            <a:ext cx="1" cy="3313689"/>
+          <a:xfrm>
+            <a:off x="4672222" y="3674508"/>
+            <a:ext cx="0" cy="3183139"/>
           </a:xfrm>
           <a:prstGeom prst="line">
             <a:avLst/>
@@ -23130,7 +23143,7 @@
         </p:nvCxnSpPr>
         <p:spPr>
           <a:xfrm>
-            <a:off x="7765407" y="3821909"/>
+            <a:off x="7841883" y="3821909"/>
             <a:ext cx="0" cy="2867331"/>
           </a:xfrm>
           <a:prstGeom prst="line">
@@ -23300,6 +23313,94 @@
           </a:fontRef>
         </p:style>
       </p:cxnSp>
+      <p:sp>
+        <p:nvSpPr>
+          <p:cNvPr id="50" name="CasellaDiTesto 49">
+            <a:extLst>
+              <a:ext uri="{FF2B5EF4-FFF2-40B4-BE49-F238E27FC236}">
+                <a16:creationId xmlns:a16="http://schemas.microsoft.com/office/drawing/2014/main" id="{561235FD-E0A1-4FD6-A3E3-1F0833472086}"/>
+              </a:ext>
+            </a:extLst>
+          </p:cNvPr>
+          <p:cNvSpPr txBox="1"/>
+          <p:nvPr/>
+        </p:nvSpPr>
+        <p:spPr>
+          <a:xfrm>
+            <a:off x="9065707" y="3486342"/>
+            <a:ext cx="2467342" cy="369332"/>
+          </a:xfrm>
+          <a:prstGeom prst="rect">
+            <a:avLst/>
+          </a:prstGeom>
+          <a:noFill/>
+        </p:spPr>
+        <p:txBody>
+          <a:bodyPr wrap="none" rtlCol="0">
+            <a:spAutoFit/>
+          </a:bodyPr>
+          <a:lstStyle/>
+          <a:p>
+            <a:r>
+              <a:rPr lang="it-IT" b="1" dirty="0">
+                <a:solidFill>
+                  <a:srgbClr val="2C3948"/>
+                </a:solidFill>
+                <a:highlight>
+                  <a:srgbClr val="FFFF00"/>
+                </a:highlight>
+              </a:rPr>
+              <a:t>Titolo-reparto (&lt;h2&gt;)</a:t>
+            </a:r>
+            <a:endParaRPr lang="it-IT" dirty="0">
+              <a:highlight>
+                <a:srgbClr val="FFFF00"/>
+              </a:highlight>
+            </a:endParaRPr>
+          </a:p>
+        </p:txBody>
+      </p:sp>
+      <p:cxnSp>
+        <p:nvCxnSpPr>
+          <p:cNvPr id="51" name="Connettore 2 50">
+            <a:extLst>
+              <a:ext uri="{FF2B5EF4-FFF2-40B4-BE49-F238E27FC236}">
+                <a16:creationId xmlns:a16="http://schemas.microsoft.com/office/drawing/2014/main" id="{A156DAD9-D007-4475-9F7F-56752B57A71A}"/>
+              </a:ext>
+            </a:extLst>
+          </p:cNvPr>
+          <p:cNvCxnSpPr>
+            <a:cxnSpLocks/>
+          </p:cNvCxnSpPr>
+          <p:nvPr/>
+        </p:nvCxnSpPr>
+        <p:spPr>
+          <a:xfrm flipH="1">
+            <a:off x="5546148" y="3671008"/>
+            <a:ext cx="3387593" cy="0"/>
+          </a:xfrm>
+          <a:prstGeom prst="straightConnector1">
+            <a:avLst/>
+          </a:prstGeom>
+          <a:ln>
+            <a:tailEnd type="triangle"/>
+          </a:ln>
+        </p:spPr>
+        <p:style>
+          <a:lnRef idx="1">
+            <a:schemeClr val="dk1"/>
+          </a:lnRef>
+          <a:fillRef idx="0">
+            <a:schemeClr val="dk1"/>
+          </a:fillRef>
+          <a:effectRef idx="0">
+            <a:schemeClr val="dk1"/>
+          </a:effectRef>
+          <a:fontRef idx="minor">
+            <a:schemeClr val="tx1"/>
+          </a:fontRef>
+        </p:style>
+      </p:cxnSp>
     </p:spTree>
     <p:extLst>
       <p:ext uri="{BB962C8B-B14F-4D97-AF65-F5344CB8AC3E}">
@@ -23367,80 +23468,6 @@
       </p:sp>
       <p:pic>
         <p:nvPicPr>
-          <p:cNvPr id="10" name="Segnaposto contenuto 9" descr="Immagine che contiene testo&#10;&#10;Descrizione generata automaticamente">
-            <a:extLst>
-              <a:ext uri="{FF2B5EF4-FFF2-40B4-BE49-F238E27FC236}">
-                <a16:creationId xmlns:a16="http://schemas.microsoft.com/office/drawing/2014/main" id="{769E895D-D3DF-404F-BBA6-FFA603D804DE}"/>
-              </a:ext>
-            </a:extLst>
-          </p:cNvPr>
-          <p:cNvPicPr>
-            <a:picLocks noGrp="1" noChangeAspect="1"/>
-          </p:cNvPicPr>
-          <p:nvPr>
-            <p:ph idx="1"/>
-          </p:nvPr>
-        </p:nvPicPr>
-        <p:blipFill>
-          <a:blip r:embed="rId2">
-            <a:extLst>
-              <a:ext uri="{28A0092B-C50C-407E-A947-70E740481C1C}">
-                <a14:useLocalDpi xmlns:a14="http://schemas.microsoft.com/office/drawing/2010/main" val="0"/>
-              </a:ext>
-            </a:extLst>
-          </a:blip>
-          <a:stretch>
-            <a:fillRect/>
-          </a:stretch>
-        </p:blipFill>
-        <p:spPr>
-          <a:xfrm>
-            <a:off x="5999502" y="1608852"/>
-            <a:ext cx="6192498" cy="2516108"/>
-          </a:xfrm>
-        </p:spPr>
-      </p:pic>
-      <p:sp>
-        <p:nvSpPr>
-          <p:cNvPr id="6" name="CasellaDiTesto 5">
-            <a:extLst>
-              <a:ext uri="{FF2B5EF4-FFF2-40B4-BE49-F238E27FC236}">
-                <a16:creationId xmlns:a16="http://schemas.microsoft.com/office/drawing/2014/main" id="{F3462613-4AA2-4627-A8C0-1D0EB1854841}"/>
-              </a:ext>
-            </a:extLst>
-          </p:cNvPr>
-          <p:cNvSpPr txBox="1"/>
-          <p:nvPr/>
-        </p:nvSpPr>
-        <p:spPr>
-          <a:xfrm>
-            <a:off x="11217945" y="1608852"/>
-            <a:ext cx="838691" cy="369332"/>
-          </a:xfrm>
-          <a:prstGeom prst="rect">
-            <a:avLst/>
-          </a:prstGeom>
-          <a:noFill/>
-        </p:spPr>
-        <p:txBody>
-          <a:bodyPr wrap="none" rtlCol="0">
-            <a:spAutoFit/>
-          </a:bodyPr>
-          <a:lstStyle/>
-          <a:p>
-            <a:r>
-              <a:rPr lang="it-IT" b="1" dirty="0">
-                <a:highlight>
-                  <a:srgbClr val="FFFF00"/>
-                </a:highlight>
-              </a:rPr>
-              <a:t>HTML</a:t>
-            </a:r>
-          </a:p>
-        </p:txBody>
-      </p:sp>
-      <p:pic>
-        <p:nvPicPr>
           <p:cNvPr id="12" name="Immagine 11">
             <a:extLst>
               <a:ext uri="{FF2B5EF4-FFF2-40B4-BE49-F238E27FC236}">
@@ -23454,7 +23481,7 @@
           <p:nvPr/>
         </p:nvPicPr>
         <p:blipFill>
-          <a:blip r:embed="rId3"/>
+          <a:blip r:embed="rId2"/>
           <a:stretch>
             <a:fillRect/>
           </a:stretch>
@@ -23484,7 +23511,7 @@
           <p:nvPr/>
         </p:nvPicPr>
         <p:blipFill>
-          <a:blip r:embed="rId4"/>
+          <a:blip r:embed="rId3"/>
           <a:stretch>
             <a:fillRect/>
           </a:stretch>
@@ -23640,6 +23667,80 @@
             <a:r>
               <a:rPr lang="it-IT" dirty="0"/>
               <a:t>.</a:t>
+            </a:r>
+          </a:p>
+        </p:txBody>
+      </p:sp>
+      <p:pic>
+        <p:nvPicPr>
+          <p:cNvPr id="9" name="Segnaposto contenuto 8">
+            <a:extLst>
+              <a:ext uri="{FF2B5EF4-FFF2-40B4-BE49-F238E27FC236}">
+                <a16:creationId xmlns:a16="http://schemas.microsoft.com/office/drawing/2014/main" id="{250FDAF5-7CB3-4912-8320-39B7E519D992}"/>
+              </a:ext>
+            </a:extLst>
+          </p:cNvPr>
+          <p:cNvPicPr>
+            <a:picLocks noGrp="1" noChangeAspect="1"/>
+          </p:cNvPicPr>
+          <p:nvPr>
+            <p:ph idx="1"/>
+          </p:nvPr>
+        </p:nvPicPr>
+        <p:blipFill>
+          <a:blip r:embed="rId4">
+            <a:extLst>
+              <a:ext uri="{28A0092B-C50C-407E-A947-70E740481C1C}">
+                <a14:useLocalDpi xmlns:a14="http://schemas.microsoft.com/office/drawing/2010/main" val="0"/>
+              </a:ext>
+            </a:extLst>
+          </a:blip>
+          <a:stretch>
+            <a:fillRect/>
+          </a:stretch>
+        </p:blipFill>
+        <p:spPr>
+          <a:xfrm>
+            <a:off x="5999502" y="1843175"/>
+            <a:ext cx="6105799" cy="1924492"/>
+          </a:xfrm>
+        </p:spPr>
+      </p:pic>
+      <p:sp>
+        <p:nvSpPr>
+          <p:cNvPr id="6" name="CasellaDiTesto 5">
+            <a:extLst>
+              <a:ext uri="{FF2B5EF4-FFF2-40B4-BE49-F238E27FC236}">
+                <a16:creationId xmlns:a16="http://schemas.microsoft.com/office/drawing/2014/main" id="{F3462613-4AA2-4627-A8C0-1D0EB1854841}"/>
+              </a:ext>
+            </a:extLst>
+          </p:cNvPr>
+          <p:cNvSpPr txBox="1"/>
+          <p:nvPr/>
+        </p:nvSpPr>
+        <p:spPr>
+          <a:xfrm>
+            <a:off x="11237485" y="1843175"/>
+            <a:ext cx="838691" cy="369332"/>
+          </a:xfrm>
+          <a:prstGeom prst="rect">
+            <a:avLst/>
+          </a:prstGeom>
+          <a:noFill/>
+        </p:spPr>
+        <p:txBody>
+          <a:bodyPr wrap="none" rtlCol="0">
+            <a:spAutoFit/>
+          </a:bodyPr>
+          <a:lstStyle/>
+          <a:p>
+            <a:r>
+              <a:rPr lang="it-IT" b="1" dirty="0">
+                <a:highlight>
+                  <a:srgbClr val="FFFF00"/>
+                </a:highlight>
+              </a:rPr>
+              <a:t>HTML</a:t>
             </a:r>
           </a:p>
         </p:txBody>
@@ -23942,6 +24043,36 @@
           <a:chExt cx="0" cy="0"/>
         </a:xfrm>
       </p:grpSpPr>
+      <p:pic>
+        <p:nvPicPr>
+          <p:cNvPr id="12" name="Immagine 11">
+            <a:extLst>
+              <a:ext uri="{FF2B5EF4-FFF2-40B4-BE49-F238E27FC236}">
+                <a16:creationId xmlns:a16="http://schemas.microsoft.com/office/drawing/2014/main" id="{B297BBB4-EF94-49DD-A52F-1BBE6E808419}"/>
+              </a:ext>
+            </a:extLst>
+          </p:cNvPr>
+          <p:cNvPicPr>
+            <a:picLocks noChangeAspect="1"/>
+          </p:cNvPicPr>
+          <p:nvPr/>
+        </p:nvPicPr>
+        <p:blipFill>
+          <a:blip r:embed="rId2"/>
+          <a:stretch>
+            <a:fillRect/>
+          </a:stretch>
+        </p:blipFill>
+        <p:spPr>
+          <a:xfrm>
+            <a:off x="265898" y="2167483"/>
+            <a:ext cx="3626837" cy="1899643"/>
+          </a:xfrm>
+          <a:prstGeom prst="rect">
+            <a:avLst/>
+          </a:prstGeom>
+        </p:spPr>
+      </p:pic>
       <p:sp>
         <p:nvSpPr>
           <p:cNvPr id="2" name="Titolo 1">
@@ -23966,46 +24097,17 @@
         </p:spPr>
         <p:txBody>
           <a:bodyPr>
-            <a:normAutofit fontScale="90000"/>
+            <a:normAutofit/>
           </a:bodyPr>
           <a:lstStyle/>
           <a:p>
             <a:r>
               <a:rPr lang="it-IT" dirty="0"/>
-              <a:t>Note sulla lista ‘contenuti’ di contents.js</a:t>
+              <a:t>La lista ‘contenuti’ di contents.js</a:t>
             </a:r>
           </a:p>
         </p:txBody>
       </p:sp>
-      <p:pic>
-        <p:nvPicPr>
-          <p:cNvPr id="5" name="Segnaposto contenuto 4">
-            <a:extLst>
-              <a:ext uri="{FF2B5EF4-FFF2-40B4-BE49-F238E27FC236}">
-                <a16:creationId xmlns:a16="http://schemas.microsoft.com/office/drawing/2014/main" id="{78CDC4A8-452E-439F-8F66-1C879F7118C3}"/>
-              </a:ext>
-            </a:extLst>
-          </p:cNvPr>
-          <p:cNvPicPr>
-            <a:picLocks noGrp="1" noChangeAspect="1"/>
-          </p:cNvPicPr>
-          <p:nvPr>
-            <p:ph idx="1"/>
-          </p:nvPr>
-        </p:nvPicPr>
-        <p:blipFill>
-          <a:blip r:embed="rId2"/>
-          <a:stretch>
-            <a:fillRect/>
-          </a:stretch>
-        </p:blipFill>
-        <p:spPr>
-          <a:xfrm>
-            <a:off x="420624" y="2236520"/>
-            <a:ext cx="5029200" cy="2114550"/>
-          </a:xfrm>
-        </p:spPr>
-      </p:pic>
       <p:sp>
         <p:nvSpPr>
           <p:cNvPr id="6" name="CasellaDiTesto 5">
@@ -24053,36 +24155,6 @@
           </a:p>
         </p:txBody>
       </p:sp>
-      <p:pic>
-        <p:nvPicPr>
-          <p:cNvPr id="8" name="Immagine 7">
-            <a:extLst>
-              <a:ext uri="{FF2B5EF4-FFF2-40B4-BE49-F238E27FC236}">
-                <a16:creationId xmlns:a16="http://schemas.microsoft.com/office/drawing/2014/main" id="{6BA2617E-E0D3-47E7-B6A6-1E062C9E07AF}"/>
-              </a:ext>
-            </a:extLst>
-          </p:cNvPr>
-          <p:cNvPicPr>
-            <a:picLocks noChangeAspect="1"/>
-          </p:cNvPicPr>
-          <p:nvPr/>
-        </p:nvPicPr>
-        <p:blipFill>
-          <a:blip r:embed="rId3"/>
-          <a:stretch>
-            <a:fillRect/>
-          </a:stretch>
-        </p:blipFill>
-        <p:spPr>
-          <a:xfrm>
-            <a:off x="420624" y="4896902"/>
-            <a:ext cx="5029200" cy="1859008"/>
-          </a:xfrm>
-          <a:prstGeom prst="rect">
-            <a:avLst/>
-          </a:prstGeom>
-        </p:spPr>
-      </p:pic>
       <p:sp>
         <p:nvSpPr>
           <p:cNvPr id="9" name="CasellaDiTesto 8">
@@ -24097,8 +24169,8 @@
         </p:nvSpPr>
         <p:spPr>
           <a:xfrm>
-            <a:off x="6199970" y="2011192"/>
-            <a:ext cx="1595309" cy="369332"/>
+            <a:off x="6036632" y="1712337"/>
+            <a:ext cx="2736647" cy="369332"/>
           </a:xfrm>
           <a:prstGeom prst="rect">
             <a:avLst/>
@@ -24117,7 +24189,7 @@
                   <a:srgbClr val="FFFF00"/>
                 </a:highlight>
               </a:rPr>
-              <a:t>Titolo-codice</a:t>
+              <a:t>Titolo-raggruppamento</a:t>
             </a:r>
           </a:p>
         </p:txBody>
@@ -24136,7 +24208,7 @@
         </p:nvSpPr>
         <p:spPr>
           <a:xfrm>
-            <a:off x="6199970" y="2752825"/>
+            <a:off x="4913037" y="2778973"/>
             <a:ext cx="1287532" cy="369332"/>
           </a:xfrm>
           <a:prstGeom prst="rect">
@@ -24217,8 +24289,8 @@
         </p:nvCxnSpPr>
         <p:spPr>
           <a:xfrm flipH="1">
-            <a:off x="2733575" y="2195858"/>
-            <a:ext cx="3466395" cy="556967"/>
+            <a:off x="2570238" y="1897003"/>
+            <a:ext cx="3466394" cy="556967"/>
           </a:xfrm>
           <a:prstGeom prst="straightConnector1">
             <a:avLst/>
@@ -24259,7 +24331,7 @@
         </p:nvCxnSpPr>
         <p:spPr>
           <a:xfrm flipH="1">
-            <a:off x="5449824" y="2937491"/>
+            <a:off x="4162891" y="2963639"/>
             <a:ext cx="750146" cy="0"/>
           </a:xfrm>
           <a:prstGeom prst="straightConnector1">
@@ -24371,6 +24443,36 @@
           </a:fontRef>
         </p:style>
       </p:cxnSp>
+      <p:pic>
+        <p:nvPicPr>
+          <p:cNvPr id="15" name="Immagine 14">
+            <a:extLst>
+              <a:ext uri="{FF2B5EF4-FFF2-40B4-BE49-F238E27FC236}">
+                <a16:creationId xmlns:a16="http://schemas.microsoft.com/office/drawing/2014/main" id="{5C04A682-C6A1-4A1B-A0BB-87F9260B1A56}"/>
+              </a:ext>
+            </a:extLst>
+          </p:cNvPr>
+          <p:cNvPicPr>
+            <a:picLocks noChangeAspect="1"/>
+          </p:cNvPicPr>
+          <p:nvPr/>
+        </p:nvPicPr>
+        <p:blipFill>
+          <a:blip r:embed="rId3"/>
+          <a:stretch>
+            <a:fillRect/>
+          </a:stretch>
+        </p:blipFill>
+        <p:spPr>
+          <a:xfrm>
+            <a:off x="171042" y="4848140"/>
+            <a:ext cx="4205987" cy="1812564"/>
+          </a:xfrm>
+          <a:prstGeom prst="rect">
+            <a:avLst/>
+          </a:prstGeom>
+        </p:spPr>
+      </p:pic>
     </p:spTree>
     <p:extLst>
       <p:ext uri="{BB962C8B-B14F-4D97-AF65-F5344CB8AC3E}">
@@ -25145,45 +25247,10 @@
       </p:sp>
       <p:pic>
         <p:nvPicPr>
-          <p:cNvPr id="5" name="Segnaposto contenuto 4">
-            <a:extLst>
-              <a:ext uri="{FF2B5EF4-FFF2-40B4-BE49-F238E27FC236}">
-                <a16:creationId xmlns:a16="http://schemas.microsoft.com/office/drawing/2014/main" id="{6BBB6597-3A97-4374-BDB0-BCDC42E673D9}"/>
-              </a:ext>
-            </a:extLst>
-          </p:cNvPr>
-          <p:cNvPicPr>
-            <a:picLocks noGrp="1" noChangeAspect="1"/>
-          </p:cNvPicPr>
-          <p:nvPr>
-            <p:ph idx="1"/>
-          </p:nvPr>
-        </p:nvPicPr>
-        <p:blipFill>
-          <a:blip r:embed="rId3">
-            <a:extLst>
-              <a:ext uri="{28A0092B-C50C-407E-A947-70E740481C1C}">
-                <a14:useLocalDpi xmlns:a14="http://schemas.microsoft.com/office/drawing/2010/main" val="0"/>
-              </a:ext>
-            </a:extLst>
-          </a:blip>
-          <a:stretch>
-            <a:fillRect/>
-          </a:stretch>
-        </p:blipFill>
-        <p:spPr>
-          <a:xfrm>
-            <a:off x="0" y="1414203"/>
-            <a:ext cx="5611800" cy="3025717"/>
-          </a:xfrm>
-        </p:spPr>
-      </p:pic>
-      <p:pic>
-        <p:nvPicPr>
-          <p:cNvPr id="9" name="Immagine 8">
-            <a:extLst>
-              <a:ext uri="{FF2B5EF4-FFF2-40B4-BE49-F238E27FC236}">
-                <a16:creationId xmlns:a16="http://schemas.microsoft.com/office/drawing/2014/main" id="{BBC83637-74E9-4171-B6B4-D7D3B03F10BC}"/>
+          <p:cNvPr id="11" name="Immagine 10">
+            <a:extLst>
+              <a:ext uri="{FF2B5EF4-FFF2-40B4-BE49-F238E27FC236}">
+                <a16:creationId xmlns:a16="http://schemas.microsoft.com/office/drawing/2014/main" id="{20B02F03-6801-45CA-B2E5-C15B6DC26778}"/>
               </a:ext>
             </a:extLst>
           </p:cNvPr>
@@ -25193,37 +25260,7 @@
           <p:nvPr/>
         </p:nvPicPr>
         <p:blipFill>
-          <a:blip r:embed="rId4"/>
-          <a:stretch>
-            <a:fillRect/>
-          </a:stretch>
-        </p:blipFill>
-        <p:spPr>
-          <a:xfrm>
-            <a:off x="6003876" y="1414203"/>
-            <a:ext cx="5767500" cy="3062671"/>
-          </a:xfrm>
-          <a:prstGeom prst="rect">
-            <a:avLst/>
-          </a:prstGeom>
-        </p:spPr>
-      </p:pic>
-      <p:pic>
-        <p:nvPicPr>
-          <p:cNvPr id="11" name="Immagine 10">
-            <a:extLst>
-              <a:ext uri="{FF2B5EF4-FFF2-40B4-BE49-F238E27FC236}">
-                <a16:creationId xmlns:a16="http://schemas.microsoft.com/office/drawing/2014/main" id="{20B02F03-6801-45CA-B2E5-C15B6DC26778}"/>
-              </a:ext>
-            </a:extLst>
-          </p:cNvPr>
-          <p:cNvPicPr>
-            <a:picLocks noChangeAspect="1"/>
-          </p:cNvPicPr>
-          <p:nvPr/>
-        </p:nvPicPr>
-        <p:blipFill>
-          <a:blip r:embed="rId5"/>
+          <a:blip r:embed="rId3"/>
           <a:stretch>
             <a:fillRect/>
           </a:stretch>
@@ -25308,7 +25345,7 @@
           <p:nvPr/>
         </p:nvPicPr>
         <p:blipFill>
-          <a:blip r:embed="rId6"/>
+          <a:blip r:embed="rId4"/>
           <a:stretch>
             <a:fillRect/>
           </a:stretch>
@@ -25542,6 +25579,114 @@
           </a:p>
         </p:txBody>
       </p:sp>
+      <p:sp>
+        <p:nvSpPr>
+          <p:cNvPr id="16" name="CasellaDiTesto 15">
+            <a:extLst>
+              <a:ext uri="{FF2B5EF4-FFF2-40B4-BE49-F238E27FC236}">
+                <a16:creationId xmlns:a16="http://schemas.microsoft.com/office/drawing/2014/main" id="{5A5473FE-F851-45DA-A8D6-04FA0549929A}"/>
+              </a:ext>
+            </a:extLst>
+          </p:cNvPr>
+          <p:cNvSpPr txBox="1"/>
+          <p:nvPr/>
+        </p:nvSpPr>
+        <p:spPr>
+          <a:xfrm>
+            <a:off x="8048935" y="4723612"/>
+            <a:ext cx="838691" cy="369332"/>
+          </a:xfrm>
+          <a:prstGeom prst="rect">
+            <a:avLst/>
+          </a:prstGeom>
+          <a:noFill/>
+        </p:spPr>
+        <p:txBody>
+          <a:bodyPr wrap="none" rtlCol="0">
+            <a:spAutoFit/>
+          </a:bodyPr>
+          <a:lstStyle/>
+          <a:p>
+            <a:r>
+              <a:rPr lang="it-IT" b="1" dirty="0">
+                <a:highlight>
+                  <a:srgbClr val="FFFF00"/>
+                </a:highlight>
+              </a:rPr>
+              <a:t>HTML</a:t>
+            </a:r>
+          </a:p>
+        </p:txBody>
+      </p:sp>
+      <p:sp>
+        <p:nvSpPr>
+          <p:cNvPr id="19" name="CasellaDiTesto 18">
+            <a:extLst>
+              <a:ext uri="{FF2B5EF4-FFF2-40B4-BE49-F238E27FC236}">
+                <a16:creationId xmlns:a16="http://schemas.microsoft.com/office/drawing/2014/main" id="{FA7D405D-D861-487E-9AAB-641F6DD22DAC}"/>
+              </a:ext>
+            </a:extLst>
+          </p:cNvPr>
+          <p:cNvSpPr txBox="1"/>
+          <p:nvPr/>
+        </p:nvSpPr>
+        <p:spPr>
+          <a:xfrm>
+            <a:off x="3871227" y="4604533"/>
+            <a:ext cx="838691" cy="369332"/>
+          </a:xfrm>
+          <a:prstGeom prst="rect">
+            <a:avLst/>
+          </a:prstGeom>
+          <a:noFill/>
+        </p:spPr>
+        <p:txBody>
+          <a:bodyPr wrap="none" rtlCol="0">
+            <a:spAutoFit/>
+          </a:bodyPr>
+          <a:lstStyle/>
+          <a:p>
+            <a:r>
+              <a:rPr lang="it-IT" b="1" dirty="0">
+                <a:highlight>
+                  <a:srgbClr val="FFFF00"/>
+                </a:highlight>
+              </a:rPr>
+              <a:t>HTML</a:t>
+            </a:r>
+          </a:p>
+        </p:txBody>
+      </p:sp>
+      <p:pic>
+        <p:nvPicPr>
+          <p:cNvPr id="22" name="Immagine 21">
+            <a:extLst>
+              <a:ext uri="{FF2B5EF4-FFF2-40B4-BE49-F238E27FC236}">
+                <a16:creationId xmlns:a16="http://schemas.microsoft.com/office/drawing/2014/main" id="{5B064CDC-FC7A-40D4-A4CF-2AA5B1F73686}"/>
+              </a:ext>
+            </a:extLst>
+          </p:cNvPr>
+          <p:cNvPicPr>
+            <a:picLocks noChangeAspect="1"/>
+          </p:cNvPicPr>
+          <p:nvPr/>
+        </p:nvPicPr>
+        <p:blipFill>
+          <a:blip r:embed="rId5"/>
+          <a:stretch>
+            <a:fillRect/>
+          </a:stretch>
+        </p:blipFill>
+        <p:spPr>
+          <a:xfrm>
+            <a:off x="1" y="1272241"/>
+            <a:ext cx="5804033" cy="3147626"/>
+          </a:xfrm>
+          <a:prstGeom prst="rect">
+            <a:avLst/>
+          </a:prstGeom>
+        </p:spPr>
+      </p:pic>
       <p:cxnSp>
         <p:nvCxnSpPr>
           <p:cNvPr id="26" name="Connettore 2 25">
@@ -25554,14 +25699,13 @@
           <p:cNvCxnSpPr>
             <a:cxnSpLocks/>
             <a:stCxn id="24" idx="2"/>
-            <a:endCxn id="5" idx="0"/>
           </p:cNvCxnSpPr>
           <p:nvPr/>
         </p:nvCxnSpPr>
         <p:spPr>
           <a:xfrm flipH="1">
-            <a:off x="2805900" y="818381"/>
-            <a:ext cx="1977141" cy="595822"/>
+            <a:off x="2906829" y="818381"/>
+            <a:ext cx="1876212" cy="1178204"/>
           </a:xfrm>
           <a:prstGeom prst="straightConnector1">
             <a:avLst/>
@@ -25585,6 +25729,36 @@
           </a:fontRef>
         </p:style>
       </p:cxnSp>
+      <p:pic>
+        <p:nvPicPr>
+          <p:cNvPr id="29" name="Immagine 28">
+            <a:extLst>
+              <a:ext uri="{FF2B5EF4-FFF2-40B4-BE49-F238E27FC236}">
+                <a16:creationId xmlns:a16="http://schemas.microsoft.com/office/drawing/2014/main" id="{2E60CA52-1E41-4D9F-9630-B7E9A2FF0AE4}"/>
+              </a:ext>
+            </a:extLst>
+          </p:cNvPr>
+          <p:cNvPicPr>
+            <a:picLocks noChangeAspect="1"/>
+          </p:cNvPicPr>
+          <p:nvPr/>
+        </p:nvPicPr>
+        <p:blipFill>
+          <a:blip r:embed="rId6"/>
+          <a:stretch>
+            <a:fillRect/>
+          </a:stretch>
+        </p:blipFill>
+        <p:spPr>
+          <a:xfrm>
+            <a:off x="5775158" y="1272241"/>
+            <a:ext cx="6416841" cy="3194670"/>
+          </a:xfrm>
+          <a:prstGeom prst="rect">
+            <a:avLst/>
+          </a:prstGeom>
+        </p:spPr>
+      </p:pic>
       <p:cxnSp>
         <p:nvCxnSpPr>
           <p:cNvPr id="30" name="Connettore 2 29">
@@ -25597,7 +25771,6 @@
           <p:cNvCxnSpPr>
             <a:cxnSpLocks/>
             <a:stCxn id="25" idx="2"/>
-            <a:endCxn id="9" idx="0"/>
           </p:cNvCxnSpPr>
           <p:nvPr/>
         </p:nvCxnSpPr>
@@ -25628,84 +25801,6 @@
           </a:fontRef>
         </p:style>
       </p:cxnSp>
-      <p:sp>
-        <p:nvSpPr>
-          <p:cNvPr id="16" name="CasellaDiTesto 15">
-            <a:extLst>
-              <a:ext uri="{FF2B5EF4-FFF2-40B4-BE49-F238E27FC236}">
-                <a16:creationId xmlns:a16="http://schemas.microsoft.com/office/drawing/2014/main" id="{5A5473FE-F851-45DA-A8D6-04FA0549929A}"/>
-              </a:ext>
-            </a:extLst>
-          </p:cNvPr>
-          <p:cNvSpPr txBox="1"/>
-          <p:nvPr/>
-        </p:nvSpPr>
-        <p:spPr>
-          <a:xfrm>
-            <a:off x="8048935" y="4723612"/>
-            <a:ext cx="838691" cy="369332"/>
-          </a:xfrm>
-          <a:prstGeom prst="rect">
-            <a:avLst/>
-          </a:prstGeom>
-          <a:noFill/>
-        </p:spPr>
-        <p:txBody>
-          <a:bodyPr wrap="none" rtlCol="0">
-            <a:spAutoFit/>
-          </a:bodyPr>
-          <a:lstStyle/>
-          <a:p>
-            <a:r>
-              <a:rPr lang="it-IT" b="1" dirty="0">
-                <a:highlight>
-                  <a:srgbClr val="FFFF00"/>
-                </a:highlight>
-              </a:rPr>
-              <a:t>HTML</a:t>
-            </a:r>
-          </a:p>
-        </p:txBody>
-      </p:sp>
-      <p:sp>
-        <p:nvSpPr>
-          <p:cNvPr id="19" name="CasellaDiTesto 18">
-            <a:extLst>
-              <a:ext uri="{FF2B5EF4-FFF2-40B4-BE49-F238E27FC236}">
-                <a16:creationId xmlns:a16="http://schemas.microsoft.com/office/drawing/2014/main" id="{FA7D405D-D861-487E-9AAB-641F6DD22DAC}"/>
-              </a:ext>
-            </a:extLst>
-          </p:cNvPr>
-          <p:cNvSpPr txBox="1"/>
-          <p:nvPr/>
-        </p:nvSpPr>
-        <p:spPr>
-          <a:xfrm>
-            <a:off x="3871227" y="4604533"/>
-            <a:ext cx="838691" cy="369332"/>
-          </a:xfrm>
-          <a:prstGeom prst="rect">
-            <a:avLst/>
-          </a:prstGeom>
-          <a:noFill/>
-        </p:spPr>
-        <p:txBody>
-          <a:bodyPr wrap="none" rtlCol="0">
-            <a:spAutoFit/>
-          </a:bodyPr>
-          <a:lstStyle/>
-          <a:p>
-            <a:r>
-              <a:rPr lang="it-IT" b="1" dirty="0">
-                <a:highlight>
-                  <a:srgbClr val="FFFF00"/>
-                </a:highlight>
-              </a:rPr>
-              <a:t>HTML</a:t>
-            </a:r>
-          </a:p>
-        </p:txBody>
-      </p:sp>
     </p:spTree>
     <p:extLst>
       <p:ext uri="{BB962C8B-B14F-4D97-AF65-F5344CB8AC3E}">
@@ -25738,37 +25833,32 @@
       </p:grpSpPr>
       <p:pic>
         <p:nvPicPr>
-          <p:cNvPr id="42" name="Segnaposto contenuto 41">
-            <a:extLst>
-              <a:ext uri="{FF2B5EF4-FFF2-40B4-BE49-F238E27FC236}">
-                <a16:creationId xmlns:a16="http://schemas.microsoft.com/office/drawing/2014/main" id="{723A95BE-CABB-4EB0-9746-16D8B3E096FC}"/>
+          <p:cNvPr id="25" name="Immagine 24">
+            <a:extLst>
+              <a:ext uri="{FF2B5EF4-FFF2-40B4-BE49-F238E27FC236}">
+                <a16:creationId xmlns:a16="http://schemas.microsoft.com/office/drawing/2014/main" id="{391BC604-CFFE-4275-B9E8-C76AB6CFB1F4}"/>
               </a:ext>
             </a:extLst>
           </p:cNvPr>
           <p:cNvPicPr>
-            <a:picLocks noGrp="1" noChangeAspect="1"/>
+            <a:picLocks noChangeAspect="1"/>
           </p:cNvPicPr>
-          <p:nvPr>
-            <p:ph idx="1"/>
-          </p:nvPr>
+          <p:nvPr/>
         </p:nvPicPr>
         <p:blipFill>
-          <a:blip r:embed="rId2">
-            <a:extLst>
-              <a:ext uri="{28A0092B-C50C-407E-A947-70E740481C1C}">
-                <a14:useLocalDpi xmlns:a14="http://schemas.microsoft.com/office/drawing/2010/main" val="0"/>
-              </a:ext>
-            </a:extLst>
-          </a:blip>
+          <a:blip r:embed="rId2"/>
           <a:stretch>
             <a:fillRect/>
           </a:stretch>
         </p:blipFill>
         <p:spPr>
           <a:xfrm>
-            <a:off x="312643" y="720027"/>
-            <a:ext cx="11370616" cy="6137973"/>
+            <a:off x="0" y="10893"/>
+            <a:ext cx="12192000" cy="6836211"/>
           </a:xfrm>
+          <a:prstGeom prst="rect">
+            <a:avLst/>
+          </a:prstGeom>
         </p:spPr>
       </p:pic>
       <p:cxnSp>
@@ -25788,7 +25878,7 @@
         </p:nvCxnSpPr>
         <p:spPr>
           <a:xfrm>
-            <a:off x="6260806" y="1549105"/>
+            <a:off x="6231931" y="1201070"/>
             <a:ext cx="772723" cy="1370089"/>
           </a:xfrm>
           <a:prstGeom prst="straightConnector1">
@@ -25911,7 +26001,7 @@
         </p:nvSpPr>
         <p:spPr>
           <a:xfrm>
-            <a:off x="3651758" y="1179773"/>
+            <a:off x="3622883" y="831738"/>
             <a:ext cx="5218095" cy="369332"/>
           </a:xfrm>
           <a:prstGeom prst="rect">
@@ -26271,7 +26361,7 @@
         <p:spPr>
           <a:xfrm>
             <a:off x="5503330" y="4837814"/>
-            <a:ext cx="3005951" cy="307777"/>
+            <a:ext cx="2480166" cy="307777"/>
           </a:xfrm>
           <a:prstGeom prst="rect">
             <a:avLst/>
@@ -26290,7 +26380,7 @@
                   <a:srgbClr val="FFFF00"/>
                 </a:highlight>
               </a:rPr>
-              <a:t>Titolo-codice dell’oggetto ( &lt;h3&gt;)</a:t>
+              <a:t>Codice dell’oggetto ( &lt;h3&gt;)</a:t>
             </a:r>
           </a:p>
         </p:txBody>
@@ -26312,8 +26402,8 @@
         </p:nvCxnSpPr>
         <p:spPr>
           <a:xfrm>
-            <a:off x="7006306" y="5145591"/>
-            <a:ext cx="194253" cy="320859"/>
+            <a:off x="6743413" y="5145591"/>
+            <a:ext cx="457146" cy="320859"/>
           </a:xfrm>
           <a:prstGeom prst="straightConnector1">
             <a:avLst/>
@@ -26339,10 +26429,10 @@
       </p:cxnSp>
       <p:sp>
         <p:nvSpPr>
-          <p:cNvPr id="15" name="CasellaDiTesto 14">
-            <a:extLst>
-              <a:ext uri="{FF2B5EF4-FFF2-40B4-BE49-F238E27FC236}">
-                <a16:creationId xmlns:a16="http://schemas.microsoft.com/office/drawing/2014/main" id="{659C2674-E118-4776-B29C-FC96CE9A254E}"/>
+          <p:cNvPr id="17" name="CasellaDiTesto 16">
+            <a:extLst>
+              <a:ext uri="{FF2B5EF4-FFF2-40B4-BE49-F238E27FC236}">
+                <a16:creationId xmlns:a16="http://schemas.microsoft.com/office/drawing/2014/main" id="{427BB7FC-71C3-4511-8E40-15057CBFDA42}"/>
               </a:ext>
             </a:extLst>
           </p:cNvPr>
@@ -26351,98 +26441,7 @@
         </p:nvSpPr>
         <p:spPr>
           <a:xfrm>
-            <a:off x="62736" y="3121222"/>
-            <a:ext cx="1385316" cy="307777"/>
-          </a:xfrm>
-          <a:prstGeom prst="rect">
-            <a:avLst/>
-          </a:prstGeom>
-          <a:noFill/>
-        </p:spPr>
-        <p:txBody>
-          <a:bodyPr wrap="none" rtlCol="0">
-            <a:spAutoFit/>
-          </a:bodyPr>
-          <a:lstStyle/>
-          <a:p>
-            <a:r>
-              <a:rPr lang="it-IT" sz="1400" b="1" dirty="0" err="1">
-                <a:highlight>
-                  <a:srgbClr val="FFFF00"/>
-                </a:highlight>
-              </a:rPr>
-              <a:t>Padding</a:t>
-            </a:r>
-            <a:r>
-              <a:rPr lang="it-IT" sz="1400" b="1" dirty="0">
-                <a:highlight>
-                  <a:srgbClr val="FFFF00"/>
-                </a:highlight>
-              </a:rPr>
-              <a:t>: 10px</a:t>
-            </a:r>
-          </a:p>
-        </p:txBody>
-      </p:sp>
-      <p:sp>
-        <p:nvSpPr>
-          <p:cNvPr id="16" name="Parentesi graffa chiusa 15">
-            <a:extLst>
-              <a:ext uri="{FF2B5EF4-FFF2-40B4-BE49-F238E27FC236}">
-                <a16:creationId xmlns:a16="http://schemas.microsoft.com/office/drawing/2014/main" id="{4199EEEB-4C81-46A2-BE05-525DA12C5CAC}"/>
-              </a:ext>
-            </a:extLst>
-          </p:cNvPr>
-          <p:cNvSpPr/>
-          <p:nvPr/>
-        </p:nvSpPr>
-        <p:spPr>
-          <a:xfrm rot="16200000">
-            <a:off x="643068" y="3408416"/>
-            <a:ext cx="91742" cy="132909"/>
-          </a:xfrm>
-          <a:prstGeom prst="rightBrace">
-            <a:avLst/>
-          </a:prstGeom>
-        </p:spPr>
-        <p:style>
-          <a:lnRef idx="1">
-            <a:schemeClr val="dk1"/>
-          </a:lnRef>
-          <a:fillRef idx="0">
-            <a:schemeClr val="dk1"/>
-          </a:fillRef>
-          <a:effectRef idx="0">
-            <a:schemeClr val="dk1"/>
-          </a:effectRef>
-          <a:fontRef idx="minor">
-            <a:schemeClr val="tx1"/>
-          </a:fontRef>
-        </p:style>
-        <p:txBody>
-          <a:bodyPr rtlCol="0" anchor="ctr"/>
-          <a:lstStyle/>
-          <a:p>
-            <a:pPr algn="ctr"/>
-            <a:endParaRPr lang="it-IT"/>
-          </a:p>
-        </p:txBody>
-      </p:sp>
-      <p:sp>
-        <p:nvSpPr>
-          <p:cNvPr id="17" name="CasellaDiTesto 16">
-            <a:extLst>
-              <a:ext uri="{FF2B5EF4-FFF2-40B4-BE49-F238E27FC236}">
-                <a16:creationId xmlns:a16="http://schemas.microsoft.com/office/drawing/2014/main" id="{427BB7FC-71C3-4511-8E40-15057CBFDA42}"/>
-              </a:ext>
-            </a:extLst>
-          </p:cNvPr>
-          <p:cNvSpPr txBox="1"/>
-          <p:nvPr/>
-        </p:nvSpPr>
-        <p:spPr>
-          <a:xfrm>
-            <a:off x="62736" y="3883706"/>
+            <a:off x="-3719" y="3833016"/>
             <a:ext cx="1199367" cy="307777"/>
           </a:xfrm>
           <a:prstGeom prst="rect">
@@ -26492,7 +26491,7 @@
         </p:nvCxnSpPr>
         <p:spPr>
           <a:xfrm flipH="1">
-            <a:off x="622486" y="4191483"/>
+            <a:off x="556031" y="4140793"/>
             <a:ext cx="39934" cy="943931"/>
           </a:xfrm>
           <a:prstGeom prst="straightConnector1">
@@ -26517,6 +26516,178 @@
           </a:fontRef>
         </p:style>
       </p:cxnSp>
+      <p:sp>
+        <p:nvSpPr>
+          <p:cNvPr id="27" name="CasellaDiTesto 26">
+            <a:extLst>
+              <a:ext uri="{FF2B5EF4-FFF2-40B4-BE49-F238E27FC236}">
+                <a16:creationId xmlns:a16="http://schemas.microsoft.com/office/drawing/2014/main" id="{BA9FE56C-9E78-48E7-AB58-1478F8E6959F}"/>
+              </a:ext>
+            </a:extLst>
+          </p:cNvPr>
+          <p:cNvSpPr txBox="1"/>
+          <p:nvPr/>
+        </p:nvSpPr>
+        <p:spPr>
+          <a:xfrm>
+            <a:off x="-3719" y="2629959"/>
+            <a:ext cx="1385316" cy="307777"/>
+          </a:xfrm>
+          <a:prstGeom prst="rect">
+            <a:avLst/>
+          </a:prstGeom>
+          <a:noFill/>
+        </p:spPr>
+        <p:txBody>
+          <a:bodyPr wrap="none" rtlCol="0">
+            <a:spAutoFit/>
+          </a:bodyPr>
+          <a:lstStyle/>
+          <a:p>
+            <a:r>
+              <a:rPr lang="it-IT" sz="1400" b="1" dirty="0" err="1">
+                <a:highlight>
+                  <a:srgbClr val="FFFF00"/>
+                </a:highlight>
+              </a:rPr>
+              <a:t>Padding</a:t>
+            </a:r>
+            <a:r>
+              <a:rPr lang="it-IT" sz="1400" b="1" dirty="0">
+                <a:highlight>
+                  <a:srgbClr val="FFFF00"/>
+                </a:highlight>
+              </a:rPr>
+              <a:t>: 10px</a:t>
+            </a:r>
+          </a:p>
+        </p:txBody>
+      </p:sp>
+      <p:sp>
+        <p:nvSpPr>
+          <p:cNvPr id="30" name="Parentesi graffa chiusa 29">
+            <a:extLst>
+              <a:ext uri="{FF2B5EF4-FFF2-40B4-BE49-F238E27FC236}">
+                <a16:creationId xmlns:a16="http://schemas.microsoft.com/office/drawing/2014/main" id="{3569C73C-D973-4767-A578-2CC77A12C17D}"/>
+              </a:ext>
+            </a:extLst>
+          </p:cNvPr>
+          <p:cNvSpPr/>
+          <p:nvPr/>
+        </p:nvSpPr>
+        <p:spPr>
+          <a:xfrm rot="16200000">
+            <a:off x="576613" y="2917153"/>
+            <a:ext cx="91742" cy="132909"/>
+          </a:xfrm>
+          <a:prstGeom prst="rightBrace">
+            <a:avLst/>
+          </a:prstGeom>
+        </p:spPr>
+        <p:style>
+          <a:lnRef idx="1">
+            <a:schemeClr val="dk1"/>
+          </a:lnRef>
+          <a:fillRef idx="0">
+            <a:schemeClr val="dk1"/>
+          </a:fillRef>
+          <a:effectRef idx="0">
+            <a:schemeClr val="dk1"/>
+          </a:effectRef>
+          <a:fontRef idx="minor">
+            <a:schemeClr val="tx1"/>
+          </a:fontRef>
+        </p:style>
+        <p:txBody>
+          <a:bodyPr rtlCol="0" anchor="ctr"/>
+          <a:lstStyle/>
+          <a:p>
+            <a:pPr algn="ctr"/>
+            <a:endParaRPr lang="it-IT"/>
+          </a:p>
+        </p:txBody>
+      </p:sp>
+      <p:cxnSp>
+        <p:nvCxnSpPr>
+          <p:cNvPr id="34" name="Connettore 2 33">
+            <a:extLst>
+              <a:ext uri="{FF2B5EF4-FFF2-40B4-BE49-F238E27FC236}">
+                <a16:creationId xmlns:a16="http://schemas.microsoft.com/office/drawing/2014/main" id="{475A93F6-B976-4FCF-8731-A24DBF4184FA}"/>
+              </a:ext>
+            </a:extLst>
+          </p:cNvPr>
+          <p:cNvCxnSpPr>
+            <a:cxnSpLocks/>
+            <a:stCxn id="35" idx="2"/>
+          </p:cNvCxnSpPr>
+          <p:nvPr/>
+        </p:nvCxnSpPr>
+        <p:spPr>
+          <a:xfrm>
+            <a:off x="4031156" y="2178915"/>
+            <a:ext cx="231398" cy="604932"/>
+          </a:xfrm>
+          <a:prstGeom prst="straightConnector1">
+            <a:avLst/>
+          </a:prstGeom>
+          <a:ln>
+            <a:tailEnd type="triangle"/>
+          </a:ln>
+        </p:spPr>
+        <p:style>
+          <a:lnRef idx="1">
+            <a:schemeClr val="dk1"/>
+          </a:lnRef>
+          <a:fillRef idx="0">
+            <a:schemeClr val="dk1"/>
+          </a:fillRef>
+          <a:effectRef idx="0">
+            <a:schemeClr val="dk1"/>
+          </a:effectRef>
+          <a:fontRef idx="minor">
+            <a:schemeClr val="tx1"/>
+          </a:fontRef>
+        </p:style>
+      </p:cxnSp>
+      <p:sp>
+        <p:nvSpPr>
+          <p:cNvPr id="35" name="CasellaDiTesto 34">
+            <a:extLst>
+              <a:ext uri="{FF2B5EF4-FFF2-40B4-BE49-F238E27FC236}">
+                <a16:creationId xmlns:a16="http://schemas.microsoft.com/office/drawing/2014/main" id="{9534FD5E-37D9-4019-AB4E-445602772888}"/>
+              </a:ext>
+            </a:extLst>
+          </p:cNvPr>
+          <p:cNvSpPr txBox="1"/>
+          <p:nvPr/>
+        </p:nvSpPr>
+        <p:spPr>
+          <a:xfrm>
+            <a:off x="2784661" y="1809583"/>
+            <a:ext cx="2492990" cy="369332"/>
+          </a:xfrm>
+          <a:prstGeom prst="rect">
+            <a:avLst/>
+          </a:prstGeom>
+          <a:noFill/>
+        </p:spPr>
+        <p:txBody>
+          <a:bodyPr wrap="none" rtlCol="0">
+            <a:spAutoFit/>
+          </a:bodyPr>
+          <a:lstStyle/>
+          <a:p>
+            <a:r>
+              <a:rPr lang="it-IT" b="1" dirty="0">
+                <a:highlight>
+                  <a:srgbClr val="FFFF00"/>
+                </a:highlight>
+              </a:rPr>
+              <a:t>Titolo-sezione (&lt;h2&gt;)</a:t>
+            </a:r>
+          </a:p>
+        </p:txBody>
+      </p:sp>
     </p:spTree>
     <p:extLst>
       <p:ext uri="{BB962C8B-B14F-4D97-AF65-F5344CB8AC3E}">
@@ -26577,35 +26748,6 @@
       </p:sp>
       <p:pic>
         <p:nvPicPr>
-          <p:cNvPr id="5" name="Segnaposto contenuto 4">
-            <a:extLst>
-              <a:ext uri="{FF2B5EF4-FFF2-40B4-BE49-F238E27FC236}">
-                <a16:creationId xmlns:a16="http://schemas.microsoft.com/office/drawing/2014/main" id="{7D7FDBD0-8905-4DC6-8BF1-57B0C235ACE6}"/>
-              </a:ext>
-            </a:extLst>
-          </p:cNvPr>
-          <p:cNvPicPr>
-            <a:picLocks noGrp="1" noChangeAspect="1"/>
-          </p:cNvPicPr>
-          <p:nvPr>
-            <p:ph idx="1"/>
-          </p:nvPr>
-        </p:nvPicPr>
-        <p:blipFill>
-          <a:blip r:embed="rId2"/>
-          <a:stretch>
-            <a:fillRect/>
-          </a:stretch>
-        </p:blipFill>
-        <p:spPr>
-          <a:xfrm>
-            <a:off x="562953" y="3530374"/>
-            <a:ext cx="4211066" cy="2230549"/>
-          </a:xfrm>
-        </p:spPr>
-      </p:pic>
-      <p:pic>
-        <p:nvPicPr>
           <p:cNvPr id="7" name="Immagine 6">
             <a:extLst>
               <a:ext uri="{FF2B5EF4-FFF2-40B4-BE49-F238E27FC236}">
@@ -26619,7 +26761,7 @@
           <p:nvPr/>
         </p:nvPicPr>
         <p:blipFill>
-          <a:blip r:embed="rId3"/>
+          <a:blip r:embed="rId2"/>
           <a:stretch>
             <a:fillRect/>
           </a:stretch>
@@ -26649,7 +26791,7 @@
           <p:nvPr/>
         </p:nvPicPr>
         <p:blipFill>
-          <a:blip r:embed="rId4"/>
+          <a:blip r:embed="rId3"/>
           <a:stretch>
             <a:fillRect/>
           </a:stretch>
@@ -26784,10 +26926,10 @@
       </p:sp>
       <p:sp>
         <p:nvSpPr>
-          <p:cNvPr id="12" name="CasellaDiTesto 11">
-            <a:extLst>
-              <a:ext uri="{FF2B5EF4-FFF2-40B4-BE49-F238E27FC236}">
-                <a16:creationId xmlns:a16="http://schemas.microsoft.com/office/drawing/2014/main" id="{F9B74A19-FE2C-4F5E-81D6-90A7C0408EE8}"/>
+          <p:cNvPr id="13" name="CasellaDiTesto 12">
+            <a:extLst>
+              <a:ext uri="{FF2B5EF4-FFF2-40B4-BE49-F238E27FC236}">
+                <a16:creationId xmlns:a16="http://schemas.microsoft.com/office/drawing/2014/main" id="{B14FD445-23E2-4B3B-BEA8-F9C55425400D}"/>
               </a:ext>
             </a:extLst>
           </p:cNvPr>
@@ -26796,7 +26938,145 @@
         </p:nvSpPr>
         <p:spPr>
           <a:xfrm>
-            <a:off x="3987450" y="3592884"/>
+            <a:off x="420624" y="1417630"/>
+            <a:ext cx="7383674" cy="2031325"/>
+          </a:xfrm>
+          <a:prstGeom prst="rect">
+            <a:avLst/>
+          </a:prstGeom>
+          <a:noFill/>
+        </p:spPr>
+        <p:txBody>
+          <a:bodyPr wrap="square" rtlCol="0">
+            <a:spAutoFit/>
+          </a:bodyPr>
+          <a:lstStyle/>
+          <a:p>
+            <a:r>
+              <a:rPr lang="it-IT" dirty="0"/>
+              <a:t>In sintesi un oggetto si compone di 5 parti:</a:t>
+            </a:r>
+          </a:p>
+          <a:p>
+            <a:endParaRPr lang="it-IT" dirty="0"/>
+          </a:p>
+          <a:p>
+            <a:pPr marL="342900" indent="-342900">
+              <a:buFont typeface="+mj-lt"/>
+              <a:buAutoNum type="arabicPeriod"/>
+            </a:pPr>
+            <a:r>
+              <a:rPr lang="it-IT" b="1" dirty="0">
+                <a:solidFill>
+                  <a:srgbClr val="0070C0"/>
+                </a:solidFill>
+              </a:rPr>
+              <a:t>Contrassegno preferiti</a:t>
+            </a:r>
+          </a:p>
+          <a:p>
+            <a:pPr marL="342900" indent="-342900">
+              <a:buFont typeface="+mj-lt"/>
+              <a:buAutoNum type="arabicPeriod"/>
+            </a:pPr>
+            <a:r>
+              <a:rPr lang="it-IT" b="1" dirty="0">
+                <a:solidFill>
+                  <a:srgbClr val="7030A0"/>
+                </a:solidFill>
+              </a:rPr>
+              <a:t>Titolo-raggruppamento</a:t>
+            </a:r>
+          </a:p>
+          <a:p>
+            <a:pPr marL="342900" indent="-342900">
+              <a:buFont typeface="+mj-lt"/>
+              <a:buAutoNum type="arabicPeriod"/>
+            </a:pPr>
+            <a:r>
+              <a:rPr lang="it-IT" b="1" dirty="0">
+                <a:solidFill>
+                  <a:srgbClr val="00B050"/>
+                </a:solidFill>
+              </a:rPr>
+              <a:t>Immagine</a:t>
+            </a:r>
+          </a:p>
+          <a:p>
+            <a:pPr marL="342900" indent="-342900">
+              <a:buFont typeface="+mj-lt"/>
+              <a:buAutoNum type="arabicPeriod"/>
+            </a:pPr>
+            <a:r>
+              <a:rPr lang="it-IT" b="1" dirty="0">
+                <a:solidFill>
+                  <a:srgbClr val="FFC000"/>
+                </a:solidFill>
+              </a:rPr>
+              <a:t>Titolo-codice</a:t>
+            </a:r>
+          </a:p>
+          <a:p>
+            <a:pPr marL="342900" indent="-342900">
+              <a:buFont typeface="+mj-lt"/>
+              <a:buAutoNum type="arabicPeriod"/>
+            </a:pPr>
+            <a:r>
+              <a:rPr lang="it-IT" b="1" dirty="0">
+                <a:solidFill>
+                  <a:srgbClr val="FF0000"/>
+                </a:solidFill>
+              </a:rPr>
+              <a:t>Descrizione</a:t>
+            </a:r>
+          </a:p>
+        </p:txBody>
+      </p:sp>
+      <p:pic>
+        <p:nvPicPr>
+          <p:cNvPr id="8" name="Immagine 7">
+            <a:extLst>
+              <a:ext uri="{FF2B5EF4-FFF2-40B4-BE49-F238E27FC236}">
+                <a16:creationId xmlns:a16="http://schemas.microsoft.com/office/drawing/2014/main" id="{B185EA0B-8D1C-4BA5-A8D3-EA8459FBAE58}"/>
+              </a:ext>
+            </a:extLst>
+          </p:cNvPr>
+          <p:cNvPicPr>
+            <a:picLocks noChangeAspect="1"/>
+          </p:cNvPicPr>
+          <p:nvPr/>
+        </p:nvPicPr>
+        <p:blipFill>
+          <a:blip r:embed="rId4"/>
+          <a:stretch>
+            <a:fillRect/>
+          </a:stretch>
+        </p:blipFill>
+        <p:spPr>
+          <a:xfrm>
+            <a:off x="472947" y="3429000"/>
+            <a:ext cx="2947059" cy="2356478"/>
+          </a:xfrm>
+          <a:prstGeom prst="rect">
+            <a:avLst/>
+          </a:prstGeom>
+        </p:spPr>
+      </p:pic>
+      <p:sp>
+        <p:nvSpPr>
+          <p:cNvPr id="12" name="CasellaDiTesto 11">
+            <a:extLst>
+              <a:ext uri="{FF2B5EF4-FFF2-40B4-BE49-F238E27FC236}">
+                <a16:creationId xmlns:a16="http://schemas.microsoft.com/office/drawing/2014/main" id="{F9B74A19-FE2C-4F5E-81D6-90A7C0408EE8}"/>
+              </a:ext>
+            </a:extLst>
+          </p:cNvPr>
+          <p:cNvSpPr txBox="1"/>
+          <p:nvPr/>
+        </p:nvSpPr>
+        <p:spPr>
+          <a:xfrm>
+            <a:off x="2779935" y="3383280"/>
             <a:ext cx="838691" cy="369332"/>
           </a:xfrm>
           <a:prstGeom prst="rect">
@@ -26817,100 +27097,6 @@
                 </a:highlight>
               </a:rPr>
               <a:t>HTML</a:t>
-            </a:r>
-          </a:p>
-        </p:txBody>
-      </p:sp>
-      <p:sp>
-        <p:nvSpPr>
-          <p:cNvPr id="13" name="CasellaDiTesto 12">
-            <a:extLst>
-              <a:ext uri="{FF2B5EF4-FFF2-40B4-BE49-F238E27FC236}">
-                <a16:creationId xmlns:a16="http://schemas.microsoft.com/office/drawing/2014/main" id="{B14FD445-23E2-4B3B-BEA8-F9C55425400D}"/>
-              </a:ext>
-            </a:extLst>
-          </p:cNvPr>
-          <p:cNvSpPr txBox="1"/>
-          <p:nvPr/>
-        </p:nvSpPr>
-        <p:spPr>
-          <a:xfrm>
-            <a:off x="420624" y="1476089"/>
-            <a:ext cx="7383674" cy="1754326"/>
-          </a:xfrm>
-          <a:prstGeom prst="rect">
-            <a:avLst/>
-          </a:prstGeom>
-          <a:noFill/>
-        </p:spPr>
-        <p:txBody>
-          <a:bodyPr wrap="square" rtlCol="0">
-            <a:spAutoFit/>
-          </a:bodyPr>
-          <a:lstStyle/>
-          <a:p>
-            <a:r>
-              <a:rPr lang="it-IT" dirty="0"/>
-              <a:t>In sintesi un oggetto si compone di 4 parti:</a:t>
-            </a:r>
-          </a:p>
-          <a:p>
-            <a:endParaRPr lang="it-IT" dirty="0"/>
-          </a:p>
-          <a:p>
-            <a:pPr marL="342900" indent="-342900">
-              <a:buFont typeface="+mj-lt"/>
-              <a:buAutoNum type="arabicPeriod"/>
-            </a:pPr>
-            <a:r>
-              <a:rPr lang="it-IT" b="1" dirty="0">
-                <a:solidFill>
-                  <a:srgbClr val="0070C0"/>
-                </a:solidFill>
-              </a:rPr>
-              <a:t>Contrassegno preferiti</a:t>
-            </a:r>
-          </a:p>
-          <a:p>
-            <a:pPr marL="342900" indent="-342900">
-              <a:buFont typeface="+mj-lt"/>
-              <a:buAutoNum type="arabicPeriod"/>
-            </a:pPr>
-            <a:r>
-              <a:rPr lang="it-IT" b="1" dirty="0">
-                <a:solidFill>
-                  <a:srgbClr val="00B050"/>
-                </a:solidFill>
-              </a:rPr>
-              <a:t>Immagine</a:t>
-            </a:r>
-          </a:p>
-          <a:p>
-            <a:pPr marL="342900" indent="-342900">
-              <a:buFont typeface="+mj-lt"/>
-              <a:buAutoNum type="arabicPeriod"/>
-            </a:pPr>
-            <a:r>
-              <a:rPr lang="it-IT" b="1" dirty="0">
-                <a:solidFill>
-                  <a:srgbClr val="FFC000"/>
-                </a:solidFill>
-              </a:rPr>
-              <a:t>Titolo-codice</a:t>
-            </a:r>
-          </a:p>
-          <a:p>
-            <a:pPr marL="342900" indent="-342900">
-              <a:buFont typeface="+mj-lt"/>
-              <a:buAutoNum type="arabicPeriod"/>
-            </a:pPr>
-            <a:r>
-              <a:rPr lang="it-IT" b="1" dirty="0">
-                <a:solidFill>
-                  <a:srgbClr val="FF0000"/>
-                </a:solidFill>
-              </a:rPr>
-              <a:t>Descrizione</a:t>
             </a:r>
           </a:p>
         </p:txBody>
@@ -26945,57 +27131,19 @@
           <a:chExt cx="0" cy="0"/>
         </a:xfrm>
       </p:grpSpPr>
-      <p:sp>
-        <p:nvSpPr>
-          <p:cNvPr id="2" name="Titolo 1">
-            <a:extLst>
-              <a:ext uri="{FF2B5EF4-FFF2-40B4-BE49-F238E27FC236}">
-                <a16:creationId xmlns:a16="http://schemas.microsoft.com/office/drawing/2014/main" id="{C92B4A54-1960-4749-9AC9-AD212A24AD89}"/>
-              </a:ext>
-            </a:extLst>
-          </p:cNvPr>
-          <p:cNvSpPr>
-            <a:spLocks noGrp="1"/>
-          </p:cNvSpPr>
-          <p:nvPr>
-            <p:ph type="title"/>
-          </p:nvPr>
-        </p:nvSpPr>
-        <p:spPr/>
-        <p:txBody>
-          <a:bodyPr/>
-          <a:lstStyle/>
-          <a:p>
-            <a:r>
-              <a:rPr lang="it-IT" dirty="0"/>
-              <a:t>Funzione </a:t>
-            </a:r>
-            <a:r>
-              <a:rPr lang="it-IT" dirty="0" err="1"/>
-              <a:t>loadContents</a:t>
-            </a:r>
-            <a:r>
-              <a:rPr lang="it-IT" dirty="0"/>
-              <a:t>()</a:t>
-            </a:r>
-          </a:p>
-        </p:txBody>
-      </p:sp>
       <p:pic>
         <p:nvPicPr>
-          <p:cNvPr id="5" name="Segnaposto contenuto 4">
-            <a:extLst>
-              <a:ext uri="{FF2B5EF4-FFF2-40B4-BE49-F238E27FC236}">
-                <a16:creationId xmlns:a16="http://schemas.microsoft.com/office/drawing/2014/main" id="{A01932FD-0C0A-45E0-BB51-01A1E5B3A9DE}"/>
+          <p:cNvPr id="17" name="Immagine 16">
+            <a:extLst>
+              <a:ext uri="{FF2B5EF4-FFF2-40B4-BE49-F238E27FC236}">
+                <a16:creationId xmlns:a16="http://schemas.microsoft.com/office/drawing/2014/main" id="{705E008D-2A3F-49D9-A520-10E99B80E570}"/>
               </a:ext>
             </a:extLst>
           </p:cNvPr>
           <p:cNvPicPr>
-            <a:picLocks noGrp="1" noChangeAspect="1"/>
+            <a:picLocks noChangeAspect="1"/>
           </p:cNvPicPr>
-          <p:nvPr>
-            <p:ph idx="1"/>
-          </p:nvPr>
+          <p:nvPr/>
         </p:nvPicPr>
         <p:blipFill>
           <a:blip r:embed="rId2"/>
@@ -27005,17 +27153,20 @@
         </p:blipFill>
         <p:spPr>
           <a:xfrm>
-            <a:off x="420624" y="1690688"/>
-            <a:ext cx="3840300" cy="4206875"/>
+            <a:off x="4558056" y="1478862"/>
+            <a:ext cx="4673840" cy="5269608"/>
           </a:xfrm>
+          <a:prstGeom prst="rect">
+            <a:avLst/>
+          </a:prstGeom>
         </p:spPr>
       </p:pic>
       <p:pic>
         <p:nvPicPr>
-          <p:cNvPr id="7" name="Immagine 6">
-            <a:extLst>
-              <a:ext uri="{FF2B5EF4-FFF2-40B4-BE49-F238E27FC236}">
-                <a16:creationId xmlns:a16="http://schemas.microsoft.com/office/drawing/2014/main" id="{73167BFD-9371-4B80-A895-336BE6BA63F0}"/>
+          <p:cNvPr id="10" name="Immagine 9">
+            <a:extLst>
+              <a:ext uri="{FF2B5EF4-FFF2-40B4-BE49-F238E27FC236}">
+                <a16:creationId xmlns:a16="http://schemas.microsoft.com/office/drawing/2014/main" id="{9055F0A9-6FAB-4F4A-8669-0F1D64754B96}"/>
               </a:ext>
             </a:extLst>
           </p:cNvPr>
@@ -27032,8 +27183,8 @@
         </p:blipFill>
         <p:spPr>
           <a:xfrm>
-            <a:off x="4318537" y="1721335"/>
-            <a:ext cx="4693987" cy="4206875"/>
+            <a:off x="45703" y="1598355"/>
+            <a:ext cx="4343623" cy="5150115"/>
           </a:xfrm>
           <a:prstGeom prst="rect">
             <a:avLst/>
@@ -27042,6 +27193,42 @@
       </p:pic>
       <p:sp>
         <p:nvSpPr>
+          <p:cNvPr id="2" name="Titolo 1">
+            <a:extLst>
+              <a:ext uri="{FF2B5EF4-FFF2-40B4-BE49-F238E27FC236}">
+                <a16:creationId xmlns:a16="http://schemas.microsoft.com/office/drawing/2014/main" id="{C92B4A54-1960-4749-9AC9-AD212A24AD89}"/>
+              </a:ext>
+            </a:extLst>
+          </p:cNvPr>
+          <p:cNvSpPr>
+            <a:spLocks noGrp="1"/>
+          </p:cNvSpPr>
+          <p:nvPr>
+            <p:ph type="title"/>
+          </p:nvPr>
+        </p:nvSpPr>
+        <p:spPr/>
+        <p:txBody>
+          <a:bodyPr/>
+          <a:lstStyle/>
+          <a:p>
+            <a:r>
+              <a:rPr lang="it-IT" dirty="0"/>
+              <a:t>Funzione </a:t>
+            </a:r>
+            <a:r>
+              <a:rPr lang="it-IT" dirty="0" err="1"/>
+              <a:t>loadContents</a:t>
+            </a:r>
+            <a:r>
+              <a:rPr lang="it-IT" dirty="0"/>
+              <a:t>()</a:t>
+            </a:r>
+          </a:p>
+        </p:txBody>
+      </p:sp>
+      <p:sp>
+        <p:nvSpPr>
           <p:cNvPr id="8" name="CasellaDiTesto 7">
             <a:extLst>
               <a:ext uri="{FF2B5EF4-FFF2-40B4-BE49-F238E27FC236}">
@@ -27054,7 +27241,7 @@
         </p:nvSpPr>
         <p:spPr>
           <a:xfrm>
-            <a:off x="3295583" y="1506022"/>
+            <a:off x="4054036" y="1478863"/>
             <a:ext cx="312906" cy="369332"/>
           </a:xfrm>
           <a:prstGeom prst="rect">
@@ -27093,7 +27280,7 @@
         </p:nvSpPr>
         <p:spPr>
           <a:xfrm>
-            <a:off x="8452334" y="1521346"/>
+            <a:off x="8801602" y="1294197"/>
             <a:ext cx="312906" cy="369332"/>
           </a:xfrm>
           <a:prstGeom prst="rect">
@@ -27133,9 +27320,9 @@
           <p:nvPr/>
         </p:nvCxnSpPr>
         <p:spPr>
-          <a:xfrm>
-            <a:off x="4260924" y="1536669"/>
-            <a:ext cx="57613" cy="5075887"/>
+          <a:xfrm flipH="1">
+            <a:off x="4460116" y="1521346"/>
+            <a:ext cx="4766" cy="5091210"/>
           </a:xfrm>
           <a:prstGeom prst="line">
             <a:avLst/>

--- a/mhw2.pptx
+++ b/mhw2.pptx
@@ -218,7 +218,7 @@
           <a:p>
             <a:fld id="{2EEC1238-D108-4679-81F9-043439F13AB5}" type="datetimeFigureOut">
               <a:rPr lang="it-IT" smtClean="0"/>
-              <a:t>10/04/2021</a:t>
+              <a:t>11/04/2021</a:t>
             </a:fld>
             <a:endParaRPr lang="it-IT"/>
           </a:p>
@@ -835,7 +835,7 @@
           <a:p>
             <a:fld id="{403CB87E-4591-47A1-9046-CF63F17215EF}" type="datetime2">
               <a:rPr lang="en-US" smtClean="0"/>
-              <a:t>Saturday, April 10, 2021</a:t>
+              <a:t>Sunday, April 11, 2021</a:t>
             </a:fld>
             <a:endParaRPr lang="en-US" dirty="0"/>
           </a:p>
@@ -1057,7 +1057,7 @@
           <a:p>
             <a:fld id="{2FA17F0E-8070-4DFE-A821-9A699EDBAD7E}" type="datetime2">
               <a:rPr lang="en-US" smtClean="0"/>
-              <a:t>Saturday, April 10, 2021</a:t>
+              <a:t>Sunday, April 11, 2021</a:t>
             </a:fld>
             <a:endParaRPr lang="en-US"/>
           </a:p>
@@ -1269,7 +1269,7 @@
           <a:p>
             <a:fld id="{D88D34AE-C7BF-46E5-A968-01C6641F6476}" type="datetime2">
               <a:rPr lang="en-US" smtClean="0"/>
-              <a:t>Saturday, April 10, 2021</a:t>
+              <a:t>Sunday, April 11, 2021</a:t>
             </a:fld>
             <a:endParaRPr lang="en-US"/>
           </a:p>
@@ -3693,7 +3693,7 @@
           <a:p>
             <a:fld id="{3C04E684-10F4-4CC3-A0B9-F03AA7BE37CF}" type="datetimeFigureOut">
               <a:rPr lang="en-US" smtClean="0"/>
-              <a:t>4/10/2021</a:t>
+              <a:t>4/11/2021</a:t>
             </a:fld>
             <a:endParaRPr lang="en-US"/>
           </a:p>
@@ -4430,7 +4430,7 @@
           <a:p>
             <a:fld id="{3C04E684-10F4-4CC3-A0B9-F03AA7BE37CF}" type="datetimeFigureOut">
               <a:rPr lang="en-US" smtClean="0"/>
-              <a:t>4/10/2021</a:t>
+              <a:t>4/11/2021</a:t>
             </a:fld>
             <a:endParaRPr lang="en-US"/>
           </a:p>
@@ -5072,7 +5072,7 @@
           <a:p>
             <a:fld id="{3C04E684-10F4-4CC3-A0B9-F03AA7BE37CF}" type="datetimeFigureOut">
               <a:rPr lang="en-US" smtClean="0"/>
-              <a:t>4/10/2021</a:t>
+              <a:t>4/11/2021</a:t>
             </a:fld>
             <a:endParaRPr lang="en-US"/>
           </a:p>
@@ -5872,7 +5872,7 @@
           <a:p>
             <a:fld id="{3C04E684-10F4-4CC3-A0B9-F03AA7BE37CF}" type="datetimeFigureOut">
               <a:rPr lang="en-US" smtClean="0"/>
-              <a:t>4/10/2021</a:t>
+              <a:t>4/11/2021</a:t>
             </a:fld>
             <a:endParaRPr lang="en-US"/>
           </a:p>
@@ -6823,7 +6823,7 @@
           <a:p>
             <a:fld id="{3C04E684-10F4-4CC3-A0B9-F03AA7BE37CF}" type="datetimeFigureOut">
               <a:rPr lang="en-US" smtClean="0"/>
-              <a:t>4/10/2021</a:t>
+              <a:t>4/11/2021</a:t>
             </a:fld>
             <a:endParaRPr lang="en-US"/>
           </a:p>
@@ -9172,7 +9172,7 @@
           <a:p>
             <a:fld id="{3C04E684-10F4-4CC3-A0B9-F03AA7BE37CF}" type="datetimeFigureOut">
               <a:rPr lang="en-US" smtClean="0"/>
-              <a:t>4/10/2021</a:t>
+              <a:t>4/11/2021</a:t>
             </a:fld>
             <a:endParaRPr lang="en-US"/>
           </a:p>
@@ -9285,7 +9285,7 @@
           <a:p>
             <a:fld id="{3C04E684-10F4-4CC3-A0B9-F03AA7BE37CF}" type="datetimeFigureOut">
               <a:rPr lang="en-US" smtClean="0"/>
-              <a:t>4/10/2021</a:t>
+              <a:t>4/11/2021</a:t>
             </a:fld>
             <a:endParaRPr lang="en-US"/>
           </a:p>
@@ -9792,7 +9792,7 @@
           <a:p>
             <a:fld id="{3C04E684-10F4-4CC3-A0B9-F03AA7BE37CF}" type="datetimeFigureOut">
               <a:rPr lang="en-US" smtClean="0"/>
-              <a:t>4/10/2021</a:t>
+              <a:t>4/11/2021</a:t>
             </a:fld>
             <a:endParaRPr lang="en-US"/>
           </a:p>
@@ -10029,7 +10029,7 @@
           <a:p>
             <a:fld id="{F33DE70B-B772-416E-A790-995760B1742E}" type="datetime2">
               <a:rPr lang="en-US" smtClean="0"/>
-              <a:t>Saturday, April 10, 2021</a:t>
+              <a:t>Sunday, April 11, 2021</a:t>
             </a:fld>
             <a:endParaRPr lang="en-US" dirty="0"/>
           </a:p>
@@ -11352,7 +11352,7 @@
           <a:p>
             <a:fld id="{3C04E684-10F4-4CC3-A0B9-F03AA7BE37CF}" type="datetimeFigureOut">
               <a:rPr lang="en-US" smtClean="0"/>
-              <a:t>4/10/2021</a:t>
+              <a:t>4/11/2021</a:t>
             </a:fld>
             <a:endParaRPr lang="en-US"/>
           </a:p>
@@ -13846,7 +13846,7 @@
           <a:p>
             <a:fld id="{3C04E684-10F4-4CC3-A0B9-F03AA7BE37CF}" type="datetimeFigureOut">
               <a:rPr lang="en-US" smtClean="0"/>
-              <a:t>4/10/2021</a:t>
+              <a:t>4/11/2021</a:t>
             </a:fld>
             <a:endParaRPr lang="en-US"/>
           </a:p>
@@ -14044,7 +14044,7 @@
           <a:p>
             <a:fld id="{3C04E684-10F4-4CC3-A0B9-F03AA7BE37CF}" type="datetimeFigureOut">
               <a:rPr lang="en-US" smtClean="0"/>
-              <a:t>4/10/2021</a:t>
+              <a:t>4/11/2021</a:t>
             </a:fld>
             <a:endParaRPr lang="en-US"/>
           </a:p>
@@ -14252,7 +14252,7 @@
           <a:p>
             <a:fld id="{3C04E684-10F4-4CC3-A0B9-F03AA7BE37CF}" type="datetimeFigureOut">
               <a:rPr lang="en-US" smtClean="0"/>
-              <a:t>4/10/2021</a:t>
+              <a:t>4/11/2021</a:t>
             </a:fld>
             <a:endParaRPr lang="en-US"/>
           </a:p>
@@ -14531,7 +14531,7 @@
           <a:p>
             <a:fld id="{76760CDE-A6F1-4138-AF12-ED09E8E5FB6B}" type="datetime2">
               <a:rPr lang="en-US" smtClean="0"/>
-              <a:t>Saturday, April 10, 2021</a:t>
+              <a:t>Sunday, April 11, 2021</a:t>
             </a:fld>
             <a:endParaRPr lang="en-US"/>
           </a:p>
@@ -14863,7 +14863,7 @@
           <a:p>
             <a:fld id="{DB15F8B1-DB7B-4D28-A97D-40FB2DD1EF78}" type="datetime2">
               <a:rPr lang="en-US" smtClean="0"/>
-              <a:t>Saturday, April 10, 2021</a:t>
+              <a:t>Sunday, April 11, 2021</a:t>
             </a:fld>
             <a:endParaRPr lang="en-US"/>
           </a:p>
@@ -15309,7 +15309,7 @@
           <a:p>
             <a:fld id="{14039161-23B8-4738-9069-73EBE8884FDD}" type="datetime2">
               <a:rPr lang="en-US" smtClean="0"/>
-              <a:t>Saturday, April 10, 2021</a:t>
+              <a:t>Sunday, April 11, 2021</a:t>
             </a:fld>
             <a:endParaRPr lang="en-US"/>
           </a:p>
@@ -15465,7 +15465,7 @@
           <a:p>
             <a:fld id="{FA994D44-7693-499F-AC6C-11696134FE3F}" type="datetime2">
               <a:rPr lang="en-US" smtClean="0"/>
-              <a:t>Saturday, April 10, 2021</a:t>
+              <a:t>Sunday, April 11, 2021</a:t>
             </a:fld>
             <a:endParaRPr lang="en-US"/>
           </a:p>
@@ -15582,7 +15582,7 @@
           <a:p>
             <a:fld id="{363AF2AE-472C-4EF3-ABB2-24BAA9AE3CF7}" type="datetime2">
               <a:rPr lang="en-US" smtClean="0"/>
-              <a:t>Saturday, April 10, 2021</a:t>
+              <a:t>Sunday, April 11, 2021</a:t>
             </a:fld>
             <a:endParaRPr lang="en-US"/>
           </a:p>
@@ -15909,7 +15909,7 @@
           <a:p>
             <a:fld id="{EAEA162C-A7C1-4263-9453-1BAFF8C39559}" type="datetime2">
               <a:rPr lang="en-US" smtClean="0"/>
-              <a:t>Saturday, April 10, 2021</a:t>
+              <a:t>Sunday, April 11, 2021</a:t>
             </a:fld>
             <a:endParaRPr lang="en-US"/>
           </a:p>
@@ -16215,7 +16215,7 @@
           <a:p>
             <a:fld id="{64DF6793-3458-4587-8168-65F0C37A92D2}" type="datetime2">
               <a:rPr lang="en-US" smtClean="0"/>
-              <a:t>Saturday, April 10, 2021</a:t>
+              <a:t>Sunday, April 11, 2021</a:t>
             </a:fld>
             <a:endParaRPr lang="en-US"/>
           </a:p>
@@ -16568,7 +16568,7 @@
             <a:fld id="{E8352ED3-3C46-4C9A-9738-67B2D875E7E2}" type="datetime2">
               <a:rPr lang="en-US" smtClean="0"/>
               <a:pPr/>
-              <a:t>Saturday, April 10, 2021</a:t>
+              <a:t>Sunday, April 11, 2021</a:t>
             </a:fld>
             <a:endParaRPr lang="en-US" dirty="0"/>
           </a:p>
@@ -17154,7 +17154,7 @@
           <a:p>
             <a:fld id="{3C04E684-10F4-4CC3-A0B9-F03AA7BE37CF}" type="datetimeFigureOut">
               <a:rPr lang="en-US" smtClean="0"/>
-              <a:t>4/10/2021</a:t>
+              <a:t>4/11/2021</a:t>
             </a:fld>
             <a:endParaRPr lang="en-US"/>
           </a:p>
@@ -21267,6 +21267,36 @@
           <a:chExt cx="0" cy="0"/>
         </a:xfrm>
       </p:grpSpPr>
+      <p:pic>
+        <p:nvPicPr>
+          <p:cNvPr id="10" name="Immagine 9">
+            <a:extLst>
+              <a:ext uri="{FF2B5EF4-FFF2-40B4-BE49-F238E27FC236}">
+                <a16:creationId xmlns:a16="http://schemas.microsoft.com/office/drawing/2014/main" id="{00109437-F94C-4322-A6EB-528E4ABC8D24}"/>
+              </a:ext>
+            </a:extLst>
+          </p:cNvPr>
+          <p:cNvPicPr>
+            <a:picLocks noChangeAspect="1"/>
+          </p:cNvPicPr>
+          <p:nvPr/>
+        </p:nvPicPr>
+        <p:blipFill>
+          <a:blip r:embed="rId2"/>
+          <a:stretch>
+            <a:fillRect/>
+          </a:stretch>
+        </p:blipFill>
+        <p:spPr>
+          <a:xfrm>
+            <a:off x="5738546" y="872551"/>
+            <a:ext cx="5790013" cy="3740873"/>
+          </a:xfrm>
+          <a:prstGeom prst="rect">
+            <a:avLst/>
+          </a:prstGeom>
+        </p:spPr>
+      </p:pic>
       <p:sp>
         <p:nvSpPr>
           <p:cNvPr id="2" name="Titolo 1">
@@ -21309,7 +21339,7 @@
         </p:nvSpPr>
         <p:spPr>
           <a:xfrm>
-            <a:off x="9560708" y="571302"/>
+            <a:off x="10368428" y="356620"/>
             <a:ext cx="1402948" cy="369332"/>
           </a:xfrm>
           <a:prstGeom prst="rect">
@@ -21436,36 +21466,6 @@
           </a:p>
         </p:txBody>
       </p:sp>
-      <p:pic>
-        <p:nvPicPr>
-          <p:cNvPr id="19" name="Immagine 18">
-            <a:extLst>
-              <a:ext uri="{FF2B5EF4-FFF2-40B4-BE49-F238E27FC236}">
-                <a16:creationId xmlns:a16="http://schemas.microsoft.com/office/drawing/2014/main" id="{5591CAFF-DAED-4779-9506-091831B77493}"/>
-              </a:ext>
-            </a:extLst>
-          </p:cNvPr>
-          <p:cNvPicPr>
-            <a:picLocks noChangeAspect="1"/>
-          </p:cNvPicPr>
-          <p:nvPr/>
-        </p:nvPicPr>
-        <p:blipFill>
-          <a:blip r:embed="rId2"/>
-          <a:stretch>
-            <a:fillRect/>
-          </a:stretch>
-        </p:blipFill>
-        <p:spPr>
-          <a:xfrm>
-            <a:off x="6206011" y="1276259"/>
-            <a:ext cx="5372100" cy="3076575"/>
-          </a:xfrm>
-          <a:prstGeom prst="rect">
-            <a:avLst/>
-          </a:prstGeom>
-        </p:spPr>
-      </p:pic>
       <p:sp>
         <p:nvSpPr>
           <p:cNvPr id="12" name="CasellaDiTesto 11">
@@ -21527,7 +21527,7 @@
         </p:blipFill>
         <p:spPr>
           <a:xfrm>
-            <a:off x="371072" y="1408826"/>
+            <a:off x="371072" y="1418451"/>
             <a:ext cx="5044440" cy="5252332"/>
           </a:xfrm>
           <a:prstGeom prst="rect">
@@ -21677,7 +21677,7 @@
         <p:spPr>
           <a:xfrm>
             <a:off x="818649" y="3652837"/>
-            <a:ext cx="10962674" cy="646331"/>
+            <a:ext cx="10962674" cy="923330"/>
           </a:xfrm>
           <a:prstGeom prst="rect">
             <a:avLst/>
@@ -21708,7 +21708,7 @@
             </a:r>
             <a:r>
               <a:rPr lang="it-IT" dirty="0"/>
-              <a:t>è solo uno) in caso l’utente non fosse più interessato alla ricerca e voglia togliere i risultati trovati.</a:t>
+              <a:t>è solo uno) in caso l’utente non fosse più interessato alla ricerca e voglia togliere i risultati trovati. (Premesso che basta cancellare l’input dalla barra di ricerca per far sparire il div di classe ‘filtrati’).</a:t>
             </a:r>
           </a:p>
         </p:txBody>
